--- a/Classification Advanced - Decision Tree/Classification Advanced - Decision Tree.pptx
+++ b/Classification Advanced - Decision Tree/Classification Advanced - Decision Tree.pptx
@@ -3,10 +3,19 @@
 <p:presentation xmlns:a="http://schemas.openxmlformats.org/drawingml/2006/main" xmlns:r="http://schemas.openxmlformats.org/officeDocument/2006/relationships" xmlns:p="http://schemas.openxmlformats.org/presentationml/2006/main" saveSubsetFonts="1">
   <p:sldMasterIdLst>
     <p:sldMasterId id="2147483724" r:id="rId1"/>
-    <p:sldMasterId id="2147483772" r:id="rId2"/>
+    <p:sldMasterId id="2147483820" r:id="rId2"/>
   </p:sldMasterIdLst>
+  <p:notesMasterIdLst>
+    <p:notesMasterId r:id="rId10"/>
+  </p:notesMasterIdLst>
   <p:sldIdLst>
     <p:sldId id="256" r:id="rId3"/>
+    <p:sldId id="258" r:id="rId4"/>
+    <p:sldId id="259" r:id="rId5"/>
+    <p:sldId id="260" r:id="rId6"/>
+    <p:sldId id="261" r:id="rId7"/>
+    <p:sldId id="257" r:id="rId8"/>
+    <p:sldId id="262" r:id="rId9"/>
   </p:sldIdLst>
   <p:sldSz cx="12192000" cy="6858000"/>
   <p:notesSz cx="6858000" cy="9144000"/>
@@ -105,7 +114,445 @@
       </a:defRPr>
     </a:lvl9pPr>
   </p:defaultTextStyle>
+  <p:extLst>
+    <p:ext uri="{EFAFB233-063F-42B5-8137-9DF3F51BA10A}">
+      <p15:sldGuideLst xmlns:p15="http://schemas.microsoft.com/office/powerpoint/2012/main"/>
+    </p:ext>
+  </p:extLst>
 </p:presentation>
+</file>
+
+<file path=ppt/notesMasters/notesMaster1.xml><?xml version="1.0" encoding="utf-8"?>
+<p:notesMaster xmlns:a="http://schemas.openxmlformats.org/drawingml/2006/main" xmlns:r="http://schemas.openxmlformats.org/officeDocument/2006/relationships" xmlns:p="http://schemas.openxmlformats.org/presentationml/2006/main">
+  <p:cSld>
+    <p:bg>
+      <p:bgRef idx="1001">
+        <a:schemeClr val="bg1"/>
+      </p:bgRef>
+    </p:bg>
+    <p:spTree>
+      <p:nvGrpSpPr>
+        <p:cNvPr id="1" name=""/>
+        <p:cNvGrpSpPr/>
+        <p:nvPr/>
+      </p:nvGrpSpPr>
+      <p:grpSpPr>
+        <a:xfrm>
+          <a:off x="0" y="0"/>
+          <a:ext cx="0" cy="0"/>
+          <a:chOff x="0" y="0"/>
+          <a:chExt cx="0" cy="0"/>
+        </a:xfrm>
+      </p:grpSpPr>
+      <p:sp>
+        <p:nvSpPr>
+          <p:cNvPr id="2" name="Symbol zastępczy nagłówka 1"/>
+          <p:cNvSpPr>
+            <a:spLocks noGrp="1"/>
+          </p:cNvSpPr>
+          <p:nvPr>
+            <p:ph type="hdr" sz="quarter"/>
+          </p:nvPr>
+        </p:nvSpPr>
+        <p:spPr>
+          <a:xfrm>
+            <a:off x="0" y="0"/>
+            <a:ext cx="2971800" cy="458788"/>
+          </a:xfrm>
+          <a:prstGeom prst="rect">
+            <a:avLst/>
+          </a:prstGeom>
+        </p:spPr>
+        <p:txBody>
+          <a:bodyPr vert="horz" lIns="91440" tIns="45720" rIns="91440" bIns="45720" rtlCol="0"/>
+          <a:lstStyle>
+            <a:lvl1pPr algn="l">
+              <a:defRPr sz="1200"/>
+            </a:lvl1pPr>
+          </a:lstStyle>
+          <a:p>
+            <a:endParaRPr lang="pl-PL"/>
+          </a:p>
+        </p:txBody>
+      </p:sp>
+      <p:sp>
+        <p:nvSpPr>
+          <p:cNvPr id="3" name="Symbol zastępczy daty 2"/>
+          <p:cNvSpPr>
+            <a:spLocks noGrp="1"/>
+          </p:cNvSpPr>
+          <p:nvPr>
+            <p:ph type="dt" idx="1"/>
+          </p:nvPr>
+        </p:nvSpPr>
+        <p:spPr>
+          <a:xfrm>
+            <a:off x="3884613" y="0"/>
+            <a:ext cx="2971800" cy="458788"/>
+          </a:xfrm>
+          <a:prstGeom prst="rect">
+            <a:avLst/>
+          </a:prstGeom>
+        </p:spPr>
+        <p:txBody>
+          <a:bodyPr vert="horz" lIns="91440" tIns="45720" rIns="91440" bIns="45720" rtlCol="0"/>
+          <a:lstStyle>
+            <a:lvl1pPr algn="r">
+              <a:defRPr sz="1200"/>
+            </a:lvl1pPr>
+          </a:lstStyle>
+          <a:p>
+            <a:fld id="{71DCA631-F94F-4307-9397-E4D14E6B6375}" type="datetimeFigureOut">
+              <a:rPr lang="pl-PL" smtClean="0"/>
+              <a:t>2018-01-29</a:t>
+            </a:fld>
+            <a:endParaRPr lang="pl-PL"/>
+          </a:p>
+        </p:txBody>
+      </p:sp>
+      <p:sp>
+        <p:nvSpPr>
+          <p:cNvPr id="4" name="Symbol zastępczy obrazu slajdu 3"/>
+          <p:cNvSpPr>
+            <a:spLocks noGrp="1" noRot="1" noChangeAspect="1"/>
+          </p:cNvSpPr>
+          <p:nvPr>
+            <p:ph type="sldImg" idx="2"/>
+          </p:nvPr>
+        </p:nvSpPr>
+        <p:spPr>
+          <a:xfrm>
+            <a:off x="685800" y="1143000"/>
+            <a:ext cx="5486400" cy="3086100"/>
+          </a:xfrm>
+          <a:prstGeom prst="rect">
+            <a:avLst/>
+          </a:prstGeom>
+          <a:noFill/>
+          <a:ln w="12700">
+            <a:solidFill>
+              <a:prstClr val="black"/>
+            </a:solidFill>
+          </a:ln>
+        </p:spPr>
+        <p:txBody>
+          <a:bodyPr vert="horz" lIns="91440" tIns="45720" rIns="91440" bIns="45720" rtlCol="0" anchor="ctr"/>
+          <a:lstStyle/>
+          <a:p>
+            <a:endParaRPr lang="pl-PL"/>
+          </a:p>
+        </p:txBody>
+      </p:sp>
+      <p:sp>
+        <p:nvSpPr>
+          <p:cNvPr id="5" name="Symbol zastępczy notatek 4"/>
+          <p:cNvSpPr>
+            <a:spLocks noGrp="1"/>
+          </p:cNvSpPr>
+          <p:nvPr>
+            <p:ph type="body" sz="quarter" idx="3"/>
+          </p:nvPr>
+        </p:nvSpPr>
+        <p:spPr>
+          <a:xfrm>
+            <a:off x="685800" y="4400550"/>
+            <a:ext cx="5486400" cy="3600450"/>
+          </a:xfrm>
+          <a:prstGeom prst="rect">
+            <a:avLst/>
+          </a:prstGeom>
+        </p:spPr>
+        <p:txBody>
+          <a:bodyPr vert="horz" lIns="91440" tIns="45720" rIns="91440" bIns="45720" rtlCol="0"/>
+          <a:lstStyle/>
+          <a:p>
+            <a:pPr lvl="0"/>
+            <a:r>
+              <a:rPr lang="pl-PL"/>
+              <a:t>Edytuj style wzorca tekstu</a:t>
+            </a:r>
+          </a:p>
+          <a:p>
+            <a:pPr lvl="1"/>
+            <a:r>
+              <a:rPr lang="pl-PL"/>
+              <a:t>Drugi poziom</a:t>
+            </a:r>
+          </a:p>
+          <a:p>
+            <a:pPr lvl="2"/>
+            <a:r>
+              <a:rPr lang="pl-PL"/>
+              <a:t>Trzeci poziom</a:t>
+            </a:r>
+          </a:p>
+          <a:p>
+            <a:pPr lvl="3"/>
+            <a:r>
+              <a:rPr lang="pl-PL"/>
+              <a:t>Czwarty poziom</a:t>
+            </a:r>
+          </a:p>
+          <a:p>
+            <a:pPr lvl="4"/>
+            <a:r>
+              <a:rPr lang="pl-PL"/>
+              <a:t>Piąty poziom</a:t>
+            </a:r>
+          </a:p>
+        </p:txBody>
+      </p:sp>
+      <p:sp>
+        <p:nvSpPr>
+          <p:cNvPr id="6" name="Symbol zastępczy stopki 5"/>
+          <p:cNvSpPr>
+            <a:spLocks noGrp="1"/>
+          </p:cNvSpPr>
+          <p:nvPr>
+            <p:ph type="ftr" sz="quarter" idx="4"/>
+          </p:nvPr>
+        </p:nvSpPr>
+        <p:spPr>
+          <a:xfrm>
+            <a:off x="0" y="8685213"/>
+            <a:ext cx="2971800" cy="458787"/>
+          </a:xfrm>
+          <a:prstGeom prst="rect">
+            <a:avLst/>
+          </a:prstGeom>
+        </p:spPr>
+        <p:txBody>
+          <a:bodyPr vert="horz" lIns="91440" tIns="45720" rIns="91440" bIns="45720" rtlCol="0" anchor="b"/>
+          <a:lstStyle>
+            <a:lvl1pPr algn="l">
+              <a:defRPr sz="1200"/>
+            </a:lvl1pPr>
+          </a:lstStyle>
+          <a:p>
+            <a:endParaRPr lang="pl-PL"/>
+          </a:p>
+        </p:txBody>
+      </p:sp>
+      <p:sp>
+        <p:nvSpPr>
+          <p:cNvPr id="7" name="Symbol zastępczy numeru slajdu 6"/>
+          <p:cNvSpPr>
+            <a:spLocks noGrp="1"/>
+          </p:cNvSpPr>
+          <p:nvPr>
+            <p:ph type="sldNum" sz="quarter" idx="5"/>
+          </p:nvPr>
+        </p:nvSpPr>
+        <p:spPr>
+          <a:xfrm>
+            <a:off x="3884613" y="8685213"/>
+            <a:ext cx="2971800" cy="458787"/>
+          </a:xfrm>
+          <a:prstGeom prst="rect">
+            <a:avLst/>
+          </a:prstGeom>
+        </p:spPr>
+        <p:txBody>
+          <a:bodyPr vert="horz" lIns="91440" tIns="45720" rIns="91440" bIns="45720" rtlCol="0" anchor="b"/>
+          <a:lstStyle>
+            <a:lvl1pPr algn="r">
+              <a:defRPr sz="1200"/>
+            </a:lvl1pPr>
+          </a:lstStyle>
+          <a:p>
+            <a:fld id="{E3BF9713-56A1-4F38-957E-64597942F7FB}" type="slidenum">
+              <a:rPr lang="pl-PL" smtClean="0"/>
+              <a:t>‹#›</a:t>
+            </a:fld>
+            <a:endParaRPr lang="pl-PL"/>
+          </a:p>
+        </p:txBody>
+      </p:sp>
+    </p:spTree>
+    <p:extLst>
+      <p:ext uri="{BB962C8B-B14F-4D97-AF65-F5344CB8AC3E}">
+        <p14:creationId xmlns:p14="http://schemas.microsoft.com/office/powerpoint/2010/main" val="2436695873"/>
+      </p:ext>
+    </p:extLst>
+  </p:cSld>
+  <p:clrMap bg1="lt1" tx1="dk1" bg2="lt2" tx2="dk2" accent1="accent1" accent2="accent2" accent3="accent3" accent4="accent4" accent5="accent5" accent6="accent6" hlink="hlink" folHlink="folHlink"/>
+  <p:notesStyle>
+    <a:lvl1pPr marL="0" algn="l" defTabSz="914400" rtl="0" eaLnBrk="1" latinLnBrk="0" hangingPunct="1">
+      <a:defRPr sz="1200" kern="1200">
+        <a:solidFill>
+          <a:schemeClr val="tx1"/>
+        </a:solidFill>
+        <a:latin typeface="+mn-lt"/>
+        <a:ea typeface="+mn-ea"/>
+        <a:cs typeface="+mn-cs"/>
+      </a:defRPr>
+    </a:lvl1pPr>
+    <a:lvl2pPr marL="457200" algn="l" defTabSz="914400" rtl="0" eaLnBrk="1" latinLnBrk="0" hangingPunct="1">
+      <a:defRPr sz="1200" kern="1200">
+        <a:solidFill>
+          <a:schemeClr val="tx1"/>
+        </a:solidFill>
+        <a:latin typeface="+mn-lt"/>
+        <a:ea typeface="+mn-ea"/>
+        <a:cs typeface="+mn-cs"/>
+      </a:defRPr>
+    </a:lvl2pPr>
+    <a:lvl3pPr marL="914400" algn="l" defTabSz="914400" rtl="0" eaLnBrk="1" latinLnBrk="0" hangingPunct="1">
+      <a:defRPr sz="1200" kern="1200">
+        <a:solidFill>
+          <a:schemeClr val="tx1"/>
+        </a:solidFill>
+        <a:latin typeface="+mn-lt"/>
+        <a:ea typeface="+mn-ea"/>
+        <a:cs typeface="+mn-cs"/>
+      </a:defRPr>
+    </a:lvl3pPr>
+    <a:lvl4pPr marL="1371600" algn="l" defTabSz="914400" rtl="0" eaLnBrk="1" latinLnBrk="0" hangingPunct="1">
+      <a:defRPr sz="1200" kern="1200">
+        <a:solidFill>
+          <a:schemeClr val="tx1"/>
+        </a:solidFill>
+        <a:latin typeface="+mn-lt"/>
+        <a:ea typeface="+mn-ea"/>
+        <a:cs typeface="+mn-cs"/>
+      </a:defRPr>
+    </a:lvl4pPr>
+    <a:lvl5pPr marL="1828800" algn="l" defTabSz="914400" rtl="0" eaLnBrk="1" latinLnBrk="0" hangingPunct="1">
+      <a:defRPr sz="1200" kern="1200">
+        <a:solidFill>
+          <a:schemeClr val="tx1"/>
+        </a:solidFill>
+        <a:latin typeface="+mn-lt"/>
+        <a:ea typeface="+mn-ea"/>
+        <a:cs typeface="+mn-cs"/>
+      </a:defRPr>
+    </a:lvl5pPr>
+    <a:lvl6pPr marL="2286000" algn="l" defTabSz="914400" rtl="0" eaLnBrk="1" latinLnBrk="0" hangingPunct="1">
+      <a:defRPr sz="1200" kern="1200">
+        <a:solidFill>
+          <a:schemeClr val="tx1"/>
+        </a:solidFill>
+        <a:latin typeface="+mn-lt"/>
+        <a:ea typeface="+mn-ea"/>
+        <a:cs typeface="+mn-cs"/>
+      </a:defRPr>
+    </a:lvl6pPr>
+    <a:lvl7pPr marL="2743200" algn="l" defTabSz="914400" rtl="0" eaLnBrk="1" latinLnBrk="0" hangingPunct="1">
+      <a:defRPr sz="1200" kern="1200">
+        <a:solidFill>
+          <a:schemeClr val="tx1"/>
+        </a:solidFill>
+        <a:latin typeface="+mn-lt"/>
+        <a:ea typeface="+mn-ea"/>
+        <a:cs typeface="+mn-cs"/>
+      </a:defRPr>
+    </a:lvl7pPr>
+    <a:lvl8pPr marL="3200400" algn="l" defTabSz="914400" rtl="0" eaLnBrk="1" latinLnBrk="0" hangingPunct="1">
+      <a:defRPr sz="1200" kern="1200">
+        <a:solidFill>
+          <a:schemeClr val="tx1"/>
+        </a:solidFill>
+        <a:latin typeface="+mn-lt"/>
+        <a:ea typeface="+mn-ea"/>
+        <a:cs typeface="+mn-cs"/>
+      </a:defRPr>
+    </a:lvl8pPr>
+    <a:lvl9pPr marL="3657600" algn="l" defTabSz="914400" rtl="0" eaLnBrk="1" latinLnBrk="0" hangingPunct="1">
+      <a:defRPr sz="1200" kern="1200">
+        <a:solidFill>
+          <a:schemeClr val="tx1"/>
+        </a:solidFill>
+        <a:latin typeface="+mn-lt"/>
+        <a:ea typeface="+mn-ea"/>
+        <a:cs typeface="+mn-cs"/>
+      </a:defRPr>
+    </a:lvl9pPr>
+  </p:notesStyle>
+</p:notesMaster>
+</file>
+
+<file path=ppt/notesSlides/notesSlide1.xml><?xml version="1.0" encoding="utf-8"?>
+<p:notes xmlns:a="http://schemas.openxmlformats.org/drawingml/2006/main" xmlns:r="http://schemas.openxmlformats.org/officeDocument/2006/relationships" xmlns:p="http://schemas.openxmlformats.org/presentationml/2006/main">
+  <p:cSld>
+    <p:spTree>
+      <p:nvGrpSpPr>
+        <p:cNvPr id="1" name=""/>
+        <p:cNvGrpSpPr/>
+        <p:nvPr/>
+      </p:nvGrpSpPr>
+      <p:grpSpPr>
+        <a:xfrm>
+          <a:off x="0" y="0"/>
+          <a:ext cx="0" cy="0"/>
+          <a:chOff x="0" y="0"/>
+          <a:chExt cx="0" cy="0"/>
+        </a:xfrm>
+      </p:grpSpPr>
+      <p:sp>
+        <p:nvSpPr>
+          <p:cNvPr id="2" name="Symbol zastępczy obrazu slajdu 1"/>
+          <p:cNvSpPr>
+            <a:spLocks noGrp="1" noRot="1" noChangeAspect="1"/>
+          </p:cNvSpPr>
+          <p:nvPr>
+            <p:ph type="sldImg"/>
+          </p:nvPr>
+        </p:nvSpPr>
+        <p:spPr/>
+      </p:sp>
+      <p:sp>
+        <p:nvSpPr>
+          <p:cNvPr id="3" name="Symbol zastępczy notatek 2"/>
+          <p:cNvSpPr>
+            <a:spLocks noGrp="1"/>
+          </p:cNvSpPr>
+          <p:nvPr>
+            <p:ph type="body" idx="1"/>
+          </p:nvPr>
+        </p:nvSpPr>
+        <p:spPr/>
+        <p:txBody>
+          <a:bodyPr/>
+          <a:lstStyle/>
+          <a:p>
+            <a:endParaRPr lang="pl-PL" dirty="0"/>
+          </a:p>
+        </p:txBody>
+      </p:sp>
+      <p:sp>
+        <p:nvSpPr>
+          <p:cNvPr id="4" name="Symbol zastępczy numeru slajdu 3"/>
+          <p:cNvSpPr>
+            <a:spLocks noGrp="1"/>
+          </p:cNvSpPr>
+          <p:nvPr>
+            <p:ph type="sldNum" sz="quarter" idx="10"/>
+          </p:nvPr>
+        </p:nvSpPr>
+        <p:spPr/>
+        <p:txBody>
+          <a:bodyPr/>
+          <a:lstStyle/>
+          <a:p>
+            <a:fld id="{E3BF9713-56A1-4F38-957E-64597942F7FB}" type="slidenum">
+              <a:rPr lang="pl-PL" smtClean="0"/>
+              <a:t>3</a:t>
+            </a:fld>
+            <a:endParaRPr lang="pl-PL"/>
+          </a:p>
+        </p:txBody>
+      </p:sp>
+    </p:spTree>
+    <p:extLst>
+      <p:ext uri="{BB962C8B-B14F-4D97-AF65-F5344CB8AC3E}">
+        <p14:creationId xmlns:p14="http://schemas.microsoft.com/office/powerpoint/2010/main" val="402482848"/>
+      </p:ext>
+    </p:extLst>
+  </p:cSld>
+  <p:clrMapOvr>
+    <a:masterClrMapping/>
+  </p:clrMapOvr>
+</p:notes>
 </file>
 
 <file path=ppt/slideLayouts/slideLayout1.xml><?xml version="1.0" encoding="utf-8"?>
@@ -152,7 +599,7 @@
           </a:lstStyle>
           <a:p>
             <a:r>
-              <a:rPr lang="pl-PL" smtClean="0"/>
+              <a:rPr lang="pl-PL"/>
               <a:t>Kliknij, aby edytować styl</a:t>
             </a:r>
             <a:endParaRPr lang="en-US" dirty="0"/>
@@ -226,31 +673,31 @@
           </a:lstStyle>
           <a:p>
             <a:r>
+              <a:rPr lang="pl-PL"/>
+              <a:t>Kliknij, aby edytować styl wzorca podtytułu</a:t>
+            </a:r>
+            <a:endParaRPr lang="en-US" dirty="0"/>
+          </a:p>
+        </p:txBody>
+      </p:sp>
+      <p:sp>
+        <p:nvSpPr>
+          <p:cNvPr id="4" name="Date Placeholder 3"/>
+          <p:cNvSpPr>
+            <a:spLocks noGrp="1"/>
+          </p:cNvSpPr>
+          <p:nvPr>
+            <p:ph type="dt" sz="half" idx="10"/>
+          </p:nvPr>
+        </p:nvSpPr>
+        <p:spPr/>
+        <p:txBody>
+          <a:bodyPr/>
+          <a:lstStyle/>
+          <a:p>
+            <a:fld id="{AB914D01-D8AC-4502-A6FF-7A02F7192E4A}" type="datetime1">
               <a:rPr lang="pl-PL" smtClean="0"/>
-              <a:t>Kliknij, aby edytować styl wzorca podtytułu</a:t>
-            </a:r>
-            <a:endParaRPr lang="en-US" dirty="0"/>
-          </a:p>
-        </p:txBody>
-      </p:sp>
-      <p:sp>
-        <p:nvSpPr>
-          <p:cNvPr id="4" name="Date Placeholder 3"/>
-          <p:cNvSpPr>
-            <a:spLocks noGrp="1"/>
-          </p:cNvSpPr>
-          <p:nvPr>
-            <p:ph type="dt" sz="half" idx="10"/>
-          </p:nvPr>
-        </p:nvSpPr>
-        <p:spPr/>
-        <p:txBody>
-          <a:bodyPr/>
-          <a:lstStyle/>
-          <a:p>
-            <a:fld id="{C68E965E-584F-4F48-BCAF-388B3A6B5A10}" type="datetimeFigureOut">
-              <a:rPr lang="pl-PL" smtClean="0"/>
-              <a:t>21.01.2018</a:t>
+              <a:t>2018-01-29</a:t>
             </a:fld>
             <a:endParaRPr lang="pl-PL"/>
           </a:p>
@@ -344,83 +791,83 @@
           <a:lstStyle/>
           <a:p>
             <a:r>
+              <a:rPr lang="pl-PL"/>
+              <a:t>Kliknij, aby edytować styl</a:t>
+            </a:r>
+            <a:endParaRPr lang="en-US"/>
+          </a:p>
+        </p:txBody>
+      </p:sp>
+      <p:sp>
+        <p:nvSpPr>
+          <p:cNvPr id="3" name="Vertical Text Placeholder 2"/>
+          <p:cNvSpPr>
+            <a:spLocks noGrp="1"/>
+          </p:cNvSpPr>
+          <p:nvPr>
+            <p:ph type="body" orient="vert" idx="1"/>
+          </p:nvPr>
+        </p:nvSpPr>
+        <p:spPr/>
+        <p:txBody>
+          <a:bodyPr vert="eaVert"/>
+          <a:lstStyle/>
+          <a:p>
+            <a:pPr lvl="0"/>
+            <a:r>
+              <a:rPr lang="pl-PL"/>
+              <a:t>Edytuj style wzorca tekstu</a:t>
+            </a:r>
+          </a:p>
+          <a:p>
+            <a:pPr lvl="1"/>
+            <a:r>
+              <a:rPr lang="pl-PL"/>
+              <a:t>Drugi poziom</a:t>
+            </a:r>
+          </a:p>
+          <a:p>
+            <a:pPr lvl="2"/>
+            <a:r>
+              <a:rPr lang="pl-PL"/>
+              <a:t>Trzeci poziom</a:t>
+            </a:r>
+          </a:p>
+          <a:p>
+            <a:pPr lvl="3"/>
+            <a:r>
+              <a:rPr lang="pl-PL"/>
+              <a:t>Czwarty poziom</a:t>
+            </a:r>
+          </a:p>
+          <a:p>
+            <a:pPr lvl="4"/>
+            <a:r>
+              <a:rPr lang="pl-PL"/>
+              <a:t>Piąty poziom</a:t>
+            </a:r>
+            <a:endParaRPr lang="en-US" dirty="0"/>
+          </a:p>
+        </p:txBody>
+      </p:sp>
+      <p:sp>
+        <p:nvSpPr>
+          <p:cNvPr id="4" name="Date Placeholder 3"/>
+          <p:cNvSpPr>
+            <a:spLocks noGrp="1"/>
+          </p:cNvSpPr>
+          <p:nvPr>
+            <p:ph type="dt" sz="half" idx="10"/>
+          </p:nvPr>
+        </p:nvSpPr>
+        <p:spPr/>
+        <p:txBody>
+          <a:bodyPr/>
+          <a:lstStyle/>
+          <a:p>
+            <a:fld id="{736F720F-B264-4CEA-A929-2DDB2F237523}" type="datetime1">
               <a:rPr lang="pl-PL" smtClean="0"/>
-              <a:t>Kliknij, aby edytować styl</a:t>
-            </a:r>
-            <a:endParaRPr lang="en-US"/>
-          </a:p>
-        </p:txBody>
-      </p:sp>
-      <p:sp>
-        <p:nvSpPr>
-          <p:cNvPr id="3" name="Vertical Text Placeholder 2"/>
-          <p:cNvSpPr>
-            <a:spLocks noGrp="1"/>
-          </p:cNvSpPr>
-          <p:nvPr>
-            <p:ph type="body" orient="vert" idx="1"/>
-          </p:nvPr>
-        </p:nvSpPr>
-        <p:spPr/>
-        <p:txBody>
-          <a:bodyPr vert="eaVert"/>
-          <a:lstStyle/>
-          <a:p>
-            <a:pPr lvl="0"/>
-            <a:r>
-              <a:rPr lang="pl-PL" smtClean="0"/>
-              <a:t>Edytuj style wzorca tekstu</a:t>
-            </a:r>
-          </a:p>
-          <a:p>
-            <a:pPr lvl="1"/>
-            <a:r>
-              <a:rPr lang="pl-PL" smtClean="0"/>
-              <a:t>Drugi poziom</a:t>
-            </a:r>
-          </a:p>
-          <a:p>
-            <a:pPr lvl="2"/>
-            <a:r>
-              <a:rPr lang="pl-PL" smtClean="0"/>
-              <a:t>Trzeci poziom</a:t>
-            </a:r>
-          </a:p>
-          <a:p>
-            <a:pPr lvl="3"/>
-            <a:r>
-              <a:rPr lang="pl-PL" smtClean="0"/>
-              <a:t>Czwarty poziom</a:t>
-            </a:r>
-          </a:p>
-          <a:p>
-            <a:pPr lvl="4"/>
-            <a:r>
-              <a:rPr lang="pl-PL" smtClean="0"/>
-              <a:t>Piąty poziom</a:t>
-            </a:r>
-            <a:endParaRPr lang="en-US" dirty="0"/>
-          </a:p>
-        </p:txBody>
-      </p:sp>
-      <p:sp>
-        <p:nvSpPr>
-          <p:cNvPr id="4" name="Date Placeholder 3"/>
-          <p:cNvSpPr>
-            <a:spLocks noGrp="1"/>
-          </p:cNvSpPr>
-          <p:nvPr>
-            <p:ph type="dt" sz="half" idx="10"/>
-          </p:nvPr>
-        </p:nvSpPr>
-        <p:spPr/>
-        <p:txBody>
-          <a:bodyPr/>
-          <a:lstStyle/>
-          <a:p>
-            <a:fld id="{C68E965E-584F-4F48-BCAF-388B3A6B5A10}" type="datetimeFigureOut">
-              <a:rPr lang="pl-PL" smtClean="0"/>
-              <a:t>21.01.2018</a:t>
+              <a:t>2018-01-29</a:t>
             </a:fld>
             <a:endParaRPr lang="pl-PL"/>
           </a:p>
@@ -519,7 +966,7 @@
           <a:lstStyle/>
           <a:p>
             <a:r>
-              <a:rPr lang="pl-PL" smtClean="0"/>
+              <a:rPr lang="pl-PL"/>
               <a:t>Kliknij, aby edytować styl</a:t>
             </a:r>
             <a:endParaRPr lang="en-US"/>
@@ -548,59 +995,59 @@
           <a:p>
             <a:pPr lvl="0"/>
             <a:r>
+              <a:rPr lang="pl-PL"/>
+              <a:t>Edytuj style wzorca tekstu</a:t>
+            </a:r>
+          </a:p>
+          <a:p>
+            <a:pPr lvl="1"/>
+            <a:r>
+              <a:rPr lang="pl-PL"/>
+              <a:t>Drugi poziom</a:t>
+            </a:r>
+          </a:p>
+          <a:p>
+            <a:pPr lvl="2"/>
+            <a:r>
+              <a:rPr lang="pl-PL"/>
+              <a:t>Trzeci poziom</a:t>
+            </a:r>
+          </a:p>
+          <a:p>
+            <a:pPr lvl="3"/>
+            <a:r>
+              <a:rPr lang="pl-PL"/>
+              <a:t>Czwarty poziom</a:t>
+            </a:r>
+          </a:p>
+          <a:p>
+            <a:pPr lvl="4"/>
+            <a:r>
+              <a:rPr lang="pl-PL"/>
+              <a:t>Piąty poziom</a:t>
+            </a:r>
+            <a:endParaRPr lang="en-US"/>
+          </a:p>
+        </p:txBody>
+      </p:sp>
+      <p:sp>
+        <p:nvSpPr>
+          <p:cNvPr id="4" name="Date Placeholder 3"/>
+          <p:cNvSpPr>
+            <a:spLocks noGrp="1"/>
+          </p:cNvSpPr>
+          <p:nvPr>
+            <p:ph type="dt" sz="half" idx="10"/>
+          </p:nvPr>
+        </p:nvSpPr>
+        <p:spPr/>
+        <p:txBody>
+          <a:bodyPr/>
+          <a:lstStyle/>
+          <a:p>
+            <a:fld id="{15A4E17E-7D44-497B-828B-50854E28D883}" type="datetime1">
               <a:rPr lang="pl-PL" smtClean="0"/>
-              <a:t>Edytuj style wzorca tekstu</a:t>
-            </a:r>
-          </a:p>
-          <a:p>
-            <a:pPr lvl="1"/>
-            <a:r>
-              <a:rPr lang="pl-PL" smtClean="0"/>
-              <a:t>Drugi poziom</a:t>
-            </a:r>
-          </a:p>
-          <a:p>
-            <a:pPr lvl="2"/>
-            <a:r>
-              <a:rPr lang="pl-PL" smtClean="0"/>
-              <a:t>Trzeci poziom</a:t>
-            </a:r>
-          </a:p>
-          <a:p>
-            <a:pPr lvl="3"/>
-            <a:r>
-              <a:rPr lang="pl-PL" smtClean="0"/>
-              <a:t>Czwarty poziom</a:t>
-            </a:r>
-          </a:p>
-          <a:p>
-            <a:pPr lvl="4"/>
-            <a:r>
-              <a:rPr lang="pl-PL" smtClean="0"/>
-              <a:t>Piąty poziom</a:t>
-            </a:r>
-            <a:endParaRPr lang="en-US"/>
-          </a:p>
-        </p:txBody>
-      </p:sp>
-      <p:sp>
-        <p:nvSpPr>
-          <p:cNvPr id="4" name="Date Placeholder 3"/>
-          <p:cNvSpPr>
-            <a:spLocks noGrp="1"/>
-          </p:cNvSpPr>
-          <p:nvPr>
-            <p:ph type="dt" sz="half" idx="10"/>
-          </p:nvPr>
-        </p:nvSpPr>
-        <p:spPr/>
-        <p:txBody>
-          <a:bodyPr/>
-          <a:lstStyle/>
-          <a:p>
-            <a:fld id="{C68E965E-584F-4F48-BCAF-388B3A6B5A10}" type="datetimeFigureOut">
-              <a:rPr lang="pl-PL" smtClean="0"/>
-              <a:t>21.01.2018</a:t>
+              <a:t>2018-01-29</a:t>
             </a:fld>
             <a:endParaRPr lang="pl-PL"/>
           </a:p>
@@ -662,7 +1109,7 @@
 </file>
 
 <file path=ppt/slideLayouts/slideLayout12.xml><?xml version="1.0" encoding="utf-8"?>
-<p:sldLayout xmlns:a="http://schemas.openxmlformats.org/drawingml/2006/main" xmlns:r="http://schemas.openxmlformats.org/officeDocument/2006/relationships" xmlns:p="http://schemas.openxmlformats.org/presentationml/2006/main" showMasterSp="0" type="title" preserve="1">
+<p:sldLayout xmlns:a="http://schemas.openxmlformats.org/drawingml/2006/main" xmlns:r="http://schemas.openxmlformats.org/officeDocument/2006/relationships" xmlns:p="http://schemas.openxmlformats.org/presentationml/2006/main" type="title" preserve="1">
   <p:cSld name="Slajd tytułowy">
     <p:spTree>
       <p:nvGrpSpPr>
@@ -686,46 +1133,8 @@
         </p:nvSpPr>
         <p:spPr>
           <a:xfrm>
-            <a:off x="3175" y="6400800"/>
-            <a:ext cx="12188825" cy="457200"/>
-          </a:xfrm>
-          <a:prstGeom prst="rect">
-            <a:avLst/>
-          </a:prstGeom>
-          <a:solidFill>
-            <a:schemeClr val="accent2"/>
-          </a:solidFill>
-          <a:ln>
-            <a:noFill/>
-          </a:ln>
-        </p:spPr>
-        <p:style>
-          <a:lnRef idx="2">
-            <a:schemeClr val="accent1">
-              <a:shade val="50000"/>
-            </a:schemeClr>
-          </a:lnRef>
-          <a:fillRef idx="1">
-            <a:schemeClr val="accent1"/>
-          </a:fillRef>
-          <a:effectRef idx="0">
-            <a:schemeClr val="accent1"/>
-          </a:effectRef>
-          <a:fontRef idx="minor">
-            <a:schemeClr val="lt1"/>
-          </a:fontRef>
-        </p:style>
-      </p:sp>
-      <p:sp>
-        <p:nvSpPr>
-          <p:cNvPr id="8" name="Rectangle 7"/>
-          <p:cNvSpPr/>
-          <p:nvPr/>
-        </p:nvSpPr>
-        <p:spPr>
-          <a:xfrm>
-            <a:off x="15" y="6334316"/>
-            <a:ext cx="12188825" cy="64008"/>
+            <a:off x="446534" y="3085765"/>
+            <a:ext cx="11262866" cy="3304800"/>
           </a:xfrm>
           <a:prstGeom prst="rect">
             <a:avLst/>
@@ -736,17 +1145,16 @@
           <a:ln>
             <a:noFill/>
           </a:ln>
+          <a:effectLst/>
         </p:spPr>
         <p:style>
-          <a:lnRef idx="2">
-            <a:schemeClr val="accent1">
-              <a:shade val="50000"/>
-            </a:schemeClr>
+          <a:lnRef idx="1">
+            <a:schemeClr val="accent1"/>
           </a:lnRef>
-          <a:fillRef idx="1">
+          <a:fillRef idx="3">
             <a:schemeClr val="accent1"/>
           </a:fillRef>
-          <a:effectRef idx="0">
+          <a:effectRef idx="2">
             <a:schemeClr val="accent1"/>
           </a:effectRef>
           <a:fontRef idx="minor">
@@ -766,154 +1174,228 @@
         </p:nvSpPr>
         <p:spPr>
           <a:xfrm>
-            <a:off x="1097280" y="758952"/>
-            <a:ext cx="10058400" cy="3566160"/>
+            <a:off x="581191" y="1020431"/>
+            <a:ext cx="10993549" cy="1475013"/>
           </a:xfrm>
+          <a:effectLst/>
         </p:spPr>
         <p:txBody>
           <a:bodyPr anchor="b">
             <a:normAutofit/>
           </a:bodyPr>
           <a:lstStyle>
-            <a:lvl1pPr algn="l">
-              <a:lnSpc>
-                <a:spcPct val="85000"/>
-              </a:lnSpc>
-              <a:defRPr sz="8000" spc="-50" baseline="0">
+            <a:lvl1pPr>
+              <a:defRPr sz="3600">
+                <a:solidFill>
+                  <a:schemeClr val="accent1"/>
+                </a:solidFill>
+              </a:defRPr>
+            </a:lvl1pPr>
+          </a:lstStyle>
+          <a:p>
+            <a:r>
+              <a:rPr lang="pl-PL"/>
+              <a:t>Kliknij, aby edytować styl</a:t>
+            </a:r>
+            <a:endParaRPr lang="en-US" dirty="0"/>
+          </a:p>
+        </p:txBody>
+      </p:sp>
+      <p:sp>
+        <p:nvSpPr>
+          <p:cNvPr id="3" name="Subtitle 2"/>
+          <p:cNvSpPr>
+            <a:spLocks noGrp="1"/>
+          </p:cNvSpPr>
+          <p:nvPr>
+            <p:ph type="subTitle" idx="1"/>
+          </p:nvPr>
+        </p:nvSpPr>
+        <p:spPr>
+          <a:xfrm>
+            <a:off x="581194" y="2495445"/>
+            <a:ext cx="10993546" cy="590321"/>
+          </a:xfrm>
+        </p:spPr>
+        <p:txBody>
+          <a:bodyPr anchor="t">
+            <a:normAutofit/>
+          </a:bodyPr>
+          <a:lstStyle>
+            <a:lvl1pPr marL="0" indent="0" algn="l">
+              <a:buNone/>
+              <a:defRPr sz="1600" cap="all">
+                <a:solidFill>
+                  <a:schemeClr val="accent2"/>
+                </a:solidFill>
+              </a:defRPr>
+            </a:lvl1pPr>
+            <a:lvl2pPr marL="457200" indent="0" algn="ctr">
+              <a:buNone/>
+              <a:defRPr>
                 <a:solidFill>
                   <a:schemeClr val="tx1">
-                    <a:lumMod val="85000"/>
-                    <a:lumOff val="15000"/>
+                    <a:tint val="75000"/>
+                  </a:schemeClr>
+                </a:solidFill>
+              </a:defRPr>
+            </a:lvl2pPr>
+            <a:lvl3pPr marL="914400" indent="0" algn="ctr">
+              <a:buNone/>
+              <a:defRPr>
+                <a:solidFill>
+                  <a:schemeClr val="tx1">
+                    <a:tint val="75000"/>
+                  </a:schemeClr>
+                </a:solidFill>
+              </a:defRPr>
+            </a:lvl3pPr>
+            <a:lvl4pPr marL="1371600" indent="0" algn="ctr">
+              <a:buNone/>
+              <a:defRPr>
+                <a:solidFill>
+                  <a:schemeClr val="tx1">
+                    <a:tint val="75000"/>
+                  </a:schemeClr>
+                </a:solidFill>
+              </a:defRPr>
+            </a:lvl4pPr>
+            <a:lvl5pPr marL="1828800" indent="0" algn="ctr">
+              <a:buNone/>
+              <a:defRPr>
+                <a:solidFill>
+                  <a:schemeClr val="tx1">
+                    <a:tint val="75000"/>
+                  </a:schemeClr>
+                </a:solidFill>
+              </a:defRPr>
+            </a:lvl5pPr>
+            <a:lvl6pPr marL="2286000" indent="0" algn="ctr">
+              <a:buNone/>
+              <a:defRPr>
+                <a:solidFill>
+                  <a:schemeClr val="tx1">
+                    <a:tint val="75000"/>
+                  </a:schemeClr>
+                </a:solidFill>
+              </a:defRPr>
+            </a:lvl6pPr>
+            <a:lvl7pPr marL="2743200" indent="0" algn="ctr">
+              <a:buNone/>
+              <a:defRPr>
+                <a:solidFill>
+                  <a:schemeClr val="tx1">
+                    <a:tint val="75000"/>
+                  </a:schemeClr>
+                </a:solidFill>
+              </a:defRPr>
+            </a:lvl7pPr>
+            <a:lvl8pPr marL="3200400" indent="0" algn="ctr">
+              <a:buNone/>
+              <a:defRPr>
+                <a:solidFill>
+                  <a:schemeClr val="tx1">
+                    <a:tint val="75000"/>
+                  </a:schemeClr>
+                </a:solidFill>
+              </a:defRPr>
+            </a:lvl8pPr>
+            <a:lvl9pPr marL="3657600" indent="0" algn="ctr">
+              <a:buNone/>
+              <a:defRPr>
+                <a:solidFill>
+                  <a:schemeClr val="tx1">
+                    <a:tint val="75000"/>
+                  </a:schemeClr>
+                </a:solidFill>
+              </a:defRPr>
+            </a:lvl9pPr>
+          </a:lstStyle>
+          <a:p>
+            <a:r>
+              <a:rPr lang="pl-PL"/>
+              <a:t>Kliknij, aby edytować styl wzorca podtytułu</a:t>
+            </a:r>
+            <a:endParaRPr lang="en-US" dirty="0"/>
+          </a:p>
+        </p:txBody>
+      </p:sp>
+      <p:sp>
+        <p:nvSpPr>
+          <p:cNvPr id="4" name="Date Placeholder 3"/>
+          <p:cNvSpPr>
+            <a:spLocks noGrp="1"/>
+          </p:cNvSpPr>
+          <p:nvPr>
+            <p:ph type="dt" sz="half" idx="10"/>
+          </p:nvPr>
+        </p:nvSpPr>
+        <p:spPr>
+          <a:xfrm>
+            <a:off x="7605951" y="5956137"/>
+            <a:ext cx="2844800" cy="365125"/>
+          </a:xfrm>
+        </p:spPr>
+        <p:txBody>
+          <a:bodyPr/>
+          <a:lstStyle>
+            <a:lvl1pPr>
+              <a:defRPr>
+                <a:solidFill>
+                  <a:schemeClr val="accent1">
+                    <a:lumMod val="75000"/>
+                    <a:lumOff val="25000"/>
                   </a:schemeClr>
                 </a:solidFill>
               </a:defRPr>
             </a:lvl1pPr>
           </a:lstStyle>
           <a:p>
-            <a:r>
+            <a:fld id="{56E749DA-124D-4CFC-8FBF-63B3AF83440D}" type="datetime1">
               <a:rPr lang="pl-PL" smtClean="0"/>
-              <a:t>Kliknij, aby edytować styl</a:t>
-            </a:r>
-            <a:endParaRPr lang="en-US" dirty="0"/>
-          </a:p>
-        </p:txBody>
-      </p:sp>
-      <p:sp>
-        <p:nvSpPr>
-          <p:cNvPr id="3" name="Subtitle 2"/>
-          <p:cNvSpPr>
-            <a:spLocks noGrp="1"/>
-          </p:cNvSpPr>
-          <p:nvPr>
-            <p:ph type="subTitle" idx="1"/>
+              <a:t>2018-01-29</a:t>
+            </a:fld>
+            <a:endParaRPr lang="pl-PL"/>
+          </a:p>
+        </p:txBody>
+      </p:sp>
+      <p:sp>
+        <p:nvSpPr>
+          <p:cNvPr id="5" name="Footer Placeholder 4"/>
+          <p:cNvSpPr>
+            <a:spLocks noGrp="1"/>
+          </p:cNvSpPr>
+          <p:nvPr>
+            <p:ph type="ftr" sz="quarter" idx="11"/>
           </p:nvPr>
         </p:nvSpPr>
         <p:spPr>
           <a:xfrm>
-            <a:off x="1100051" y="4455621"/>
-            <a:ext cx="10058400" cy="1143000"/>
+            <a:off x="581192" y="5951811"/>
+            <a:ext cx="6917210" cy="365125"/>
           </a:xfrm>
         </p:spPr>
         <p:txBody>
-          <a:bodyPr lIns="91440" rIns="91440">
-            <a:normAutofit/>
-          </a:bodyPr>
+          <a:bodyPr/>
           <a:lstStyle>
-            <a:lvl1pPr marL="0" indent="0" algn="l">
-              <a:buNone/>
-              <a:defRPr sz="2400" cap="all" spc="200" baseline="0">
+            <a:lvl1pPr>
+              <a:defRPr>
                 <a:solidFill>
-                  <a:schemeClr val="tx2"/>
+                  <a:schemeClr val="accent1">
+                    <a:lumMod val="75000"/>
+                    <a:lumOff val="25000"/>
+                  </a:schemeClr>
                 </a:solidFill>
-                <a:latin typeface="+mj-lt"/>
               </a:defRPr>
             </a:lvl1pPr>
-            <a:lvl2pPr marL="457200" indent="0" algn="ctr">
-              <a:buNone/>
-              <a:defRPr sz="2400"/>
-            </a:lvl2pPr>
-            <a:lvl3pPr marL="914400" indent="0" algn="ctr">
-              <a:buNone/>
-              <a:defRPr sz="2400"/>
-            </a:lvl3pPr>
-            <a:lvl4pPr marL="1371600" indent="0" algn="ctr">
-              <a:buNone/>
-              <a:defRPr sz="2000"/>
-            </a:lvl4pPr>
-            <a:lvl5pPr marL="1828800" indent="0" algn="ctr">
-              <a:buNone/>
-              <a:defRPr sz="2000"/>
-            </a:lvl5pPr>
-            <a:lvl6pPr marL="2286000" indent="0" algn="ctr">
-              <a:buNone/>
-              <a:defRPr sz="2000"/>
-            </a:lvl6pPr>
-            <a:lvl7pPr marL="2743200" indent="0" algn="ctr">
-              <a:buNone/>
-              <a:defRPr sz="2000"/>
-            </a:lvl7pPr>
-            <a:lvl8pPr marL="3200400" indent="0" algn="ctr">
-              <a:buNone/>
-              <a:defRPr sz="2000"/>
-            </a:lvl8pPr>
-            <a:lvl9pPr marL="3657600" indent="0" algn="ctr">
-              <a:buNone/>
-              <a:defRPr sz="2000"/>
-            </a:lvl9pPr>
           </a:lstStyle>
           <a:p>
-            <a:r>
-              <a:rPr lang="pl-PL" smtClean="0"/>
-              <a:t>Kliknij, aby edytować styl wzorca podtytułu</a:t>
-            </a:r>
-            <a:endParaRPr lang="en-US" dirty="0"/>
-          </a:p>
-        </p:txBody>
-      </p:sp>
-      <p:sp>
-        <p:nvSpPr>
-          <p:cNvPr id="4" name="Date Placeholder 3"/>
-          <p:cNvSpPr>
-            <a:spLocks noGrp="1"/>
-          </p:cNvSpPr>
-          <p:nvPr>
-            <p:ph type="dt" sz="half" idx="10"/>
-          </p:nvPr>
-        </p:nvSpPr>
-        <p:spPr/>
-        <p:txBody>
-          <a:bodyPr/>
-          <a:lstStyle/>
-          <a:p>
-            <a:fld id="{C68E965E-584F-4F48-BCAF-388B3A6B5A10}" type="datetimeFigureOut">
-              <a:rPr lang="pl-PL" smtClean="0"/>
-              <a:t>21.01.2018</a:t>
-            </a:fld>
             <a:endParaRPr lang="pl-PL"/>
           </a:p>
         </p:txBody>
       </p:sp>
       <p:sp>
         <p:nvSpPr>
-          <p:cNvPr id="5" name="Footer Placeholder 4"/>
-          <p:cNvSpPr>
-            <a:spLocks noGrp="1"/>
-          </p:cNvSpPr>
-          <p:nvPr>
-            <p:ph type="ftr" sz="quarter" idx="11"/>
-          </p:nvPr>
-        </p:nvSpPr>
-        <p:spPr/>
-        <p:txBody>
-          <a:bodyPr/>
-          <a:lstStyle/>
-          <a:p>
-            <a:endParaRPr lang="pl-PL"/>
-          </a:p>
-        </p:txBody>
-      </p:sp>
-      <p:sp>
-        <p:nvSpPr>
           <p:cNvPr id="6" name="Slide Number Placeholder 5"/>
           <p:cNvSpPr>
             <a:spLocks noGrp="1"/>
@@ -922,10 +1404,26 @@
             <p:ph type="sldNum" sz="quarter" idx="12"/>
           </p:nvPr>
         </p:nvSpPr>
-        <p:spPr/>
-        <p:txBody>
-          <a:bodyPr/>
-          <a:lstStyle/>
+        <p:spPr>
+          <a:xfrm>
+            <a:off x="10558300" y="5956137"/>
+            <a:ext cx="1016440" cy="365125"/>
+          </a:xfrm>
+        </p:spPr>
+        <p:txBody>
+          <a:bodyPr/>
+          <a:lstStyle>
+            <a:lvl1pPr>
+              <a:defRPr>
+                <a:solidFill>
+                  <a:schemeClr val="accent1">
+                    <a:lumMod val="75000"/>
+                    <a:lumOff val="25000"/>
+                  </a:schemeClr>
+                </a:solidFill>
+              </a:defRPr>
+            </a:lvl1pPr>
+          </a:lstStyle>
           <a:p>
             <a:fld id="{874E87A6-7FFA-47D1-8277-D8AB08C63F72}" type="slidenum">
               <a:rPr lang="pl-PL" smtClean="0"/>
@@ -935,48 +1433,10 @@
           </a:p>
         </p:txBody>
       </p:sp>
-      <p:cxnSp>
-        <p:nvCxnSpPr>
-          <p:cNvPr id="9" name="Straight Connector 8"/>
-          <p:cNvCxnSpPr/>
-          <p:nvPr/>
-        </p:nvCxnSpPr>
-        <p:spPr>
-          <a:xfrm>
-            <a:off x="1207658" y="4343400"/>
-            <a:ext cx="9875520" cy="0"/>
-          </a:xfrm>
-          <a:prstGeom prst="line">
-            <a:avLst/>
-          </a:prstGeom>
-          <a:ln w="6350">
-            <a:solidFill>
-              <a:schemeClr val="tx1">
-                <a:lumMod val="50000"/>
-                <a:lumOff val="50000"/>
-              </a:schemeClr>
-            </a:solidFill>
-          </a:ln>
-        </p:spPr>
-        <p:style>
-          <a:lnRef idx="1">
-            <a:schemeClr val="accent1"/>
-          </a:lnRef>
-          <a:fillRef idx="0">
-            <a:schemeClr val="accent1"/>
-          </a:fillRef>
-          <a:effectRef idx="0">
-            <a:schemeClr val="accent1"/>
-          </a:effectRef>
-          <a:fontRef idx="minor">
-            <a:schemeClr val="tx1"/>
-          </a:fontRef>
-        </p:style>
-      </p:cxnSp>
     </p:spTree>
     <p:extLst>
       <p:ext uri="{BB962C8B-B14F-4D97-AF65-F5344CB8AC3E}">
-        <p14:creationId xmlns:p14="http://schemas.microsoft.com/office/powerpoint/2010/main" val="332076808"/>
+        <p14:creationId xmlns:p14="http://schemas.microsoft.com/office/powerpoint/2010/main" val="2908962614"/>
       </p:ext>
     </p:extLst>
   </p:cSld>
@@ -1005,6 +1465,45 @@
       </p:grpSpPr>
       <p:sp>
         <p:nvSpPr>
+          <p:cNvPr id="7" name="Rectangle 6"/>
+          <p:cNvSpPr>
+            <a:spLocks noChangeAspect="1"/>
+          </p:cNvSpPr>
+          <p:nvPr/>
+        </p:nvSpPr>
+        <p:spPr>
+          <a:xfrm>
+            <a:off x="440286" y="614407"/>
+            <a:ext cx="11309338" cy="1189298"/>
+          </a:xfrm>
+          <a:prstGeom prst="rect">
+            <a:avLst/>
+          </a:prstGeom>
+          <a:solidFill>
+            <a:schemeClr val="accent1"/>
+          </a:solidFill>
+          <a:ln>
+            <a:noFill/>
+          </a:ln>
+          <a:effectLst/>
+        </p:spPr>
+        <p:style>
+          <a:lnRef idx="1">
+            <a:schemeClr val="accent1"/>
+          </a:lnRef>
+          <a:fillRef idx="3">
+            <a:schemeClr val="accent1"/>
+          </a:fillRef>
+          <a:effectRef idx="2">
+            <a:schemeClr val="accent1"/>
+          </a:effectRef>
+          <a:fontRef idx="minor">
+            <a:schemeClr val="lt1"/>
+          </a:fontRef>
+        </p:style>
+      </p:sp>
+      <p:sp>
+        <p:nvSpPr>
           <p:cNvPr id="2" name="Title 1"/>
           <p:cNvSpPr>
             <a:spLocks noGrp="1"/>
@@ -1013,89 +1512,99 @@
             <p:ph type="title"/>
           </p:nvPr>
         </p:nvSpPr>
+        <p:spPr>
+          <a:xfrm>
+            <a:off x="581192" y="702156"/>
+            <a:ext cx="11029616" cy="1013800"/>
+          </a:xfrm>
+        </p:spPr>
+        <p:txBody>
+          <a:bodyPr/>
+          <a:lstStyle/>
+          <a:p>
+            <a:r>
+              <a:rPr lang="pl-PL"/>
+              <a:t>Kliknij, aby edytować styl</a:t>
+            </a:r>
+            <a:endParaRPr lang="en-US" dirty="0"/>
+          </a:p>
+        </p:txBody>
+      </p:sp>
+      <p:sp>
+        <p:nvSpPr>
+          <p:cNvPr id="3" name="Content Placeholder 2"/>
+          <p:cNvSpPr>
+            <a:spLocks noGrp="1"/>
+          </p:cNvSpPr>
+          <p:nvPr>
+            <p:ph idx="1"/>
+          </p:nvPr>
+        </p:nvSpPr>
+        <p:spPr>
+          <a:xfrm>
+            <a:off x="581192" y="2180496"/>
+            <a:ext cx="11029615" cy="3678303"/>
+          </a:xfrm>
+        </p:spPr>
+        <p:txBody>
+          <a:bodyPr/>
+          <a:lstStyle/>
+          <a:p>
+            <a:pPr lvl="0"/>
+            <a:r>
+              <a:rPr lang="pl-PL"/>
+              <a:t>Edytuj style wzorca tekstu</a:t>
+            </a:r>
+          </a:p>
+          <a:p>
+            <a:pPr lvl="1"/>
+            <a:r>
+              <a:rPr lang="pl-PL"/>
+              <a:t>Drugi poziom</a:t>
+            </a:r>
+          </a:p>
+          <a:p>
+            <a:pPr lvl="2"/>
+            <a:r>
+              <a:rPr lang="pl-PL"/>
+              <a:t>Trzeci poziom</a:t>
+            </a:r>
+          </a:p>
+          <a:p>
+            <a:pPr lvl="3"/>
+            <a:r>
+              <a:rPr lang="pl-PL"/>
+              <a:t>Czwarty poziom</a:t>
+            </a:r>
+          </a:p>
+          <a:p>
+            <a:pPr lvl="4"/>
+            <a:r>
+              <a:rPr lang="pl-PL"/>
+              <a:t>Piąty poziom</a:t>
+            </a:r>
+            <a:endParaRPr lang="en-US" dirty="0"/>
+          </a:p>
+        </p:txBody>
+      </p:sp>
+      <p:sp>
+        <p:nvSpPr>
+          <p:cNvPr id="4" name="Date Placeholder 3"/>
+          <p:cNvSpPr>
+            <a:spLocks noGrp="1"/>
+          </p:cNvSpPr>
+          <p:nvPr>
+            <p:ph type="dt" sz="half" idx="10"/>
+          </p:nvPr>
+        </p:nvSpPr>
         <p:spPr/>
         <p:txBody>
           <a:bodyPr/>
           <a:lstStyle/>
           <a:p>
-            <a:r>
+            <a:fld id="{EF2FC1DC-B33C-464A-AE44-E46E9855B17C}" type="datetime1">
               <a:rPr lang="pl-PL" smtClean="0"/>
-              <a:t>Kliknij, aby edytować styl</a:t>
-            </a:r>
-            <a:endParaRPr lang="en-US" dirty="0"/>
-          </a:p>
-        </p:txBody>
-      </p:sp>
-      <p:sp>
-        <p:nvSpPr>
-          <p:cNvPr id="3" name="Content Placeholder 2"/>
-          <p:cNvSpPr>
-            <a:spLocks noGrp="1"/>
-          </p:cNvSpPr>
-          <p:nvPr>
-            <p:ph idx="1"/>
-          </p:nvPr>
-        </p:nvSpPr>
-        <p:spPr/>
-        <p:txBody>
-          <a:bodyPr/>
-          <a:lstStyle/>
-          <a:p>
-            <a:pPr lvl="0"/>
-            <a:r>
-              <a:rPr lang="pl-PL" smtClean="0"/>
-              <a:t>Edytuj style wzorca tekstu</a:t>
-            </a:r>
-          </a:p>
-          <a:p>
-            <a:pPr lvl="1"/>
-            <a:r>
-              <a:rPr lang="pl-PL" smtClean="0"/>
-              <a:t>Drugi poziom</a:t>
-            </a:r>
-          </a:p>
-          <a:p>
-            <a:pPr lvl="2"/>
-            <a:r>
-              <a:rPr lang="pl-PL" smtClean="0"/>
-              <a:t>Trzeci poziom</a:t>
-            </a:r>
-          </a:p>
-          <a:p>
-            <a:pPr lvl="3"/>
-            <a:r>
-              <a:rPr lang="pl-PL" smtClean="0"/>
-              <a:t>Czwarty poziom</a:t>
-            </a:r>
-          </a:p>
-          <a:p>
-            <a:pPr lvl="4"/>
-            <a:r>
-              <a:rPr lang="pl-PL" smtClean="0"/>
-              <a:t>Piąty poziom</a:t>
-            </a:r>
-            <a:endParaRPr lang="en-US" dirty="0"/>
-          </a:p>
-        </p:txBody>
-      </p:sp>
-      <p:sp>
-        <p:nvSpPr>
-          <p:cNvPr id="4" name="Date Placeholder 3"/>
-          <p:cNvSpPr>
-            <a:spLocks noGrp="1"/>
-          </p:cNvSpPr>
-          <p:nvPr>
-            <p:ph type="dt" sz="half" idx="10"/>
-          </p:nvPr>
-        </p:nvSpPr>
-        <p:spPr/>
-        <p:txBody>
-          <a:bodyPr/>
-          <a:lstStyle/>
-          <a:p>
-            <a:fld id="{C68E965E-584F-4F48-BCAF-388B3A6B5A10}" type="datetimeFigureOut">
-              <a:rPr lang="pl-PL" smtClean="0"/>
-              <a:t>21.01.2018</a:t>
+              <a:t>2018-01-29</a:t>
             </a:fld>
             <a:endParaRPr lang="pl-PL"/>
           </a:p>
@@ -1130,7 +1639,12 @@
             <p:ph type="sldNum" sz="quarter" idx="12"/>
           </p:nvPr>
         </p:nvSpPr>
-        <p:spPr/>
+        <p:spPr>
+          <a:xfrm>
+            <a:off x="10558300" y="5956137"/>
+            <a:ext cx="1052508" cy="365125"/>
+          </a:xfrm>
+        </p:spPr>
         <p:txBody>
           <a:bodyPr/>
           <a:lstStyle/>
@@ -1146,7 +1660,7 @@
     </p:spTree>
     <p:extLst>
       <p:ext uri="{BB962C8B-B14F-4D97-AF65-F5344CB8AC3E}">
-        <p14:creationId xmlns:p14="http://schemas.microsoft.com/office/powerpoint/2010/main" val="2872298320"/>
+        <p14:creationId xmlns:p14="http://schemas.microsoft.com/office/powerpoint/2010/main" val="3827805570"/>
       </p:ext>
     </p:extLst>
   </p:cSld>
@@ -1157,16 +1671,8 @@
 </file>
 
 <file path=ppt/slideLayouts/slideLayout14.xml><?xml version="1.0" encoding="utf-8"?>
-<p:sldLayout xmlns:a="http://schemas.openxmlformats.org/drawingml/2006/main" xmlns:r="http://schemas.openxmlformats.org/officeDocument/2006/relationships" xmlns:p="http://schemas.openxmlformats.org/presentationml/2006/main" showMasterSp="0" type="secHead" preserve="1">
+<p:sldLayout xmlns:a="http://schemas.openxmlformats.org/drawingml/2006/main" xmlns:r="http://schemas.openxmlformats.org/officeDocument/2006/relationships" xmlns:p="http://schemas.openxmlformats.org/presentationml/2006/main" type="secHead" preserve="1">
   <p:cSld name="Nagłówek sekcji">
-    <p:bg>
-      <p:bgPr>
-        <a:solidFill>
-          <a:schemeClr val="bg1"/>
-        </a:solidFill>
-        <a:effectLst/>
-      </p:bgPr>
-    </p:bg>
     <p:spTree>
       <p:nvGrpSpPr>
         <p:cNvPr id="1" name=""/>
@@ -1183,52 +1689,16 @@
       </p:grpSpPr>
       <p:sp>
         <p:nvSpPr>
-          <p:cNvPr id="7" name="Rectangle 6"/>
-          <p:cNvSpPr/>
+          <p:cNvPr id="8" name="Rectangle 7"/>
+          <p:cNvSpPr>
+            <a:spLocks noChangeAspect="1"/>
+          </p:cNvSpPr>
           <p:nvPr/>
         </p:nvSpPr>
         <p:spPr>
           <a:xfrm>
-            <a:off x="3175" y="6400800"/>
-            <a:ext cx="12188825" cy="457200"/>
-          </a:xfrm>
-          <a:prstGeom prst="rect">
-            <a:avLst/>
-          </a:prstGeom>
-          <a:solidFill>
-            <a:schemeClr val="accent2"/>
-          </a:solidFill>
-          <a:ln>
-            <a:noFill/>
-          </a:ln>
-        </p:spPr>
-        <p:style>
-          <a:lnRef idx="2">
-            <a:schemeClr val="accent1">
-              <a:shade val="50000"/>
-            </a:schemeClr>
-          </a:lnRef>
-          <a:fillRef idx="1">
-            <a:schemeClr val="accent1"/>
-          </a:fillRef>
-          <a:effectRef idx="0">
-            <a:schemeClr val="accent1"/>
-          </a:effectRef>
-          <a:fontRef idx="minor">
-            <a:schemeClr val="lt1"/>
-          </a:fontRef>
-        </p:style>
-      </p:sp>
-      <p:sp>
-        <p:nvSpPr>
-          <p:cNvPr id="8" name="Rectangle 7"/>
-          <p:cNvSpPr/>
-          <p:nvPr/>
-        </p:nvSpPr>
-        <p:spPr>
-          <a:xfrm>
-            <a:off x="15" y="6334316"/>
-            <a:ext cx="12188825" cy="64008"/>
+            <a:off x="447817" y="5141974"/>
+            <a:ext cx="11290860" cy="1258827"/>
           </a:xfrm>
           <a:prstGeom prst="rect">
             <a:avLst/>
@@ -1239,17 +1709,16 @@
           <a:ln>
             <a:noFill/>
           </a:ln>
+          <a:effectLst/>
         </p:spPr>
         <p:style>
-          <a:lnRef idx="2">
-            <a:schemeClr val="accent1">
-              <a:shade val="50000"/>
-            </a:schemeClr>
+          <a:lnRef idx="1">
+            <a:schemeClr val="accent1"/>
           </a:lnRef>
-          <a:fillRef idx="1">
+          <a:fillRef idx="3">
             <a:schemeClr val="accent1"/>
           </a:fillRef>
-          <a:effectRef idx="0">
+          <a:effectRef idx="2">
             <a:schemeClr val="accent1"/>
           </a:effectRef>
           <a:fontRef idx="minor">
@@ -1269,32 +1738,26 @@
         </p:nvSpPr>
         <p:spPr>
           <a:xfrm>
-            <a:off x="1097280" y="758952"/>
-            <a:ext cx="10058400" cy="3566160"/>
+            <a:off x="581193" y="3043910"/>
+            <a:ext cx="11029615" cy="1497507"/>
           </a:xfrm>
         </p:spPr>
         <p:txBody>
-          <a:bodyPr anchor="b" anchorCtr="0">
+          <a:bodyPr anchor="b">
             <a:normAutofit/>
           </a:bodyPr>
           <a:lstStyle>
-            <a:lvl1pPr>
-              <a:lnSpc>
-                <a:spcPct val="85000"/>
-              </a:lnSpc>
-              <a:defRPr sz="8000" b="0">
+            <a:lvl1pPr algn="l">
+              <a:defRPr sz="3600" b="0" cap="all">
                 <a:solidFill>
-                  <a:schemeClr val="tx1">
-                    <a:lumMod val="85000"/>
-                    <a:lumOff val="15000"/>
-                  </a:schemeClr>
+                  <a:schemeClr val="accent1"/>
                 </a:solidFill>
               </a:defRPr>
             </a:lvl1pPr>
           </a:lstStyle>
           <a:p>
             <a:r>
-              <a:rPr lang="pl-PL" smtClean="0"/>
+              <a:rPr lang="pl-PL"/>
               <a:t>Kliknij, aby edytować styl</a:t>
             </a:r>
             <a:endParaRPr lang="en-US" dirty="0"/>
@@ -1313,22 +1776,21 @@
         </p:nvSpPr>
         <p:spPr>
           <a:xfrm>
-            <a:off x="1097280" y="4453128"/>
-            <a:ext cx="10058400" cy="1143000"/>
+            <a:off x="581192" y="4541417"/>
+            <a:ext cx="11029615" cy="600556"/>
           </a:xfrm>
         </p:spPr>
         <p:txBody>
-          <a:bodyPr lIns="91440" rIns="91440" anchor="t" anchorCtr="0">
+          <a:bodyPr anchor="t">
             <a:normAutofit/>
           </a:bodyPr>
           <a:lstStyle>
-            <a:lvl1pPr marL="0" indent="0">
-              <a:buNone/>
-              <a:defRPr sz="2400" cap="all" spc="200" baseline="0">
+            <a:lvl1pPr marL="0" indent="0" algn="l">
+              <a:buNone/>
+              <a:defRPr sz="1800" cap="all">
                 <a:solidFill>
-                  <a:schemeClr val="tx2"/>
+                  <a:schemeClr val="accent2"/>
                 </a:solidFill>
-                <a:latin typeface="+mj-lt"/>
               </a:defRPr>
             </a:lvl1pPr>
             <a:lvl2pPr marL="457200" indent="0">
@@ -1415,30 +1877,41 @@
           <a:p>
             <a:pPr lvl="0"/>
             <a:r>
+              <a:rPr lang="pl-PL"/>
+              <a:t>Edytuj style wzorca tekstu</a:t>
+            </a:r>
+          </a:p>
+        </p:txBody>
+      </p:sp>
+      <p:sp>
+        <p:nvSpPr>
+          <p:cNvPr id="4" name="Date Placeholder 3"/>
+          <p:cNvSpPr>
+            <a:spLocks noGrp="1"/>
+          </p:cNvSpPr>
+          <p:nvPr>
+            <p:ph type="dt" sz="half" idx="10"/>
+          </p:nvPr>
+        </p:nvSpPr>
+        <p:spPr/>
+        <p:txBody>
+          <a:bodyPr/>
+          <a:lstStyle>
+            <a:lvl1pPr>
+              <a:defRPr>
+                <a:solidFill>
+                  <a:schemeClr val="accent1">
+                    <a:lumMod val="75000"/>
+                    <a:lumOff val="25000"/>
+                  </a:schemeClr>
+                </a:solidFill>
+              </a:defRPr>
+            </a:lvl1pPr>
+          </a:lstStyle>
+          <a:p>
+            <a:fld id="{8C5A9ED8-63A9-43CD-B2B6-0E773FEE52AF}" type="datetime1">
               <a:rPr lang="pl-PL" smtClean="0"/>
-              <a:t>Edytuj style wzorca tekstu</a:t>
-            </a:r>
-          </a:p>
-        </p:txBody>
-      </p:sp>
-      <p:sp>
-        <p:nvSpPr>
-          <p:cNvPr id="4" name="Date Placeholder 3"/>
-          <p:cNvSpPr>
-            <a:spLocks noGrp="1"/>
-          </p:cNvSpPr>
-          <p:nvPr>
-            <p:ph type="dt" sz="half" idx="10"/>
-          </p:nvPr>
-        </p:nvSpPr>
-        <p:spPr/>
-        <p:txBody>
-          <a:bodyPr/>
-          <a:lstStyle/>
-          <a:p>
-            <a:fld id="{C68E965E-584F-4F48-BCAF-388B3A6B5A10}" type="datetimeFigureOut">
-              <a:rPr lang="pl-PL" smtClean="0"/>
-              <a:t>21.01.2018</a:t>
+              <a:t>2018-01-29</a:t>
             </a:fld>
             <a:endParaRPr lang="pl-PL"/>
           </a:p>
@@ -1457,7 +1930,18 @@
         <p:spPr/>
         <p:txBody>
           <a:bodyPr/>
-          <a:lstStyle/>
+          <a:lstStyle>
+            <a:lvl1pPr>
+              <a:defRPr>
+                <a:solidFill>
+                  <a:schemeClr val="accent1">
+                    <a:lumMod val="75000"/>
+                    <a:lumOff val="25000"/>
+                  </a:schemeClr>
+                </a:solidFill>
+              </a:defRPr>
+            </a:lvl1pPr>
+          </a:lstStyle>
           <a:p>
             <a:endParaRPr lang="pl-PL"/>
           </a:p>
@@ -1476,7 +1960,18 @@
         <p:spPr/>
         <p:txBody>
           <a:bodyPr/>
-          <a:lstStyle/>
+          <a:lstStyle>
+            <a:lvl1pPr>
+              <a:defRPr>
+                <a:solidFill>
+                  <a:schemeClr val="accent1">
+                    <a:lumMod val="75000"/>
+                    <a:lumOff val="25000"/>
+                  </a:schemeClr>
+                </a:solidFill>
+              </a:defRPr>
+            </a:lvl1pPr>
+          </a:lstStyle>
           <a:p>
             <a:fld id="{874E87A6-7FFA-47D1-8277-D8AB08C63F72}" type="slidenum">
               <a:rPr lang="pl-PL" smtClean="0"/>
@@ -1486,48 +1981,10 @@
           </a:p>
         </p:txBody>
       </p:sp>
-      <p:cxnSp>
-        <p:nvCxnSpPr>
-          <p:cNvPr id="9" name="Straight Connector 8"/>
-          <p:cNvCxnSpPr/>
-          <p:nvPr/>
-        </p:nvCxnSpPr>
-        <p:spPr>
-          <a:xfrm>
-            <a:off x="1207658" y="4343400"/>
-            <a:ext cx="9875520" cy="0"/>
-          </a:xfrm>
-          <a:prstGeom prst="line">
-            <a:avLst/>
-          </a:prstGeom>
-          <a:ln w="6350">
-            <a:solidFill>
-              <a:schemeClr val="tx1">
-                <a:lumMod val="50000"/>
-                <a:lumOff val="50000"/>
-              </a:schemeClr>
-            </a:solidFill>
-          </a:ln>
-        </p:spPr>
-        <p:style>
-          <a:lnRef idx="1">
-            <a:schemeClr val="accent1"/>
-          </a:lnRef>
-          <a:fillRef idx="0">
-            <a:schemeClr val="accent1"/>
-          </a:fillRef>
-          <a:effectRef idx="0">
-            <a:schemeClr val="accent1"/>
-          </a:effectRef>
-          <a:fontRef idx="minor">
-            <a:schemeClr val="tx1"/>
-          </a:fontRef>
-        </p:style>
-      </p:cxnSp>
     </p:spTree>
     <p:extLst>
       <p:ext uri="{BB962C8B-B14F-4D97-AF65-F5344CB8AC3E}">
-        <p14:creationId xmlns:p14="http://schemas.microsoft.com/office/powerpoint/2010/main" val="1720528576"/>
+        <p14:creationId xmlns:p14="http://schemas.microsoft.com/office/powerpoint/2010/main" val="2063097625"/>
       </p:ext>
     </p:extLst>
   </p:cSld>
@@ -1556,18 +2013,57 @@
       </p:grpSpPr>
       <p:sp>
         <p:nvSpPr>
-          <p:cNvPr id="8" name="Title 7"/>
-          <p:cNvSpPr>
-            <a:spLocks noGrp="1"/>
-          </p:cNvSpPr>
-          <p:nvPr>
-            <p:ph type="title"/>
-          </p:nvPr>
+          <p:cNvPr id="8" name="Rectangle 7"/>
+          <p:cNvSpPr>
+            <a:spLocks noChangeAspect="1"/>
+          </p:cNvSpPr>
+          <p:nvPr/>
         </p:nvSpPr>
         <p:spPr>
           <a:xfrm>
-            <a:off x="1097280" y="286603"/>
-            <a:ext cx="10058400" cy="1450757"/>
+            <a:off x="445982" y="606554"/>
+            <a:ext cx="11300036" cy="1258827"/>
+          </a:xfrm>
+          <a:prstGeom prst="rect">
+            <a:avLst/>
+          </a:prstGeom>
+          <a:solidFill>
+            <a:schemeClr val="accent1"/>
+          </a:solidFill>
+          <a:ln>
+            <a:noFill/>
+          </a:ln>
+          <a:effectLst/>
+        </p:spPr>
+        <p:style>
+          <a:lnRef idx="1">
+            <a:schemeClr val="accent1"/>
+          </a:lnRef>
+          <a:fillRef idx="3">
+            <a:schemeClr val="accent1"/>
+          </a:fillRef>
+          <a:effectRef idx="2">
+            <a:schemeClr val="accent1"/>
+          </a:effectRef>
+          <a:fontRef idx="minor">
+            <a:schemeClr val="lt1"/>
+          </a:fontRef>
+        </p:style>
+      </p:sp>
+      <p:sp>
+        <p:nvSpPr>
+          <p:cNvPr id="2" name="Title 1"/>
+          <p:cNvSpPr>
+            <a:spLocks noGrp="1"/>
+          </p:cNvSpPr>
+          <p:nvPr>
+            <p:ph type="title"/>
+          </p:nvPr>
+        </p:nvSpPr>
+        <p:spPr>
+          <a:xfrm>
+            <a:off x="581193" y="729658"/>
+            <a:ext cx="11029616" cy="988332"/>
           </a:xfrm>
         </p:spPr>
         <p:txBody>
@@ -1575,7 +2071,7 @@
           <a:lstStyle/>
           <a:p>
             <a:r>
-              <a:rPr lang="pl-PL" smtClean="0"/>
+              <a:rPr lang="pl-PL"/>
               <a:t>Kliknij, aby edytować styl</a:t>
             </a:r>
             <a:endParaRPr lang="en-US" dirty="0"/>
@@ -1594,45 +2090,47 @@
         </p:nvSpPr>
         <p:spPr>
           <a:xfrm>
-            <a:off x="1097278" y="1845734"/>
-            <a:ext cx="4937760" cy="4023360"/>
+            <a:off x="581193" y="2228003"/>
+            <a:ext cx="5422390" cy="3633047"/>
           </a:xfrm>
         </p:spPr>
         <p:txBody>
-          <a:bodyPr/>
+          <a:bodyPr>
+            <a:normAutofit/>
+          </a:bodyPr>
           <a:lstStyle/>
           <a:p>
             <a:pPr lvl="0"/>
             <a:r>
-              <a:rPr lang="pl-PL" smtClean="0"/>
+              <a:rPr lang="pl-PL"/>
               <a:t>Edytuj style wzorca tekstu</a:t>
             </a:r>
           </a:p>
           <a:p>
             <a:pPr lvl="1"/>
             <a:r>
-              <a:rPr lang="pl-PL" smtClean="0"/>
+              <a:rPr lang="pl-PL"/>
               <a:t>Drugi poziom</a:t>
             </a:r>
           </a:p>
           <a:p>
             <a:pPr lvl="2"/>
             <a:r>
-              <a:rPr lang="pl-PL" smtClean="0"/>
+              <a:rPr lang="pl-PL"/>
               <a:t>Trzeci poziom</a:t>
             </a:r>
           </a:p>
           <a:p>
             <a:pPr lvl="3"/>
             <a:r>
-              <a:rPr lang="pl-PL" smtClean="0"/>
+              <a:rPr lang="pl-PL"/>
               <a:t>Czwarty poziom</a:t>
             </a:r>
           </a:p>
           <a:p>
             <a:pPr lvl="4"/>
             <a:r>
-              <a:rPr lang="pl-PL" smtClean="0"/>
+              <a:rPr lang="pl-PL"/>
               <a:t>Piąty poziom</a:t>
             </a:r>
             <a:endParaRPr lang="en-US" dirty="0"/>
@@ -1651,69 +2149,71 @@
         </p:nvSpPr>
         <p:spPr>
           <a:xfrm>
-            <a:off x="6217920" y="1845735"/>
-            <a:ext cx="4937760" cy="4023360"/>
+            <a:off x="6188417" y="2228003"/>
+            <a:ext cx="5422392" cy="3633047"/>
           </a:xfrm>
         </p:spPr>
         <p:txBody>
-          <a:bodyPr/>
+          <a:bodyPr>
+            <a:normAutofit/>
+          </a:bodyPr>
           <a:lstStyle/>
           <a:p>
             <a:pPr lvl="0"/>
             <a:r>
+              <a:rPr lang="pl-PL"/>
+              <a:t>Edytuj style wzorca tekstu</a:t>
+            </a:r>
+          </a:p>
+          <a:p>
+            <a:pPr lvl="1"/>
+            <a:r>
+              <a:rPr lang="pl-PL"/>
+              <a:t>Drugi poziom</a:t>
+            </a:r>
+          </a:p>
+          <a:p>
+            <a:pPr lvl="2"/>
+            <a:r>
+              <a:rPr lang="pl-PL"/>
+              <a:t>Trzeci poziom</a:t>
+            </a:r>
+          </a:p>
+          <a:p>
+            <a:pPr lvl="3"/>
+            <a:r>
+              <a:rPr lang="pl-PL"/>
+              <a:t>Czwarty poziom</a:t>
+            </a:r>
+          </a:p>
+          <a:p>
+            <a:pPr lvl="4"/>
+            <a:r>
+              <a:rPr lang="pl-PL"/>
+              <a:t>Piąty poziom</a:t>
+            </a:r>
+            <a:endParaRPr lang="en-US" dirty="0"/>
+          </a:p>
+        </p:txBody>
+      </p:sp>
+      <p:sp>
+        <p:nvSpPr>
+          <p:cNvPr id="5" name="Date Placeholder 4"/>
+          <p:cNvSpPr>
+            <a:spLocks noGrp="1"/>
+          </p:cNvSpPr>
+          <p:nvPr>
+            <p:ph type="dt" sz="half" idx="10"/>
+          </p:nvPr>
+        </p:nvSpPr>
+        <p:spPr/>
+        <p:txBody>
+          <a:bodyPr/>
+          <a:lstStyle/>
+          <a:p>
+            <a:fld id="{D583F5AE-EDA5-4991-BB13-81F29A7707A8}" type="datetime1">
               <a:rPr lang="pl-PL" smtClean="0"/>
-              <a:t>Edytuj style wzorca tekstu</a:t>
-            </a:r>
-          </a:p>
-          <a:p>
-            <a:pPr lvl="1"/>
-            <a:r>
-              <a:rPr lang="pl-PL" smtClean="0"/>
-              <a:t>Drugi poziom</a:t>
-            </a:r>
-          </a:p>
-          <a:p>
-            <a:pPr lvl="2"/>
-            <a:r>
-              <a:rPr lang="pl-PL" smtClean="0"/>
-              <a:t>Trzeci poziom</a:t>
-            </a:r>
-          </a:p>
-          <a:p>
-            <a:pPr lvl="3"/>
-            <a:r>
-              <a:rPr lang="pl-PL" smtClean="0"/>
-              <a:t>Czwarty poziom</a:t>
-            </a:r>
-          </a:p>
-          <a:p>
-            <a:pPr lvl="4"/>
-            <a:r>
-              <a:rPr lang="pl-PL" smtClean="0"/>
-              <a:t>Piąty poziom</a:t>
-            </a:r>
-            <a:endParaRPr lang="en-US" dirty="0"/>
-          </a:p>
-        </p:txBody>
-      </p:sp>
-      <p:sp>
-        <p:nvSpPr>
-          <p:cNvPr id="5" name="Date Placeholder 4"/>
-          <p:cNvSpPr>
-            <a:spLocks noGrp="1"/>
-          </p:cNvSpPr>
-          <p:nvPr>
-            <p:ph type="dt" sz="half" idx="10"/>
-          </p:nvPr>
-        </p:nvSpPr>
-        <p:spPr/>
-        <p:txBody>
-          <a:bodyPr/>
-          <a:lstStyle/>
-          <a:p>
-            <a:fld id="{C68E965E-584F-4F48-BCAF-388B3A6B5A10}" type="datetimeFigureOut">
-              <a:rPr lang="pl-PL" smtClean="0"/>
-              <a:t>21.01.2018</a:t>
+              <a:t>2018-01-29</a:t>
             </a:fld>
             <a:endParaRPr lang="pl-PL"/>
           </a:p>
@@ -1764,7 +2264,7 @@
     </p:spTree>
     <p:extLst>
       <p:ext uri="{BB962C8B-B14F-4D97-AF65-F5344CB8AC3E}">
-        <p14:creationId xmlns:p14="http://schemas.microsoft.com/office/powerpoint/2010/main" val="2233231316"/>
+        <p14:creationId xmlns:p14="http://schemas.microsoft.com/office/powerpoint/2010/main" val="1377095568"/>
       </p:ext>
     </p:extLst>
   </p:cSld>
@@ -1793,18 +2293,57 @@
       </p:grpSpPr>
       <p:sp>
         <p:nvSpPr>
-          <p:cNvPr id="10" name="Title 9"/>
-          <p:cNvSpPr>
-            <a:spLocks noGrp="1"/>
-          </p:cNvSpPr>
-          <p:nvPr>
-            <p:ph type="title"/>
-          </p:nvPr>
+          <p:cNvPr id="11" name="Rectangle 10"/>
+          <p:cNvSpPr>
+            <a:spLocks noChangeAspect="1"/>
+          </p:cNvSpPr>
+          <p:nvPr/>
         </p:nvSpPr>
         <p:spPr>
           <a:xfrm>
-            <a:off x="1097280" y="286603"/>
-            <a:ext cx="10058400" cy="1450757"/>
+            <a:off x="445982" y="606554"/>
+            <a:ext cx="11300036" cy="1258827"/>
+          </a:xfrm>
+          <a:prstGeom prst="rect">
+            <a:avLst/>
+          </a:prstGeom>
+          <a:solidFill>
+            <a:schemeClr val="accent1"/>
+          </a:solidFill>
+          <a:ln>
+            <a:noFill/>
+          </a:ln>
+          <a:effectLst/>
+        </p:spPr>
+        <p:style>
+          <a:lnRef idx="1">
+            <a:schemeClr val="accent1"/>
+          </a:lnRef>
+          <a:fillRef idx="3">
+            <a:schemeClr val="accent1"/>
+          </a:fillRef>
+          <a:effectRef idx="2">
+            <a:schemeClr val="accent1"/>
+          </a:effectRef>
+          <a:fontRef idx="minor">
+            <a:schemeClr val="lt1"/>
+          </a:fontRef>
+        </p:style>
+      </p:sp>
+      <p:sp>
+        <p:nvSpPr>
+          <p:cNvPr id="12" name="Title 1"/>
+          <p:cNvSpPr>
+            <a:spLocks noGrp="1"/>
+          </p:cNvSpPr>
+          <p:nvPr>
+            <p:ph type="title"/>
+          </p:nvPr>
+        </p:nvSpPr>
+        <p:spPr>
+          <a:xfrm>
+            <a:off x="581193" y="729658"/>
+            <a:ext cx="11029616" cy="988332"/>
           </a:xfrm>
         </p:spPr>
         <p:txBody>
@@ -1812,7 +2351,7 @@
           <a:lstStyle/>
           <a:p>
             <a:r>
-              <a:rPr lang="pl-PL" smtClean="0"/>
+              <a:rPr lang="pl-PL"/>
               <a:t>Kliknij, aby edytować styl</a:t>
             </a:r>
             <a:endParaRPr lang="en-US" dirty="0"/>
@@ -1831,20 +2370,20 @@
         </p:nvSpPr>
         <p:spPr>
           <a:xfrm>
-            <a:off x="1097280" y="1846052"/>
-            <a:ext cx="4937760" cy="736282"/>
+            <a:off x="887219" y="2250892"/>
+            <a:ext cx="5087075" cy="536005"/>
           </a:xfrm>
         </p:spPr>
         <p:txBody>
-          <a:bodyPr lIns="91440" rIns="91440" anchor="ctr">
-            <a:normAutofit/>
+          <a:bodyPr anchor="b">
+            <a:noAutofit/>
           </a:bodyPr>
           <a:lstStyle>
             <a:lvl1pPr marL="0" indent="0">
               <a:buNone/>
-              <a:defRPr sz="2000" b="0" cap="all" baseline="0">
+              <a:defRPr sz="2200" b="0">
                 <a:solidFill>
-                  <a:schemeClr val="tx2"/>
+                  <a:schemeClr val="accent2"/>
                 </a:solidFill>
               </a:defRPr>
             </a:lvl1pPr>
@@ -1884,7 +2423,7 @@
           <a:p>
             <a:pPr lvl="0"/>
             <a:r>
-              <a:rPr lang="pl-PL" smtClean="0"/>
+              <a:rPr lang="pl-PL"/>
               <a:t>Edytuj style wzorca tekstu</a:t>
             </a:r>
           </a:p>
@@ -1902,45 +2441,47 @@
         </p:nvSpPr>
         <p:spPr>
           <a:xfrm>
-            <a:off x="1097280" y="2582334"/>
-            <a:ext cx="4937760" cy="3378200"/>
+            <a:off x="581194" y="2926052"/>
+            <a:ext cx="5393100" cy="2934999"/>
           </a:xfrm>
         </p:spPr>
         <p:txBody>
-          <a:bodyPr/>
+          <a:bodyPr anchor="t">
+            <a:normAutofit/>
+          </a:bodyPr>
           <a:lstStyle/>
           <a:p>
             <a:pPr lvl="0"/>
             <a:r>
-              <a:rPr lang="pl-PL" smtClean="0"/>
+              <a:rPr lang="pl-PL"/>
               <a:t>Edytuj style wzorca tekstu</a:t>
             </a:r>
           </a:p>
           <a:p>
             <a:pPr lvl="1"/>
             <a:r>
-              <a:rPr lang="pl-PL" smtClean="0"/>
+              <a:rPr lang="pl-PL"/>
               <a:t>Drugi poziom</a:t>
             </a:r>
           </a:p>
           <a:p>
             <a:pPr lvl="2"/>
             <a:r>
-              <a:rPr lang="pl-PL" smtClean="0"/>
+              <a:rPr lang="pl-PL"/>
               <a:t>Trzeci poziom</a:t>
             </a:r>
           </a:p>
           <a:p>
             <a:pPr lvl="3"/>
             <a:r>
-              <a:rPr lang="pl-PL" smtClean="0"/>
+              <a:rPr lang="pl-PL"/>
               <a:t>Czwarty poziom</a:t>
             </a:r>
           </a:p>
           <a:p>
             <a:pPr lvl="4"/>
             <a:r>
-              <a:rPr lang="pl-PL" smtClean="0"/>
+              <a:rPr lang="pl-PL"/>
               <a:t>Piąty poziom</a:t>
             </a:r>
             <a:endParaRPr lang="en-US" dirty="0"/>
@@ -1959,20 +2500,20 @@
         </p:nvSpPr>
         <p:spPr>
           <a:xfrm>
-            <a:off x="6217920" y="1846052"/>
-            <a:ext cx="4937760" cy="736282"/>
+            <a:off x="6523735" y="2250892"/>
+            <a:ext cx="5087073" cy="553373"/>
           </a:xfrm>
         </p:spPr>
         <p:txBody>
-          <a:bodyPr lIns="91440" rIns="91440" anchor="ctr">
-            <a:normAutofit/>
+          <a:bodyPr anchor="b">
+            <a:noAutofit/>
           </a:bodyPr>
           <a:lstStyle>
             <a:lvl1pPr marL="0" indent="0">
               <a:buNone/>
-              <a:defRPr sz="2000" b="0" cap="all" baseline="0">
+              <a:defRPr sz="2200" b="0">
                 <a:solidFill>
-                  <a:schemeClr val="tx2"/>
+                  <a:schemeClr val="accent2"/>
                 </a:solidFill>
               </a:defRPr>
             </a:lvl1pPr>
@@ -2012,7 +2553,7 @@
           <a:p>
             <a:pPr lvl="0"/>
             <a:r>
-              <a:rPr lang="pl-PL" smtClean="0"/>
+              <a:rPr lang="pl-PL"/>
               <a:t>Edytuj style wzorca tekstu</a:t>
             </a:r>
           </a:p>
@@ -2030,69 +2571,71 @@
         </p:nvSpPr>
         <p:spPr>
           <a:xfrm>
-            <a:off x="6217920" y="2582334"/>
-            <a:ext cx="4937760" cy="3378200"/>
+            <a:off x="6217709" y="2926052"/>
+            <a:ext cx="5393100" cy="2934999"/>
           </a:xfrm>
         </p:spPr>
         <p:txBody>
-          <a:bodyPr/>
+          <a:bodyPr anchor="t">
+            <a:normAutofit/>
+          </a:bodyPr>
           <a:lstStyle/>
           <a:p>
             <a:pPr lvl="0"/>
             <a:r>
+              <a:rPr lang="pl-PL"/>
+              <a:t>Edytuj style wzorca tekstu</a:t>
+            </a:r>
+          </a:p>
+          <a:p>
+            <a:pPr lvl="1"/>
+            <a:r>
+              <a:rPr lang="pl-PL"/>
+              <a:t>Drugi poziom</a:t>
+            </a:r>
+          </a:p>
+          <a:p>
+            <a:pPr lvl="2"/>
+            <a:r>
+              <a:rPr lang="pl-PL"/>
+              <a:t>Trzeci poziom</a:t>
+            </a:r>
+          </a:p>
+          <a:p>
+            <a:pPr lvl="3"/>
+            <a:r>
+              <a:rPr lang="pl-PL"/>
+              <a:t>Czwarty poziom</a:t>
+            </a:r>
+          </a:p>
+          <a:p>
+            <a:pPr lvl="4"/>
+            <a:r>
+              <a:rPr lang="pl-PL"/>
+              <a:t>Piąty poziom</a:t>
+            </a:r>
+            <a:endParaRPr lang="en-US" dirty="0"/>
+          </a:p>
+        </p:txBody>
+      </p:sp>
+      <p:sp>
+        <p:nvSpPr>
+          <p:cNvPr id="7" name="Date Placeholder 6"/>
+          <p:cNvSpPr>
+            <a:spLocks noGrp="1"/>
+          </p:cNvSpPr>
+          <p:nvPr>
+            <p:ph type="dt" sz="half" idx="10"/>
+          </p:nvPr>
+        </p:nvSpPr>
+        <p:spPr/>
+        <p:txBody>
+          <a:bodyPr/>
+          <a:lstStyle/>
+          <a:p>
+            <a:fld id="{CC077A8C-AEA8-4390-9332-73FA5DCFB4C2}" type="datetime1">
               <a:rPr lang="pl-PL" smtClean="0"/>
-              <a:t>Edytuj style wzorca tekstu</a:t>
-            </a:r>
-          </a:p>
-          <a:p>
-            <a:pPr lvl="1"/>
-            <a:r>
-              <a:rPr lang="pl-PL" smtClean="0"/>
-              <a:t>Drugi poziom</a:t>
-            </a:r>
-          </a:p>
-          <a:p>
-            <a:pPr lvl="2"/>
-            <a:r>
-              <a:rPr lang="pl-PL" smtClean="0"/>
-              <a:t>Trzeci poziom</a:t>
-            </a:r>
-          </a:p>
-          <a:p>
-            <a:pPr lvl="3"/>
-            <a:r>
-              <a:rPr lang="pl-PL" smtClean="0"/>
-              <a:t>Czwarty poziom</a:t>
-            </a:r>
-          </a:p>
-          <a:p>
-            <a:pPr lvl="4"/>
-            <a:r>
-              <a:rPr lang="pl-PL" smtClean="0"/>
-              <a:t>Piąty poziom</a:t>
-            </a:r>
-            <a:endParaRPr lang="en-US" dirty="0"/>
-          </a:p>
-        </p:txBody>
-      </p:sp>
-      <p:sp>
-        <p:nvSpPr>
-          <p:cNvPr id="7" name="Date Placeholder 6"/>
-          <p:cNvSpPr>
-            <a:spLocks noGrp="1"/>
-          </p:cNvSpPr>
-          <p:nvPr>
-            <p:ph type="dt" sz="half" idx="10"/>
-          </p:nvPr>
-        </p:nvSpPr>
-        <p:spPr/>
-        <p:txBody>
-          <a:bodyPr/>
-          <a:lstStyle/>
-          <a:p>
-            <a:fld id="{C68E965E-584F-4F48-BCAF-388B3A6B5A10}" type="datetimeFigureOut">
-              <a:rPr lang="pl-PL" smtClean="0"/>
-              <a:t>21.01.2018</a:t>
+              <a:t>2018-01-29</a:t>
             </a:fld>
             <a:endParaRPr lang="pl-PL"/>
           </a:p>
@@ -2143,7 +2686,7 @@
     </p:spTree>
     <p:extLst>
       <p:ext uri="{BB962C8B-B14F-4D97-AF65-F5344CB8AC3E}">
-        <p14:creationId xmlns:p14="http://schemas.microsoft.com/office/powerpoint/2010/main" val="2249290390"/>
+        <p14:creationId xmlns:p14="http://schemas.microsoft.com/office/powerpoint/2010/main" val="647585297"/>
       </p:ext>
     </p:extLst>
   </p:cSld>
@@ -2172,7 +2715,46 @@
       </p:grpSpPr>
       <p:sp>
         <p:nvSpPr>
-          <p:cNvPr id="2" name="Title 1"/>
+          <p:cNvPr id="7" name="Rectangle 6"/>
+          <p:cNvSpPr>
+            <a:spLocks noChangeAspect="1"/>
+          </p:cNvSpPr>
+          <p:nvPr/>
+        </p:nvSpPr>
+        <p:spPr>
+          <a:xfrm>
+            <a:off x="440683" y="606554"/>
+            <a:ext cx="11300036" cy="1258827"/>
+          </a:xfrm>
+          <a:prstGeom prst="rect">
+            <a:avLst/>
+          </a:prstGeom>
+          <a:solidFill>
+            <a:schemeClr val="accent1"/>
+          </a:solidFill>
+          <a:ln>
+            <a:noFill/>
+          </a:ln>
+          <a:effectLst/>
+        </p:spPr>
+        <p:style>
+          <a:lnRef idx="1">
+            <a:schemeClr val="accent1"/>
+          </a:lnRef>
+          <a:fillRef idx="3">
+            <a:schemeClr val="accent1"/>
+          </a:fillRef>
+          <a:effectRef idx="2">
+            <a:schemeClr val="accent1"/>
+          </a:effectRef>
+          <a:fontRef idx="minor">
+            <a:schemeClr val="lt1"/>
+          </a:fontRef>
+        </p:style>
+      </p:sp>
+      <p:sp>
+        <p:nvSpPr>
+          <p:cNvPr id="8" name="Title 1"/>
           <p:cNvSpPr>
             <a:spLocks noGrp="1"/>
           </p:cNvSpPr>
@@ -2180,37 +2762,42 @@
             <p:ph type="title"/>
           </p:nvPr>
         </p:nvSpPr>
+        <p:spPr>
+          <a:xfrm>
+            <a:off x="575894" y="729658"/>
+            <a:ext cx="11029616" cy="988332"/>
+          </a:xfrm>
+        </p:spPr>
+        <p:txBody>
+          <a:bodyPr/>
+          <a:lstStyle/>
+          <a:p>
+            <a:r>
+              <a:rPr lang="pl-PL"/>
+              <a:t>Kliknij, aby edytować styl</a:t>
+            </a:r>
+            <a:endParaRPr lang="en-US" dirty="0"/>
+          </a:p>
+        </p:txBody>
+      </p:sp>
+      <p:sp>
+        <p:nvSpPr>
+          <p:cNvPr id="3" name="Date Placeholder 2"/>
+          <p:cNvSpPr>
+            <a:spLocks noGrp="1"/>
+          </p:cNvSpPr>
+          <p:nvPr>
+            <p:ph type="dt" sz="half" idx="10"/>
+          </p:nvPr>
+        </p:nvSpPr>
         <p:spPr/>
         <p:txBody>
           <a:bodyPr/>
           <a:lstStyle/>
           <a:p>
-            <a:r>
+            <a:fld id="{1BDA9770-320A-4D32-B42A-60E81FFBA0C8}" type="datetime1">
               <a:rPr lang="pl-PL" smtClean="0"/>
-              <a:t>Kliknij, aby edytować styl</a:t>
-            </a:r>
-            <a:endParaRPr lang="en-US" dirty="0"/>
-          </a:p>
-        </p:txBody>
-      </p:sp>
-      <p:sp>
-        <p:nvSpPr>
-          <p:cNvPr id="3" name="Date Placeholder 2"/>
-          <p:cNvSpPr>
-            <a:spLocks noGrp="1"/>
-          </p:cNvSpPr>
-          <p:nvPr>
-            <p:ph type="dt" sz="half" idx="10"/>
-          </p:nvPr>
-        </p:nvSpPr>
-        <p:spPr/>
-        <p:txBody>
-          <a:bodyPr/>
-          <a:lstStyle/>
-          <a:p>
-            <a:fld id="{C68E965E-584F-4F48-BCAF-388B3A6B5A10}" type="datetimeFigureOut">
-              <a:rPr lang="pl-PL" smtClean="0"/>
-              <a:t>21.01.2018</a:t>
+              <a:t>2018-01-29</a:t>
             </a:fld>
             <a:endParaRPr lang="pl-PL"/>
           </a:p>
@@ -2261,7 +2848,7 @@
     </p:spTree>
     <p:extLst>
       <p:ext uri="{BB962C8B-B14F-4D97-AF65-F5344CB8AC3E}">
-        <p14:creationId xmlns:p14="http://schemas.microsoft.com/office/powerpoint/2010/main" val="3689448313"/>
+        <p14:creationId xmlns:p14="http://schemas.microsoft.com/office/powerpoint/2010/main" val="403615132"/>
       </p:ext>
     </p:extLst>
   </p:cSld>
@@ -2272,7 +2859,7 @@
 </file>
 
 <file path=ppt/slideLayouts/slideLayout18.xml><?xml version="1.0" encoding="utf-8"?>
-<p:sldLayout xmlns:a="http://schemas.openxmlformats.org/drawingml/2006/main" xmlns:r="http://schemas.openxmlformats.org/officeDocument/2006/relationships" xmlns:p="http://schemas.openxmlformats.org/presentationml/2006/main" showMasterSp="0" type="blank" preserve="1">
+<p:sldLayout xmlns:a="http://schemas.openxmlformats.org/drawingml/2006/main" xmlns:r="http://schemas.openxmlformats.org/officeDocument/2006/relationships" xmlns:p="http://schemas.openxmlformats.org/presentationml/2006/main" type="blank" preserve="1">
   <p:cSld name="Pusty">
     <p:spTree>
       <p:nvGrpSpPr>
@@ -2290,83 +2877,7 @@
       </p:grpSpPr>
       <p:sp>
         <p:nvSpPr>
-          <p:cNvPr id="5" name="Rectangle 4"/>
-          <p:cNvSpPr/>
-          <p:nvPr/>
-        </p:nvSpPr>
-        <p:spPr>
-          <a:xfrm>
-            <a:off x="3175" y="6400800"/>
-            <a:ext cx="12188825" cy="457200"/>
-          </a:xfrm>
-          <a:prstGeom prst="rect">
-            <a:avLst/>
-          </a:prstGeom>
-          <a:solidFill>
-            <a:schemeClr val="accent2"/>
-          </a:solidFill>
-          <a:ln>
-            <a:noFill/>
-          </a:ln>
-        </p:spPr>
-        <p:style>
-          <a:lnRef idx="2">
-            <a:schemeClr val="accent1">
-              <a:shade val="50000"/>
-            </a:schemeClr>
-          </a:lnRef>
-          <a:fillRef idx="1">
-            <a:schemeClr val="accent1"/>
-          </a:fillRef>
-          <a:effectRef idx="0">
-            <a:schemeClr val="accent1"/>
-          </a:effectRef>
-          <a:fontRef idx="minor">
-            <a:schemeClr val="lt1"/>
-          </a:fontRef>
-        </p:style>
-      </p:sp>
-      <p:sp>
-        <p:nvSpPr>
-          <p:cNvPr id="6" name="Rectangle 5"/>
-          <p:cNvSpPr/>
-          <p:nvPr/>
-        </p:nvSpPr>
-        <p:spPr>
-          <a:xfrm>
-            <a:off x="15" y="6334316"/>
-            <a:ext cx="12188825" cy="64008"/>
-          </a:xfrm>
-          <a:prstGeom prst="rect">
-            <a:avLst/>
-          </a:prstGeom>
-          <a:solidFill>
-            <a:schemeClr val="accent1"/>
-          </a:solidFill>
-          <a:ln>
-            <a:noFill/>
-          </a:ln>
-        </p:spPr>
-        <p:style>
-          <a:lnRef idx="2">
-            <a:schemeClr val="accent1">
-              <a:shade val="50000"/>
-            </a:schemeClr>
-          </a:lnRef>
-          <a:fillRef idx="1">
-            <a:schemeClr val="accent1"/>
-          </a:fillRef>
-          <a:effectRef idx="0">
-            <a:schemeClr val="accent1"/>
-          </a:effectRef>
-          <a:fontRef idx="minor">
-            <a:schemeClr val="lt1"/>
-          </a:fontRef>
-        </p:style>
-      </p:sp>
-      <p:sp>
-        <p:nvSpPr>
-          <p:cNvPr id="7" name="Date Placeholder 6"/>
+          <p:cNvPr id="2" name="Date Placeholder 1"/>
           <p:cNvSpPr>
             <a:spLocks noGrp="1"/>
           </p:cNvSpPr>
@@ -2379,9 +2890,9 @@
           <a:bodyPr/>
           <a:lstStyle/>
           <a:p>
-            <a:fld id="{C68E965E-584F-4F48-BCAF-388B3A6B5A10}" type="datetimeFigureOut">
+            <a:fld id="{99CF7E88-68E3-4412-A529-353A5BDB0C31}" type="datetime1">
               <a:rPr lang="pl-PL" smtClean="0"/>
-              <a:t>21.01.2018</a:t>
+              <a:t>2018-01-29</a:t>
             </a:fld>
             <a:endParaRPr lang="pl-PL"/>
           </a:p>
@@ -2389,7 +2900,7 @@
       </p:sp>
       <p:sp>
         <p:nvSpPr>
-          <p:cNvPr id="8" name="Footer Placeholder 7"/>
+          <p:cNvPr id="3" name="Footer Placeholder 2"/>
           <p:cNvSpPr>
             <a:spLocks noGrp="1"/>
           </p:cNvSpPr>
@@ -2400,15 +2911,7 @@
         <p:spPr/>
         <p:txBody>
           <a:bodyPr/>
-          <a:lstStyle>
-            <a:lvl1pPr>
-              <a:defRPr>
-                <a:solidFill>
-                  <a:srgbClr val="FFFFFF"/>
-                </a:solidFill>
-              </a:defRPr>
-            </a:lvl1pPr>
-          </a:lstStyle>
+          <a:lstStyle/>
           <a:p>
             <a:endParaRPr lang="pl-PL"/>
           </a:p>
@@ -2416,7 +2919,7 @@
       </p:sp>
       <p:sp>
         <p:nvSpPr>
-          <p:cNvPr id="9" name="Slide Number Placeholder 8"/>
+          <p:cNvPr id="4" name="Slide Number Placeholder 3"/>
           <p:cNvSpPr>
             <a:spLocks noGrp="1"/>
           </p:cNvSpPr>
@@ -2440,7 +2943,7 @@
     </p:spTree>
     <p:extLst>
       <p:ext uri="{BB962C8B-B14F-4D97-AF65-F5344CB8AC3E}">
-        <p14:creationId xmlns:p14="http://schemas.microsoft.com/office/powerpoint/2010/main" val="3428046753"/>
+        <p14:creationId xmlns:p14="http://schemas.microsoft.com/office/powerpoint/2010/main" val="396991844"/>
       </p:ext>
     </p:extLst>
   </p:cSld>
@@ -2451,7 +2954,7 @@
 </file>
 
 <file path=ppt/slideLayouts/slideLayout19.xml><?xml version="1.0" encoding="utf-8"?>
-<p:sldLayout xmlns:a="http://schemas.openxmlformats.org/drawingml/2006/main" xmlns:r="http://schemas.openxmlformats.org/officeDocument/2006/relationships" xmlns:p="http://schemas.openxmlformats.org/presentationml/2006/main" showMasterSp="0" type="objTx" preserve="1">
+<p:sldLayout xmlns:a="http://schemas.openxmlformats.org/drawingml/2006/main" xmlns:r="http://schemas.openxmlformats.org/officeDocument/2006/relationships" xmlns:p="http://schemas.openxmlformats.org/presentationml/2006/main" type="objTx" preserve="1">
   <p:cSld name="Zawartość z podpisem">
     <p:spTree>
       <p:nvGrpSpPr>
@@ -2469,52 +2972,16 @@
       </p:grpSpPr>
       <p:sp>
         <p:nvSpPr>
-          <p:cNvPr id="8" name="Rectangle 7"/>
-          <p:cNvSpPr/>
+          <p:cNvPr id="9" name="Rectangle 8"/>
+          <p:cNvSpPr>
+            <a:spLocks noChangeAspect="1"/>
+          </p:cNvSpPr>
           <p:nvPr/>
         </p:nvSpPr>
         <p:spPr>
           <a:xfrm>
-            <a:off x="16" y="0"/>
-            <a:ext cx="4050791" cy="6858000"/>
-          </a:xfrm>
-          <a:prstGeom prst="rect">
-            <a:avLst/>
-          </a:prstGeom>
-          <a:solidFill>
-            <a:schemeClr val="accent2"/>
-          </a:solidFill>
-          <a:ln>
-            <a:noFill/>
-          </a:ln>
-        </p:spPr>
-        <p:style>
-          <a:lnRef idx="2">
-            <a:schemeClr val="accent1">
-              <a:shade val="50000"/>
-            </a:schemeClr>
-          </a:lnRef>
-          <a:fillRef idx="1">
-            <a:schemeClr val="accent1"/>
-          </a:fillRef>
-          <a:effectRef idx="0">
-            <a:schemeClr val="accent1"/>
-          </a:effectRef>
-          <a:fontRef idx="minor">
-            <a:schemeClr val="lt1"/>
-          </a:fontRef>
-        </p:style>
-      </p:sp>
-      <p:sp>
-        <p:nvSpPr>
-          <p:cNvPr id="9" name="Rectangle 8"/>
-          <p:cNvSpPr/>
-          <p:nvPr/>
-        </p:nvSpPr>
-        <p:spPr>
-          <a:xfrm>
-            <a:off x="4040071" y="0"/>
-            <a:ext cx="64008" cy="6858000"/>
+            <a:off x="447817" y="5141973"/>
+            <a:ext cx="11298200" cy="1274702"/>
           </a:xfrm>
           <a:prstGeom prst="rect">
             <a:avLst/>
@@ -2525,17 +2992,16 @@
           <a:ln>
             <a:noFill/>
           </a:ln>
+          <a:effectLst/>
         </p:spPr>
         <p:style>
-          <a:lnRef idx="2">
-            <a:schemeClr val="accent1">
-              <a:shade val="50000"/>
-            </a:schemeClr>
+          <a:lnRef idx="1">
+            <a:schemeClr val="accent1"/>
           </a:lnRef>
-          <a:fillRef idx="1">
+          <a:fillRef idx="3">
             <a:schemeClr val="accent1"/>
           </a:fillRef>
-          <a:effectRef idx="0">
+          <a:effectRef idx="2">
             <a:schemeClr val="accent1"/>
           </a:effectRef>
           <a:fontRef idx="minor">
@@ -2555,232 +3021,235 @@
         </p:nvSpPr>
         <p:spPr>
           <a:xfrm>
-            <a:off x="457200" y="594359"/>
-            <a:ext cx="3200400" cy="2286000"/>
+            <a:off x="581192" y="5262296"/>
+            <a:ext cx="4909445" cy="689514"/>
           </a:xfrm>
         </p:spPr>
         <p:txBody>
-          <a:bodyPr anchor="b">
+          <a:bodyPr anchor="ctr"/>
+          <a:lstStyle>
+            <a:lvl1pPr algn="l">
+              <a:defRPr sz="2000" b="0">
+                <a:solidFill>
+                  <a:schemeClr val="accent1">
+                    <a:lumMod val="75000"/>
+                    <a:lumOff val="25000"/>
+                  </a:schemeClr>
+                </a:solidFill>
+              </a:defRPr>
+            </a:lvl1pPr>
+          </a:lstStyle>
+          <a:p>
+            <a:r>
+              <a:rPr lang="pl-PL"/>
+              <a:t>Kliknij, aby edytować styl</a:t>
+            </a:r>
+            <a:endParaRPr lang="en-US" dirty="0"/>
+          </a:p>
+        </p:txBody>
+      </p:sp>
+      <p:sp>
+        <p:nvSpPr>
+          <p:cNvPr id="3" name="Content Placeholder 2"/>
+          <p:cNvSpPr>
+            <a:spLocks noGrp="1"/>
+          </p:cNvSpPr>
+          <p:nvPr>
+            <p:ph idx="1"/>
+          </p:nvPr>
+        </p:nvSpPr>
+        <p:spPr>
+          <a:xfrm>
+            <a:off x="447816" y="601200"/>
+            <a:ext cx="11292840" cy="4204800"/>
+          </a:xfrm>
+        </p:spPr>
+        <p:txBody>
+          <a:bodyPr anchor="ctr">
             <a:normAutofit/>
           </a:bodyPr>
           <a:lstStyle>
             <a:lvl1pPr>
-              <a:defRPr sz="3600" b="0">
-                <a:solidFill>
-                  <a:srgbClr val="FFFFFF"/>
-                </a:solidFill>
-              </a:defRPr>
-            </a:lvl1pPr>
-          </a:lstStyle>
-          <a:p>
-            <a:r>
-              <a:rPr lang="pl-PL" smtClean="0"/>
-              <a:t>Kliknij, aby edytować styl</a:t>
-            </a:r>
-            <a:endParaRPr lang="en-US" dirty="0"/>
-          </a:p>
-        </p:txBody>
-      </p:sp>
-      <p:sp>
-        <p:nvSpPr>
-          <p:cNvPr id="3" name="Content Placeholder 2"/>
-          <p:cNvSpPr>
-            <a:spLocks noGrp="1"/>
-          </p:cNvSpPr>
-          <p:nvPr>
-            <p:ph idx="1"/>
-          </p:nvPr>
-        </p:nvSpPr>
-        <p:spPr>
-          <a:xfrm>
-            <a:off x="4800600" y="731520"/>
-            <a:ext cx="6492240" cy="5257800"/>
-          </a:xfrm>
-        </p:spPr>
-        <p:txBody>
-          <a:bodyPr/>
-          <a:lstStyle/>
-          <a:p>
-            <a:pPr lvl="0"/>
-            <a:r>
-              <a:rPr lang="pl-PL" smtClean="0"/>
-              <a:t>Edytuj style wzorca tekstu</a:t>
-            </a:r>
-          </a:p>
-          <a:p>
-            <a:pPr lvl="1"/>
-            <a:r>
-              <a:rPr lang="pl-PL" smtClean="0"/>
-              <a:t>Drugi poziom</a:t>
-            </a:r>
-          </a:p>
-          <a:p>
-            <a:pPr lvl="2"/>
-            <a:r>
-              <a:rPr lang="pl-PL" smtClean="0"/>
-              <a:t>Trzeci poziom</a:t>
-            </a:r>
-          </a:p>
-          <a:p>
-            <a:pPr lvl="3"/>
-            <a:r>
-              <a:rPr lang="pl-PL" smtClean="0"/>
-              <a:t>Czwarty poziom</a:t>
-            </a:r>
-          </a:p>
-          <a:p>
-            <a:pPr lvl="4"/>
-            <a:r>
-              <a:rPr lang="pl-PL" smtClean="0"/>
-              <a:t>Piąty poziom</a:t>
-            </a:r>
-            <a:endParaRPr lang="en-US" dirty="0"/>
-          </a:p>
-        </p:txBody>
-      </p:sp>
-      <p:sp>
-        <p:nvSpPr>
-          <p:cNvPr id="4" name="Text Placeholder 3"/>
-          <p:cNvSpPr>
-            <a:spLocks noGrp="1"/>
-          </p:cNvSpPr>
-          <p:nvPr>
-            <p:ph type="body" sz="half" idx="2"/>
-          </p:nvPr>
-        </p:nvSpPr>
-        <p:spPr>
-          <a:xfrm>
-            <a:off x="457200" y="2926080"/>
-            <a:ext cx="3200400" cy="3379124"/>
-          </a:xfrm>
-        </p:spPr>
-        <p:txBody>
-          <a:bodyPr lIns="91440" rIns="91440">
-            <a:normAutofit/>
-          </a:bodyPr>
-          <a:lstStyle>
-            <a:lvl1pPr marL="0" indent="0">
-              <a:buNone/>
-              <a:defRPr sz="1500">
-                <a:solidFill>
-                  <a:srgbClr val="FFFFFF"/>
-                </a:solidFill>
-              </a:defRPr>
-            </a:lvl1pPr>
-            <a:lvl2pPr marL="457200" indent="0">
-              <a:buNone/>
-              <a:defRPr sz="1200"/>
-            </a:lvl2pPr>
-            <a:lvl3pPr marL="914400" indent="0">
-              <a:buNone/>
-              <a:defRPr sz="1000"/>
-            </a:lvl3pPr>
-            <a:lvl4pPr marL="1371600" indent="0">
-              <a:buNone/>
-              <a:defRPr sz="900"/>
-            </a:lvl4pPr>
-            <a:lvl5pPr marL="1828800" indent="0">
-              <a:buNone/>
-              <a:defRPr sz="900"/>
-            </a:lvl5pPr>
-            <a:lvl6pPr marL="2286000" indent="0">
-              <a:buNone/>
-              <a:defRPr sz="900"/>
-            </a:lvl6pPr>
-            <a:lvl7pPr marL="2743200" indent="0">
-              <a:buNone/>
-              <a:defRPr sz="900"/>
-            </a:lvl7pPr>
-            <a:lvl8pPr marL="3200400" indent="0">
-              <a:buNone/>
-              <a:defRPr sz="900"/>
-            </a:lvl8pPr>
-            <a:lvl9pPr marL="3657600" indent="0">
-              <a:buNone/>
-              <a:defRPr sz="900"/>
-            </a:lvl9pPr>
-          </a:lstStyle>
-          <a:p>
-            <a:pPr lvl="0"/>
-            <a:r>
-              <a:rPr lang="pl-PL" smtClean="0"/>
-              <a:t>Edytuj style wzorca tekstu</a:t>
-            </a:r>
-          </a:p>
-        </p:txBody>
-      </p:sp>
-      <p:sp>
-        <p:nvSpPr>
-          <p:cNvPr id="5" name="Date Placeholder 4"/>
-          <p:cNvSpPr>
-            <a:spLocks noGrp="1"/>
-          </p:cNvSpPr>
-          <p:nvPr>
-            <p:ph type="dt" sz="half" idx="10"/>
-          </p:nvPr>
-        </p:nvSpPr>
-        <p:spPr>
-          <a:xfrm>
-            <a:off x="465512" y="6459785"/>
-            <a:ext cx="2618510" cy="365125"/>
-          </a:xfrm>
-        </p:spPr>
-        <p:txBody>
-          <a:bodyPr/>
-          <a:lstStyle>
-            <a:lvl1pPr algn="l">
-              <a:defRPr/>
-            </a:lvl1pPr>
-          </a:lstStyle>
-          <a:p>
-            <a:fld id="{C68E965E-584F-4F48-BCAF-388B3A6B5A10}" type="datetimeFigureOut">
-              <a:rPr lang="pl-PL" smtClean="0"/>
-              <a:t>21.01.2018</a:t>
-            </a:fld>
-            <a:endParaRPr lang="pl-PL"/>
-          </a:p>
-        </p:txBody>
-      </p:sp>
-      <p:sp>
-        <p:nvSpPr>
-          <p:cNvPr id="6" name="Footer Placeholder 5"/>
-          <p:cNvSpPr>
-            <a:spLocks noGrp="1"/>
-          </p:cNvSpPr>
-          <p:nvPr>
-            <p:ph type="ftr" sz="quarter" idx="11"/>
-          </p:nvPr>
-        </p:nvSpPr>
-        <p:spPr>
-          <a:xfrm>
-            <a:off x="4800600" y="6459785"/>
-            <a:ext cx="4648200" cy="365125"/>
-          </a:xfrm>
-        </p:spPr>
-        <p:txBody>
-          <a:bodyPr/>
-          <a:lstStyle>
-            <a:lvl1pPr algn="l">
-              <a:defRPr>
+              <a:defRPr sz="2000">
                 <a:solidFill>
                   <a:schemeClr val="tx2"/>
                 </a:solidFill>
               </a:defRPr>
             </a:lvl1pPr>
+            <a:lvl2pPr>
+              <a:defRPr sz="1800">
+                <a:solidFill>
+                  <a:schemeClr val="tx2"/>
+                </a:solidFill>
+              </a:defRPr>
+            </a:lvl2pPr>
+            <a:lvl3pPr>
+              <a:defRPr sz="1600">
+                <a:solidFill>
+                  <a:schemeClr val="tx2"/>
+                </a:solidFill>
+              </a:defRPr>
+            </a:lvl3pPr>
+            <a:lvl4pPr>
+              <a:defRPr sz="1400">
+                <a:solidFill>
+                  <a:schemeClr val="tx2"/>
+                </a:solidFill>
+              </a:defRPr>
+            </a:lvl4pPr>
+            <a:lvl5pPr>
+              <a:defRPr sz="1400">
+                <a:solidFill>
+                  <a:schemeClr val="tx2"/>
+                </a:solidFill>
+              </a:defRPr>
+            </a:lvl5pPr>
+            <a:lvl6pPr>
+              <a:defRPr sz="1400">
+                <a:solidFill>
+                  <a:schemeClr val="tx2"/>
+                </a:solidFill>
+              </a:defRPr>
+            </a:lvl6pPr>
+            <a:lvl7pPr>
+              <a:defRPr sz="1400">
+                <a:solidFill>
+                  <a:schemeClr val="tx2"/>
+                </a:solidFill>
+              </a:defRPr>
+            </a:lvl7pPr>
+            <a:lvl8pPr>
+              <a:defRPr sz="1400">
+                <a:solidFill>
+                  <a:schemeClr val="tx2"/>
+                </a:solidFill>
+              </a:defRPr>
+            </a:lvl8pPr>
+            <a:lvl9pPr>
+              <a:defRPr sz="1400">
+                <a:solidFill>
+                  <a:schemeClr val="tx2"/>
+                </a:solidFill>
+              </a:defRPr>
+            </a:lvl9pPr>
           </a:lstStyle>
           <a:p>
-            <a:endParaRPr lang="pl-PL"/>
-          </a:p>
-        </p:txBody>
-      </p:sp>
-      <p:sp>
-        <p:nvSpPr>
-          <p:cNvPr id="7" name="Slide Number Placeholder 6"/>
-          <p:cNvSpPr>
-            <a:spLocks noGrp="1"/>
-          </p:cNvSpPr>
-          <p:nvPr>
-            <p:ph type="sldNum" sz="quarter" idx="12"/>
+            <a:pPr lvl="0"/>
+            <a:r>
+              <a:rPr lang="pl-PL"/>
+              <a:t>Edytuj style wzorca tekstu</a:t>
+            </a:r>
+          </a:p>
+          <a:p>
+            <a:pPr lvl="1"/>
+            <a:r>
+              <a:rPr lang="pl-PL"/>
+              <a:t>Drugi poziom</a:t>
+            </a:r>
+          </a:p>
+          <a:p>
+            <a:pPr lvl="2"/>
+            <a:r>
+              <a:rPr lang="pl-PL"/>
+              <a:t>Trzeci poziom</a:t>
+            </a:r>
+          </a:p>
+          <a:p>
+            <a:pPr lvl="3"/>
+            <a:r>
+              <a:rPr lang="pl-PL"/>
+              <a:t>Czwarty poziom</a:t>
+            </a:r>
+          </a:p>
+          <a:p>
+            <a:pPr lvl="4"/>
+            <a:r>
+              <a:rPr lang="pl-PL"/>
+              <a:t>Piąty poziom</a:t>
+            </a:r>
+            <a:endParaRPr lang="en-US" dirty="0"/>
+          </a:p>
+        </p:txBody>
+      </p:sp>
+      <p:sp>
+        <p:nvSpPr>
+          <p:cNvPr id="4" name="Text Placeholder 3"/>
+          <p:cNvSpPr>
+            <a:spLocks noGrp="1"/>
+          </p:cNvSpPr>
+          <p:nvPr>
+            <p:ph type="body" sz="half" idx="2"/>
+          </p:nvPr>
+        </p:nvSpPr>
+        <p:spPr>
+          <a:xfrm>
+            <a:off x="5740823" y="5262296"/>
+            <a:ext cx="5869987" cy="689515"/>
+          </a:xfrm>
+        </p:spPr>
+        <p:txBody>
+          <a:bodyPr anchor="ctr">
+            <a:normAutofit/>
+          </a:bodyPr>
+          <a:lstStyle>
+            <a:lvl1pPr marL="0" indent="0" algn="r">
+              <a:buNone/>
+              <a:defRPr sz="1100">
+                <a:solidFill>
+                  <a:schemeClr val="bg1"/>
+                </a:solidFill>
+              </a:defRPr>
+            </a:lvl1pPr>
+            <a:lvl2pPr marL="457200" indent="0">
+              <a:buNone/>
+              <a:defRPr sz="1100"/>
+            </a:lvl2pPr>
+            <a:lvl3pPr marL="914400" indent="0">
+              <a:buNone/>
+              <a:defRPr sz="1000"/>
+            </a:lvl3pPr>
+            <a:lvl4pPr marL="1371600" indent="0">
+              <a:buNone/>
+              <a:defRPr sz="900"/>
+            </a:lvl4pPr>
+            <a:lvl5pPr marL="1828800" indent="0">
+              <a:buNone/>
+              <a:defRPr sz="900"/>
+            </a:lvl5pPr>
+            <a:lvl6pPr marL="2286000" indent="0">
+              <a:buNone/>
+              <a:defRPr sz="900"/>
+            </a:lvl6pPr>
+            <a:lvl7pPr marL="2743200" indent="0">
+              <a:buNone/>
+              <a:defRPr sz="900"/>
+            </a:lvl7pPr>
+            <a:lvl8pPr marL="3200400" indent="0">
+              <a:buNone/>
+              <a:defRPr sz="900"/>
+            </a:lvl8pPr>
+            <a:lvl9pPr marL="3657600" indent="0">
+              <a:buNone/>
+              <a:defRPr sz="900"/>
+            </a:lvl9pPr>
+          </a:lstStyle>
+          <a:p>
+            <a:pPr lvl="0"/>
+            <a:r>
+              <a:rPr lang="pl-PL"/>
+              <a:t>Edytuj style wzorca tekstu</a:t>
+            </a:r>
+          </a:p>
+        </p:txBody>
+      </p:sp>
+      <p:sp>
+        <p:nvSpPr>
+          <p:cNvPr id="5" name="Date Placeholder 4"/>
+          <p:cNvSpPr>
+            <a:spLocks noGrp="1"/>
+          </p:cNvSpPr>
+          <p:nvPr>
+            <p:ph type="dt" sz="half" idx="10"/>
           </p:nvPr>
         </p:nvSpPr>
         <p:spPr/>
@@ -2790,7 +3259,74 @@
             <a:lvl1pPr>
               <a:defRPr>
                 <a:solidFill>
-                  <a:schemeClr val="tx2"/>
+                  <a:schemeClr val="accent1">
+                    <a:lumMod val="75000"/>
+                    <a:lumOff val="25000"/>
+                  </a:schemeClr>
+                </a:solidFill>
+              </a:defRPr>
+            </a:lvl1pPr>
+          </a:lstStyle>
+          <a:p>
+            <a:fld id="{64EA30DC-D776-49F1-A584-BB3E70964E09}" type="datetime1">
+              <a:rPr lang="pl-PL" smtClean="0"/>
+              <a:t>2018-01-29</a:t>
+            </a:fld>
+            <a:endParaRPr lang="pl-PL"/>
+          </a:p>
+        </p:txBody>
+      </p:sp>
+      <p:sp>
+        <p:nvSpPr>
+          <p:cNvPr id="6" name="Footer Placeholder 5"/>
+          <p:cNvSpPr>
+            <a:spLocks noGrp="1"/>
+          </p:cNvSpPr>
+          <p:nvPr>
+            <p:ph type="ftr" sz="quarter" idx="11"/>
+          </p:nvPr>
+        </p:nvSpPr>
+        <p:spPr/>
+        <p:txBody>
+          <a:bodyPr/>
+          <a:lstStyle>
+            <a:lvl1pPr>
+              <a:defRPr>
+                <a:solidFill>
+                  <a:schemeClr val="accent1">
+                    <a:lumMod val="75000"/>
+                    <a:lumOff val="25000"/>
+                  </a:schemeClr>
+                </a:solidFill>
+              </a:defRPr>
+            </a:lvl1pPr>
+          </a:lstStyle>
+          <a:p>
+            <a:endParaRPr lang="pl-PL"/>
+          </a:p>
+        </p:txBody>
+      </p:sp>
+      <p:sp>
+        <p:nvSpPr>
+          <p:cNvPr id="7" name="Slide Number Placeholder 6"/>
+          <p:cNvSpPr>
+            <a:spLocks noGrp="1"/>
+          </p:cNvSpPr>
+          <p:nvPr>
+            <p:ph type="sldNum" sz="quarter" idx="12"/>
+          </p:nvPr>
+        </p:nvSpPr>
+        <p:spPr/>
+        <p:txBody>
+          <a:bodyPr/>
+          <a:lstStyle>
+            <a:lvl1pPr>
+              <a:defRPr>
+                <a:solidFill>
+                  <a:schemeClr val="accent1">
+                    <a:lumMod val="75000"/>
+                    <a:lumOff val="25000"/>
+                  </a:schemeClr>
                 </a:solidFill>
               </a:defRPr>
             </a:lvl1pPr>
@@ -2807,7 +3343,7 @@
     </p:spTree>
     <p:extLst>
       <p:ext uri="{BB962C8B-B14F-4D97-AF65-F5344CB8AC3E}">
-        <p14:creationId xmlns:p14="http://schemas.microsoft.com/office/powerpoint/2010/main" val="500211507"/>
+        <p14:creationId xmlns:p14="http://schemas.microsoft.com/office/powerpoint/2010/main" val="110603855"/>
       </p:ext>
     </p:extLst>
   </p:cSld>
@@ -2850,83 +3386,83 @@
           <a:lstStyle/>
           <a:p>
             <a:r>
+              <a:rPr lang="pl-PL"/>
+              <a:t>Kliknij, aby edytować styl</a:t>
+            </a:r>
+            <a:endParaRPr lang="en-US" dirty="0"/>
+          </a:p>
+        </p:txBody>
+      </p:sp>
+      <p:sp>
+        <p:nvSpPr>
+          <p:cNvPr id="3" name="Content Placeholder 2"/>
+          <p:cNvSpPr>
+            <a:spLocks noGrp="1"/>
+          </p:cNvSpPr>
+          <p:nvPr>
+            <p:ph idx="1"/>
+          </p:nvPr>
+        </p:nvSpPr>
+        <p:spPr/>
+        <p:txBody>
+          <a:bodyPr/>
+          <a:lstStyle/>
+          <a:p>
+            <a:pPr lvl="0"/>
+            <a:r>
+              <a:rPr lang="pl-PL"/>
+              <a:t>Edytuj style wzorca tekstu</a:t>
+            </a:r>
+          </a:p>
+          <a:p>
+            <a:pPr lvl="1"/>
+            <a:r>
+              <a:rPr lang="pl-PL"/>
+              <a:t>Drugi poziom</a:t>
+            </a:r>
+          </a:p>
+          <a:p>
+            <a:pPr lvl="2"/>
+            <a:r>
+              <a:rPr lang="pl-PL"/>
+              <a:t>Trzeci poziom</a:t>
+            </a:r>
+          </a:p>
+          <a:p>
+            <a:pPr lvl="3"/>
+            <a:r>
+              <a:rPr lang="pl-PL"/>
+              <a:t>Czwarty poziom</a:t>
+            </a:r>
+          </a:p>
+          <a:p>
+            <a:pPr lvl="4"/>
+            <a:r>
+              <a:rPr lang="pl-PL"/>
+              <a:t>Piąty poziom</a:t>
+            </a:r>
+            <a:endParaRPr lang="en-US" dirty="0"/>
+          </a:p>
+        </p:txBody>
+      </p:sp>
+      <p:sp>
+        <p:nvSpPr>
+          <p:cNvPr id="4" name="Date Placeholder 3"/>
+          <p:cNvSpPr>
+            <a:spLocks noGrp="1"/>
+          </p:cNvSpPr>
+          <p:nvPr>
+            <p:ph type="dt" sz="half" idx="10"/>
+          </p:nvPr>
+        </p:nvSpPr>
+        <p:spPr/>
+        <p:txBody>
+          <a:bodyPr/>
+          <a:lstStyle/>
+          <a:p>
+            <a:fld id="{BAC27D46-F98F-4D80-8ED3-466F8A6D4FF5}" type="datetime1">
               <a:rPr lang="pl-PL" smtClean="0"/>
-              <a:t>Kliknij, aby edytować styl</a:t>
-            </a:r>
-            <a:endParaRPr lang="en-US" dirty="0"/>
-          </a:p>
-        </p:txBody>
-      </p:sp>
-      <p:sp>
-        <p:nvSpPr>
-          <p:cNvPr id="3" name="Content Placeholder 2"/>
-          <p:cNvSpPr>
-            <a:spLocks noGrp="1"/>
-          </p:cNvSpPr>
-          <p:nvPr>
-            <p:ph idx="1"/>
-          </p:nvPr>
-        </p:nvSpPr>
-        <p:spPr/>
-        <p:txBody>
-          <a:bodyPr/>
-          <a:lstStyle/>
-          <a:p>
-            <a:pPr lvl="0"/>
-            <a:r>
-              <a:rPr lang="pl-PL" smtClean="0"/>
-              <a:t>Edytuj style wzorca tekstu</a:t>
-            </a:r>
-          </a:p>
-          <a:p>
-            <a:pPr lvl="1"/>
-            <a:r>
-              <a:rPr lang="pl-PL" smtClean="0"/>
-              <a:t>Drugi poziom</a:t>
-            </a:r>
-          </a:p>
-          <a:p>
-            <a:pPr lvl="2"/>
-            <a:r>
-              <a:rPr lang="pl-PL" smtClean="0"/>
-              <a:t>Trzeci poziom</a:t>
-            </a:r>
-          </a:p>
-          <a:p>
-            <a:pPr lvl="3"/>
-            <a:r>
-              <a:rPr lang="pl-PL" smtClean="0"/>
-              <a:t>Czwarty poziom</a:t>
-            </a:r>
-          </a:p>
-          <a:p>
-            <a:pPr lvl="4"/>
-            <a:r>
-              <a:rPr lang="pl-PL" smtClean="0"/>
-              <a:t>Piąty poziom</a:t>
-            </a:r>
-            <a:endParaRPr lang="en-US" dirty="0"/>
-          </a:p>
-        </p:txBody>
-      </p:sp>
-      <p:sp>
-        <p:nvSpPr>
-          <p:cNvPr id="4" name="Date Placeholder 3"/>
-          <p:cNvSpPr>
-            <a:spLocks noGrp="1"/>
-          </p:cNvSpPr>
-          <p:nvPr>
-            <p:ph type="dt" sz="half" idx="10"/>
-          </p:nvPr>
-        </p:nvSpPr>
-        <p:spPr/>
-        <p:txBody>
-          <a:bodyPr/>
-          <a:lstStyle/>
-          <a:p>
-            <a:fld id="{C68E965E-584F-4F48-BCAF-388B3A6B5A10}" type="datetimeFigureOut">
-              <a:rPr lang="pl-PL" smtClean="0"/>
-              <a:t>21.01.2018</a:t>
+              <a:t>2018-01-29</a:t>
             </a:fld>
             <a:endParaRPr lang="pl-PL"/>
           </a:p>
@@ -2988,7 +3524,7 @@
 </file>
 
 <file path=ppt/slideLayouts/slideLayout20.xml><?xml version="1.0" encoding="utf-8"?>
-<p:sldLayout xmlns:a="http://schemas.openxmlformats.org/drawingml/2006/main" xmlns:r="http://schemas.openxmlformats.org/officeDocument/2006/relationships" xmlns:p="http://schemas.openxmlformats.org/presentationml/2006/main" showMasterSp="0" type="picTx" preserve="1">
+<p:sldLayout xmlns:a="http://schemas.openxmlformats.org/drawingml/2006/main" xmlns:r="http://schemas.openxmlformats.org/officeDocument/2006/relationships" xmlns:p="http://schemas.openxmlformats.org/presentationml/2006/main" type="picTx" preserve="1">
   <p:cSld name="Obraz z podpisem">
     <p:spTree>
       <p:nvGrpSpPr>
@@ -3006,112 +3542,36 @@
       </p:grpSpPr>
       <p:sp>
         <p:nvSpPr>
-          <p:cNvPr id="8" name="Rectangle 7"/>
-          <p:cNvSpPr/>
-          <p:nvPr/>
+          <p:cNvPr id="2" name="Title 1"/>
+          <p:cNvSpPr>
+            <a:spLocks noGrp="1"/>
+          </p:cNvSpPr>
+          <p:nvPr>
+            <p:ph type="title"/>
+          </p:nvPr>
         </p:nvSpPr>
         <p:spPr>
           <a:xfrm>
-            <a:off x="0" y="4953000"/>
-            <a:ext cx="12188825" cy="1905000"/>
-          </a:xfrm>
-          <a:prstGeom prst="rect">
-            <a:avLst/>
-          </a:prstGeom>
-          <a:solidFill>
-            <a:schemeClr val="accent2"/>
-          </a:solidFill>
-          <a:ln>
-            <a:noFill/>
-          </a:ln>
-        </p:spPr>
-        <p:style>
-          <a:lnRef idx="2">
-            <a:schemeClr val="accent1">
-              <a:shade val="50000"/>
-            </a:schemeClr>
-          </a:lnRef>
-          <a:fillRef idx="1">
-            <a:schemeClr val="accent1"/>
-          </a:fillRef>
-          <a:effectRef idx="0">
-            <a:schemeClr val="accent1"/>
-          </a:effectRef>
-          <a:fontRef idx="minor">
-            <a:schemeClr val="lt1"/>
-          </a:fontRef>
-        </p:style>
-      </p:sp>
-      <p:sp>
-        <p:nvSpPr>
-          <p:cNvPr id="9" name="Rectangle 8"/>
-          <p:cNvSpPr/>
-          <p:nvPr/>
-        </p:nvSpPr>
-        <p:spPr>
-          <a:xfrm>
-            <a:off x="15" y="4915076"/>
-            <a:ext cx="12188825" cy="64008"/>
-          </a:xfrm>
-          <a:prstGeom prst="rect">
-            <a:avLst/>
-          </a:prstGeom>
-          <a:solidFill>
-            <a:schemeClr val="accent1"/>
-          </a:solidFill>
-          <a:ln>
-            <a:noFill/>
-          </a:ln>
-        </p:spPr>
-        <p:style>
-          <a:lnRef idx="2">
-            <a:schemeClr val="accent1">
-              <a:shade val="50000"/>
-            </a:schemeClr>
-          </a:lnRef>
-          <a:fillRef idx="1">
-            <a:schemeClr val="accent1"/>
-          </a:fillRef>
-          <a:effectRef idx="0">
-            <a:schemeClr val="accent1"/>
-          </a:effectRef>
-          <a:fontRef idx="minor">
-            <a:schemeClr val="lt1"/>
-          </a:fontRef>
-        </p:style>
-      </p:sp>
-      <p:sp>
-        <p:nvSpPr>
-          <p:cNvPr id="2" name="Title 1"/>
-          <p:cNvSpPr>
-            <a:spLocks noGrp="1"/>
-          </p:cNvSpPr>
-          <p:nvPr>
-            <p:ph type="title"/>
-          </p:nvPr>
-        </p:nvSpPr>
-        <p:spPr>
-          <a:xfrm>
-            <a:off x="1097280" y="5074920"/>
-            <a:ext cx="10113645" cy="822960"/>
+            <a:off x="581193" y="4693389"/>
+            <a:ext cx="11029616" cy="566738"/>
           </a:xfrm>
         </p:spPr>
         <p:txBody>
-          <a:bodyPr lIns="91440" tIns="0" rIns="91440" bIns="0" anchor="b">
-            <a:noAutofit/>
+          <a:bodyPr anchor="b">
+            <a:normAutofit/>
           </a:bodyPr>
           <a:lstStyle>
-            <a:lvl1pPr>
-              <a:defRPr sz="3600" b="0">
+            <a:lvl1pPr algn="l">
+              <a:defRPr sz="2400" b="0">
                 <a:solidFill>
-                  <a:srgbClr val="FFFFFF"/>
+                  <a:schemeClr val="accent1"/>
                 </a:solidFill>
               </a:defRPr>
             </a:lvl1pPr>
           </a:lstStyle>
           <a:p>
             <a:r>
-              <a:rPr lang="pl-PL" smtClean="0"/>
+              <a:rPr lang="pl-PL"/>
               <a:t>Kliknij, aby edytować styl</a:t>
             </a:r>
             <a:endParaRPr lang="en-US" dirty="0"/>
@@ -3130,58 +3590,55 @@
         </p:nvSpPr>
         <p:spPr>
           <a:xfrm>
-            <a:off x="15" y="0"/>
-            <a:ext cx="12191985" cy="4915076"/>
+            <a:off x="447817" y="599725"/>
+            <a:ext cx="11290859" cy="3557252"/>
           </a:xfrm>
-          <a:solidFill>
-            <a:schemeClr val="bg2">
-              <a:lumMod val="90000"/>
-            </a:schemeClr>
-          </a:solidFill>
         </p:spPr>
         <p:txBody>
-          <a:bodyPr lIns="457200" tIns="457200" anchor="t"/>
+          <a:bodyPr anchor="t">
+            <a:normAutofit/>
+          </a:bodyPr>
           <a:lstStyle>
-            <a:lvl1pPr marL="0" indent="0">
-              <a:buNone/>
-              <a:defRPr sz="3200"/>
+            <a:lvl1pPr marL="0" indent="0" algn="ctr">
+              <a:buNone/>
+              <a:defRPr sz="1600"/>
             </a:lvl1pPr>
             <a:lvl2pPr marL="457200" indent="0">
               <a:buNone/>
-              <a:defRPr sz="2800"/>
+              <a:defRPr sz="1600"/>
             </a:lvl2pPr>
             <a:lvl3pPr marL="914400" indent="0">
               <a:buNone/>
-              <a:defRPr sz="2400"/>
+              <a:defRPr sz="1600"/>
             </a:lvl3pPr>
             <a:lvl4pPr marL="1371600" indent="0">
               <a:buNone/>
-              <a:defRPr sz="2000"/>
+              <a:defRPr sz="1600"/>
             </a:lvl4pPr>
             <a:lvl5pPr marL="1828800" indent="0">
               <a:buNone/>
-              <a:defRPr sz="2000"/>
+              <a:defRPr sz="1600"/>
             </a:lvl5pPr>
             <a:lvl6pPr marL="2286000" indent="0">
               <a:buNone/>
-              <a:defRPr sz="2000"/>
+              <a:defRPr sz="1600"/>
             </a:lvl6pPr>
             <a:lvl7pPr marL="2743200" indent="0">
               <a:buNone/>
-              <a:defRPr sz="2000"/>
+              <a:defRPr sz="1600"/>
             </a:lvl7pPr>
             <a:lvl8pPr marL="3200400" indent="0">
               <a:buNone/>
-              <a:defRPr sz="2000"/>
+              <a:defRPr sz="1600"/>
             </a:lvl8pPr>
             <a:lvl9pPr marL="3657600" indent="0">
               <a:buNone/>
-              <a:defRPr sz="2000"/>
+              <a:defRPr sz="1600"/>
             </a:lvl9pPr>
           </a:lstStyle>
           <a:p>
             <a:r>
-              <a:rPr lang="pl-PL" smtClean="0"/>
+              <a:rPr lang="pl-PL"/>
               <a:t>Kliknij ikonę, aby dodać obraz</a:t>
             </a:r>
             <a:endParaRPr lang="en-US" dirty="0"/>
@@ -3200,28 +3657,18 @@
         </p:nvSpPr>
         <p:spPr>
           <a:xfrm>
-            <a:off x="1097280" y="5907024"/>
-            <a:ext cx="10113264" cy="594360"/>
+            <a:off x="581192" y="5260127"/>
+            <a:ext cx="11029617" cy="598671"/>
           </a:xfrm>
         </p:spPr>
         <p:txBody>
-          <a:bodyPr lIns="91440" tIns="0" rIns="91440" bIns="0">
+          <a:bodyPr>
             <a:normAutofit/>
           </a:bodyPr>
           <a:lstStyle>
             <a:lvl1pPr marL="0" indent="0">
-              <a:spcBef>
-                <a:spcPts val="0"/>
-              </a:spcBef>
-              <a:spcAft>
-                <a:spcPts val="600"/>
-              </a:spcAft>
-              <a:buNone/>
-              <a:defRPr sz="1500">
-                <a:solidFill>
-                  <a:srgbClr val="FFFFFF"/>
-                </a:solidFill>
-              </a:defRPr>
+              <a:buNone/>
+              <a:defRPr sz="1200"/>
             </a:lvl1pPr>
             <a:lvl2pPr marL="457200" indent="0">
               <a:buNone/>
@@ -3259,30 +3706,30 @@
           <a:p>
             <a:pPr lvl="0"/>
             <a:r>
+              <a:rPr lang="pl-PL"/>
+              <a:t>Edytuj style wzorca tekstu</a:t>
+            </a:r>
+          </a:p>
+        </p:txBody>
+      </p:sp>
+      <p:sp>
+        <p:nvSpPr>
+          <p:cNvPr id="5" name="Date Placeholder 4"/>
+          <p:cNvSpPr>
+            <a:spLocks noGrp="1"/>
+          </p:cNvSpPr>
+          <p:nvPr>
+            <p:ph type="dt" sz="half" idx="10"/>
+          </p:nvPr>
+        </p:nvSpPr>
+        <p:spPr/>
+        <p:txBody>
+          <a:bodyPr/>
+          <a:lstStyle/>
+          <a:p>
+            <a:fld id="{E361FBDC-D830-4B82-AD13-EEA13F964F0A}" type="datetime1">
               <a:rPr lang="pl-PL" smtClean="0"/>
-              <a:t>Edytuj style wzorca tekstu</a:t>
-            </a:r>
-          </a:p>
-        </p:txBody>
-      </p:sp>
-      <p:sp>
-        <p:nvSpPr>
-          <p:cNvPr id="5" name="Date Placeholder 4"/>
-          <p:cNvSpPr>
-            <a:spLocks noGrp="1"/>
-          </p:cNvSpPr>
-          <p:nvPr>
-            <p:ph type="dt" sz="half" idx="10"/>
-          </p:nvPr>
-        </p:nvSpPr>
-        <p:spPr/>
-        <p:txBody>
-          <a:bodyPr/>
-          <a:lstStyle/>
-          <a:p>
-            <a:fld id="{C68E965E-584F-4F48-BCAF-388B3A6B5A10}" type="datetimeFigureOut">
-              <a:rPr lang="pl-PL" smtClean="0"/>
-              <a:t>21.01.2018</a:t>
+              <a:t>2018-01-29</a:t>
             </a:fld>
             <a:endParaRPr lang="pl-PL"/>
           </a:p>
@@ -3333,7 +3780,7 @@
     </p:spTree>
     <p:extLst>
       <p:ext uri="{BB962C8B-B14F-4D97-AF65-F5344CB8AC3E}">
-        <p14:creationId xmlns:p14="http://schemas.microsoft.com/office/powerpoint/2010/main" val="2570419380"/>
+        <p14:creationId xmlns:p14="http://schemas.microsoft.com/office/powerpoint/2010/main" val="2927176902"/>
       </p:ext>
     </p:extLst>
   </p:cSld>
@@ -3362,7 +3809,46 @@
       </p:grpSpPr>
       <p:sp>
         <p:nvSpPr>
-          <p:cNvPr id="2" name="Title 1"/>
+          <p:cNvPr id="8" name="Rectangle 7"/>
+          <p:cNvSpPr>
+            <a:spLocks noChangeAspect="1"/>
+          </p:cNvSpPr>
+          <p:nvPr/>
+        </p:nvSpPr>
+        <p:spPr>
+          <a:xfrm>
+            <a:off x="440286" y="614407"/>
+            <a:ext cx="11309338" cy="1189298"/>
+          </a:xfrm>
+          <a:prstGeom prst="rect">
+            <a:avLst/>
+          </a:prstGeom>
+          <a:solidFill>
+            <a:schemeClr val="accent1"/>
+          </a:solidFill>
+          <a:ln>
+            <a:noFill/>
+          </a:ln>
+          <a:effectLst/>
+        </p:spPr>
+        <p:style>
+          <a:lnRef idx="1">
+            <a:schemeClr val="accent1"/>
+          </a:lnRef>
+          <a:fillRef idx="3">
+            <a:schemeClr val="accent1"/>
+          </a:fillRef>
+          <a:effectRef idx="2">
+            <a:schemeClr val="accent1"/>
+          </a:effectRef>
+          <a:fontRef idx="minor">
+            <a:schemeClr val="lt1"/>
+          </a:fontRef>
+        </p:style>
+      </p:sp>
+      <p:sp>
+        <p:nvSpPr>
+          <p:cNvPr id="9" name="Title 1"/>
           <p:cNvSpPr>
             <a:spLocks noGrp="1"/>
           </p:cNvSpPr>
@@ -3370,89 +3856,110 @@
             <p:ph type="title"/>
           </p:nvPr>
         </p:nvSpPr>
+        <p:spPr>
+          <a:xfrm>
+            <a:off x="581192" y="702156"/>
+            <a:ext cx="11029616" cy="1013800"/>
+          </a:xfrm>
+        </p:spPr>
+        <p:txBody>
+          <a:bodyPr/>
+          <a:lstStyle/>
+          <a:p>
+            <a:r>
+              <a:rPr lang="pl-PL"/>
+              <a:t>Kliknij, aby edytować styl</a:t>
+            </a:r>
+            <a:endParaRPr lang="en-US" dirty="0"/>
+          </a:p>
+        </p:txBody>
+      </p:sp>
+      <p:sp>
+        <p:nvSpPr>
+          <p:cNvPr id="3" name="Vertical Text Placeholder 2"/>
+          <p:cNvSpPr>
+            <a:spLocks noGrp="1"/>
+          </p:cNvSpPr>
+          <p:nvPr>
+            <p:ph type="body" orient="vert" idx="1"/>
+          </p:nvPr>
+        </p:nvSpPr>
         <p:spPr/>
         <p:txBody>
-          <a:bodyPr/>
-          <a:lstStyle/>
-          <a:p>
-            <a:r>
+          <a:bodyPr vert="eaVert" anchor="t"/>
+          <a:lstStyle>
+            <a:lvl1pPr algn="l">
+              <a:defRPr/>
+            </a:lvl1pPr>
+            <a:lvl2pPr algn="l">
+              <a:defRPr/>
+            </a:lvl2pPr>
+            <a:lvl3pPr algn="l">
+              <a:defRPr/>
+            </a:lvl3pPr>
+            <a:lvl4pPr algn="l">
+              <a:defRPr/>
+            </a:lvl4pPr>
+            <a:lvl5pPr algn="l">
+              <a:defRPr/>
+            </a:lvl5pPr>
+          </a:lstStyle>
+          <a:p>
+            <a:pPr lvl="0"/>
+            <a:r>
+              <a:rPr lang="pl-PL"/>
+              <a:t>Edytuj style wzorca tekstu</a:t>
+            </a:r>
+          </a:p>
+          <a:p>
+            <a:pPr lvl="1"/>
+            <a:r>
+              <a:rPr lang="pl-PL"/>
+              <a:t>Drugi poziom</a:t>
+            </a:r>
+          </a:p>
+          <a:p>
+            <a:pPr lvl="2"/>
+            <a:r>
+              <a:rPr lang="pl-PL"/>
+              <a:t>Trzeci poziom</a:t>
+            </a:r>
+          </a:p>
+          <a:p>
+            <a:pPr lvl="3"/>
+            <a:r>
+              <a:rPr lang="pl-PL"/>
+              <a:t>Czwarty poziom</a:t>
+            </a:r>
+          </a:p>
+          <a:p>
+            <a:pPr lvl="4"/>
+            <a:r>
+              <a:rPr lang="pl-PL"/>
+              <a:t>Piąty poziom</a:t>
+            </a:r>
+            <a:endParaRPr lang="en-US" dirty="0"/>
+          </a:p>
+        </p:txBody>
+      </p:sp>
+      <p:sp>
+        <p:nvSpPr>
+          <p:cNvPr id="4" name="Date Placeholder 3"/>
+          <p:cNvSpPr>
+            <a:spLocks noGrp="1"/>
+          </p:cNvSpPr>
+          <p:nvPr>
+            <p:ph type="dt" sz="half" idx="10"/>
+          </p:nvPr>
+        </p:nvSpPr>
+        <p:spPr/>
+        <p:txBody>
+          <a:bodyPr/>
+          <a:lstStyle/>
+          <a:p>
+            <a:fld id="{8DA341F6-B8E4-4D3C-805E-436FC008EEBD}" type="datetime1">
               <a:rPr lang="pl-PL" smtClean="0"/>
-              <a:t>Kliknij, aby edytować styl</a:t>
-            </a:r>
-            <a:endParaRPr lang="en-US" dirty="0"/>
-          </a:p>
-        </p:txBody>
-      </p:sp>
-      <p:sp>
-        <p:nvSpPr>
-          <p:cNvPr id="3" name="Vertical Text Placeholder 2"/>
-          <p:cNvSpPr>
-            <a:spLocks noGrp="1"/>
-          </p:cNvSpPr>
-          <p:nvPr>
-            <p:ph type="body" orient="vert" idx="1"/>
-          </p:nvPr>
-        </p:nvSpPr>
-        <p:spPr/>
-        <p:txBody>
-          <a:bodyPr vert="eaVert" lIns="45720" tIns="0" rIns="45720" bIns="0"/>
-          <a:lstStyle/>
-          <a:p>
-            <a:pPr lvl="0"/>
-            <a:r>
-              <a:rPr lang="pl-PL" smtClean="0"/>
-              <a:t>Edytuj style wzorca tekstu</a:t>
-            </a:r>
-          </a:p>
-          <a:p>
-            <a:pPr lvl="1"/>
-            <a:r>
-              <a:rPr lang="pl-PL" smtClean="0"/>
-              <a:t>Drugi poziom</a:t>
-            </a:r>
-          </a:p>
-          <a:p>
-            <a:pPr lvl="2"/>
-            <a:r>
-              <a:rPr lang="pl-PL" smtClean="0"/>
-              <a:t>Trzeci poziom</a:t>
-            </a:r>
-          </a:p>
-          <a:p>
-            <a:pPr lvl="3"/>
-            <a:r>
-              <a:rPr lang="pl-PL" smtClean="0"/>
-              <a:t>Czwarty poziom</a:t>
-            </a:r>
-          </a:p>
-          <a:p>
-            <a:pPr lvl="4"/>
-            <a:r>
-              <a:rPr lang="pl-PL" smtClean="0"/>
-              <a:t>Piąty poziom</a:t>
-            </a:r>
-            <a:endParaRPr lang="en-US" dirty="0"/>
-          </a:p>
-        </p:txBody>
-      </p:sp>
-      <p:sp>
-        <p:nvSpPr>
-          <p:cNvPr id="4" name="Date Placeholder 3"/>
-          <p:cNvSpPr>
-            <a:spLocks noGrp="1"/>
-          </p:cNvSpPr>
-          <p:nvPr>
-            <p:ph type="dt" sz="half" idx="10"/>
-          </p:nvPr>
-        </p:nvSpPr>
-        <p:spPr/>
-        <p:txBody>
-          <a:bodyPr/>
-          <a:lstStyle/>
-          <a:p>
-            <a:fld id="{C68E965E-584F-4F48-BCAF-388B3A6B5A10}" type="datetimeFigureOut">
-              <a:rPr lang="pl-PL" smtClean="0"/>
-              <a:t>21.01.2018</a:t>
+              <a:t>2018-01-29</a:t>
             </a:fld>
             <a:endParaRPr lang="pl-PL"/>
           </a:p>
@@ -3503,7 +4010,7 @@
     </p:spTree>
     <p:extLst>
       <p:ext uri="{BB962C8B-B14F-4D97-AF65-F5344CB8AC3E}">
-        <p14:creationId xmlns:p14="http://schemas.microsoft.com/office/powerpoint/2010/main" val="1194752663"/>
+        <p14:creationId xmlns:p14="http://schemas.microsoft.com/office/powerpoint/2010/main" val="51472274"/>
       </p:ext>
     </p:extLst>
   </p:cSld>
@@ -3514,7 +4021,7 @@
 </file>
 
 <file path=ppt/slideLayouts/slideLayout22.xml><?xml version="1.0" encoding="utf-8"?>
-<p:sldLayout xmlns:a="http://schemas.openxmlformats.org/drawingml/2006/main" xmlns:r="http://schemas.openxmlformats.org/officeDocument/2006/relationships" xmlns:p="http://schemas.openxmlformats.org/presentationml/2006/main" showMasterSp="0" type="vertTitleAndTx" preserve="1">
+<p:sldLayout xmlns:a="http://schemas.openxmlformats.org/drawingml/2006/main" xmlns:r="http://schemas.openxmlformats.org/officeDocument/2006/relationships" xmlns:p="http://schemas.openxmlformats.org/presentationml/2006/main" type="vertTitleAndTx" preserve="1">
   <p:cSld name="Tytuł pionowy i tekst">
     <p:spTree>
       <p:nvGrpSpPr>
@@ -3533,51 +4040,15 @@
       <p:sp>
         <p:nvSpPr>
           <p:cNvPr id="7" name="Rectangle 6"/>
-          <p:cNvSpPr/>
+          <p:cNvSpPr>
+            <a:spLocks noChangeAspect="1"/>
+          </p:cNvSpPr>
           <p:nvPr/>
         </p:nvSpPr>
         <p:spPr>
           <a:xfrm>
-            <a:off x="3175" y="6400800"/>
-            <a:ext cx="12188825" cy="457200"/>
-          </a:xfrm>
-          <a:prstGeom prst="rect">
-            <a:avLst/>
-          </a:prstGeom>
-          <a:solidFill>
-            <a:schemeClr val="accent2"/>
-          </a:solidFill>
-          <a:ln>
-            <a:noFill/>
-          </a:ln>
-        </p:spPr>
-        <p:style>
-          <a:lnRef idx="2">
-            <a:schemeClr val="accent1">
-              <a:shade val="50000"/>
-            </a:schemeClr>
-          </a:lnRef>
-          <a:fillRef idx="1">
-            <a:schemeClr val="accent1"/>
-          </a:fillRef>
-          <a:effectRef idx="0">
-            <a:schemeClr val="accent1"/>
-          </a:effectRef>
-          <a:fontRef idx="minor">
-            <a:schemeClr val="lt1"/>
-          </a:fontRef>
-        </p:style>
-      </p:sp>
-      <p:sp>
-        <p:nvSpPr>
-          <p:cNvPr id="8" name="Rectangle 7"/>
-          <p:cNvSpPr/>
-          <p:nvPr/>
-        </p:nvSpPr>
-        <p:spPr>
-          <a:xfrm>
-            <a:off x="15" y="6334316"/>
-            <a:ext cx="12188825" cy="64008"/>
+            <a:off x="8839201" y="599725"/>
+            <a:ext cx="2906817" cy="5816950"/>
           </a:xfrm>
           <a:prstGeom prst="rect">
             <a:avLst/>
@@ -3588,17 +4059,16 @@
           <a:ln>
             <a:noFill/>
           </a:ln>
+          <a:effectLst/>
         </p:spPr>
         <p:style>
-          <a:lnRef idx="2">
-            <a:schemeClr val="accent1">
-              <a:shade val="50000"/>
-            </a:schemeClr>
+          <a:lnRef idx="1">
+            <a:schemeClr val="accent1"/>
           </a:lnRef>
-          <a:fillRef idx="1">
+          <a:fillRef idx="3">
             <a:schemeClr val="accent1"/>
           </a:fillRef>
-          <a:effectRef idx="0">
+          <a:effectRef idx="2">
             <a:schemeClr val="accent1"/>
           </a:effectRef>
           <a:fontRef idx="minor">
@@ -3618,8 +4088,8 @@
         </p:nvSpPr>
         <p:spPr>
           <a:xfrm>
-            <a:off x="8724900" y="412302"/>
-            <a:ext cx="2628900" cy="5759898"/>
+            <a:off x="8839201" y="675726"/>
+            <a:ext cx="2004164" cy="5183073"/>
           </a:xfrm>
         </p:spPr>
         <p:txBody>
@@ -3627,7 +4097,7 @@
           <a:lstStyle/>
           <a:p>
             <a:r>
-              <a:rPr lang="pl-PL" smtClean="0"/>
+              <a:rPr lang="pl-PL"/>
               <a:t>Kliknij, aby edytować styl</a:t>
             </a:r>
             <a:endParaRPr lang="en-US" dirty="0"/>
@@ -3646,69 +4116,85 @@
         </p:nvSpPr>
         <p:spPr>
           <a:xfrm>
-            <a:off x="838200" y="412302"/>
-            <a:ext cx="7734300" cy="5759898"/>
+            <a:off x="774923" y="675726"/>
+            <a:ext cx="7896279" cy="5183073"/>
           </a:xfrm>
         </p:spPr>
         <p:txBody>
-          <a:bodyPr vert="eaVert" lIns="45720" tIns="0" rIns="45720" bIns="0"/>
+          <a:bodyPr vert="eaVert" anchor="t"/>
           <a:lstStyle/>
           <a:p>
             <a:pPr lvl="0"/>
             <a:r>
+              <a:rPr lang="pl-PL"/>
+              <a:t>Edytuj style wzorca tekstu</a:t>
+            </a:r>
+          </a:p>
+          <a:p>
+            <a:pPr lvl="1"/>
+            <a:r>
+              <a:rPr lang="pl-PL"/>
+              <a:t>Drugi poziom</a:t>
+            </a:r>
+          </a:p>
+          <a:p>
+            <a:pPr lvl="2"/>
+            <a:r>
+              <a:rPr lang="pl-PL"/>
+              <a:t>Trzeci poziom</a:t>
+            </a:r>
+          </a:p>
+          <a:p>
+            <a:pPr lvl="3"/>
+            <a:r>
+              <a:rPr lang="pl-PL"/>
+              <a:t>Czwarty poziom</a:t>
+            </a:r>
+          </a:p>
+          <a:p>
+            <a:pPr lvl="4"/>
+            <a:r>
+              <a:rPr lang="pl-PL"/>
+              <a:t>Piąty poziom</a:t>
+            </a:r>
+            <a:endParaRPr lang="en-US" dirty="0"/>
+          </a:p>
+        </p:txBody>
+      </p:sp>
+      <p:sp>
+        <p:nvSpPr>
+          <p:cNvPr id="4" name="Date Placeholder 3"/>
+          <p:cNvSpPr>
+            <a:spLocks noGrp="1"/>
+          </p:cNvSpPr>
+          <p:nvPr>
+            <p:ph type="dt" sz="half" idx="10"/>
+          </p:nvPr>
+        </p:nvSpPr>
+        <p:spPr>
+          <a:xfrm>
+            <a:off x="8993673" y="5956137"/>
+            <a:ext cx="1328141" cy="365125"/>
+          </a:xfrm>
+        </p:spPr>
+        <p:txBody>
+          <a:bodyPr/>
+          <a:lstStyle>
+            <a:lvl1pPr>
+              <a:defRPr>
+                <a:solidFill>
+                  <a:schemeClr val="accent1">
+                    <a:lumMod val="75000"/>
+                    <a:lumOff val="25000"/>
+                  </a:schemeClr>
+                </a:solidFill>
+              </a:defRPr>
+            </a:lvl1pPr>
+          </a:lstStyle>
+          <a:p>
+            <a:fld id="{2DF137E2-EF62-4CF8-A75F-05C829ED080D}" type="datetime1">
               <a:rPr lang="pl-PL" smtClean="0"/>
-              <a:t>Edytuj style wzorca tekstu</a:t>
-            </a:r>
-          </a:p>
-          <a:p>
-            <a:pPr lvl="1"/>
-            <a:r>
-              <a:rPr lang="pl-PL" smtClean="0"/>
-              <a:t>Drugi poziom</a:t>
-            </a:r>
-          </a:p>
-          <a:p>
-            <a:pPr lvl="2"/>
-            <a:r>
-              <a:rPr lang="pl-PL" smtClean="0"/>
-              <a:t>Trzeci poziom</a:t>
-            </a:r>
-          </a:p>
-          <a:p>
-            <a:pPr lvl="3"/>
-            <a:r>
-              <a:rPr lang="pl-PL" smtClean="0"/>
-              <a:t>Czwarty poziom</a:t>
-            </a:r>
-          </a:p>
-          <a:p>
-            <a:pPr lvl="4"/>
-            <a:r>
-              <a:rPr lang="pl-PL" smtClean="0"/>
-              <a:t>Piąty poziom</a:t>
-            </a:r>
-            <a:endParaRPr lang="en-US" dirty="0"/>
-          </a:p>
-        </p:txBody>
-      </p:sp>
-      <p:sp>
-        <p:nvSpPr>
-          <p:cNvPr id="4" name="Date Placeholder 3"/>
-          <p:cNvSpPr>
-            <a:spLocks noGrp="1"/>
-          </p:cNvSpPr>
-          <p:nvPr>
-            <p:ph type="dt" sz="half" idx="10"/>
-          </p:nvPr>
-        </p:nvSpPr>
-        <p:spPr/>
-        <p:txBody>
-          <a:bodyPr/>
-          <a:lstStyle/>
-          <a:p>
-            <a:fld id="{C68E965E-584F-4F48-BCAF-388B3A6B5A10}" type="datetimeFigureOut">
-              <a:rPr lang="pl-PL" smtClean="0"/>
-              <a:t>21.01.2018</a:t>
+              <a:t>2018-01-29</a:t>
             </a:fld>
             <a:endParaRPr lang="pl-PL"/>
           </a:p>
@@ -3724,7 +4210,12 @@
             <p:ph type="ftr" sz="quarter" idx="11"/>
           </p:nvPr>
         </p:nvSpPr>
-        <p:spPr/>
+        <p:spPr>
+          <a:xfrm>
+            <a:off x="774923" y="5951811"/>
+            <a:ext cx="7896279" cy="365125"/>
+          </a:xfrm>
+        </p:spPr>
         <p:txBody>
           <a:bodyPr/>
           <a:lstStyle/>
@@ -3743,10 +4234,26 @@
             <p:ph type="sldNum" sz="quarter" idx="12"/>
           </p:nvPr>
         </p:nvSpPr>
-        <p:spPr/>
-        <p:txBody>
-          <a:bodyPr/>
-          <a:lstStyle/>
+        <p:spPr>
+          <a:xfrm>
+            <a:off x="10446615" y="5956137"/>
+            <a:ext cx="1164195" cy="365125"/>
+          </a:xfrm>
+        </p:spPr>
+        <p:txBody>
+          <a:bodyPr/>
+          <a:lstStyle>
+            <a:lvl1pPr>
+              <a:defRPr>
+                <a:solidFill>
+                  <a:schemeClr val="accent1">
+                    <a:lumMod val="75000"/>
+                    <a:lumOff val="25000"/>
+                  </a:schemeClr>
+                </a:solidFill>
+              </a:defRPr>
+            </a:lvl1pPr>
+          </a:lstStyle>
           <a:p>
             <a:fld id="{874E87A6-7FFA-47D1-8277-D8AB08C63F72}" type="slidenum">
               <a:rPr lang="pl-PL" smtClean="0"/>
@@ -3759,7 +4266,7 @@
     </p:spTree>
     <p:extLst>
       <p:ext uri="{BB962C8B-B14F-4D97-AF65-F5344CB8AC3E}">
-        <p14:creationId xmlns:p14="http://schemas.microsoft.com/office/powerpoint/2010/main" val="451854152"/>
+        <p14:creationId xmlns:p14="http://schemas.microsoft.com/office/powerpoint/2010/main" val="1147021014"/>
       </p:ext>
     </p:extLst>
   </p:cSld>
@@ -3813,7 +4320,7 @@
           </a:lstStyle>
           <a:p>
             <a:r>
-              <a:rPr lang="pl-PL" smtClean="0"/>
+              <a:rPr lang="pl-PL"/>
               <a:t>Kliknij, aby edytować styl</a:t>
             </a:r>
             <a:endParaRPr lang="en-US" dirty="0"/>
@@ -3936,30 +4443,30 @@
           <a:p>
             <a:pPr lvl="0"/>
             <a:r>
+              <a:rPr lang="pl-PL"/>
+              <a:t>Edytuj style wzorca tekstu</a:t>
+            </a:r>
+          </a:p>
+        </p:txBody>
+      </p:sp>
+      <p:sp>
+        <p:nvSpPr>
+          <p:cNvPr id="4" name="Date Placeholder 3"/>
+          <p:cNvSpPr>
+            <a:spLocks noGrp="1"/>
+          </p:cNvSpPr>
+          <p:nvPr>
+            <p:ph type="dt" sz="half" idx="10"/>
+          </p:nvPr>
+        </p:nvSpPr>
+        <p:spPr/>
+        <p:txBody>
+          <a:bodyPr/>
+          <a:lstStyle/>
+          <a:p>
+            <a:fld id="{9F07557D-2378-4D51-87CA-B36B43128710}" type="datetime1">
               <a:rPr lang="pl-PL" smtClean="0"/>
-              <a:t>Edytuj style wzorca tekstu</a:t>
-            </a:r>
-          </a:p>
-        </p:txBody>
-      </p:sp>
-      <p:sp>
-        <p:nvSpPr>
-          <p:cNvPr id="4" name="Date Placeholder 3"/>
-          <p:cNvSpPr>
-            <a:spLocks noGrp="1"/>
-          </p:cNvSpPr>
-          <p:nvPr>
-            <p:ph type="dt" sz="half" idx="10"/>
-          </p:nvPr>
-        </p:nvSpPr>
-        <p:spPr/>
-        <p:txBody>
-          <a:bodyPr/>
-          <a:lstStyle/>
-          <a:p>
-            <a:fld id="{C68E965E-584F-4F48-BCAF-388B3A6B5A10}" type="datetimeFigureOut">
-              <a:rPr lang="pl-PL" smtClean="0"/>
-              <a:t>21.01.2018</a:t>
+              <a:t>2018-01-29</a:t>
             </a:fld>
             <a:endParaRPr lang="pl-PL"/>
           </a:p>
@@ -4053,7 +4560,7 @@
           <a:lstStyle/>
           <a:p>
             <a:r>
-              <a:rPr lang="pl-PL" smtClean="0"/>
+              <a:rPr lang="pl-PL"/>
               <a:t>Kliknij, aby edytować styl</a:t>
             </a:r>
             <a:endParaRPr lang="en-US" dirty="0"/>
@@ -4082,35 +4589,35 @@
           <a:p>
             <a:pPr lvl="0"/>
             <a:r>
-              <a:rPr lang="pl-PL" smtClean="0"/>
+              <a:rPr lang="pl-PL"/>
               <a:t>Edytuj style wzorca tekstu</a:t>
             </a:r>
           </a:p>
           <a:p>
             <a:pPr lvl="1"/>
             <a:r>
-              <a:rPr lang="pl-PL" smtClean="0"/>
+              <a:rPr lang="pl-PL"/>
               <a:t>Drugi poziom</a:t>
             </a:r>
           </a:p>
           <a:p>
             <a:pPr lvl="2"/>
             <a:r>
-              <a:rPr lang="pl-PL" smtClean="0"/>
+              <a:rPr lang="pl-PL"/>
               <a:t>Trzeci poziom</a:t>
             </a:r>
           </a:p>
           <a:p>
             <a:pPr lvl="3"/>
             <a:r>
-              <a:rPr lang="pl-PL" smtClean="0"/>
+              <a:rPr lang="pl-PL"/>
               <a:t>Czwarty poziom</a:t>
             </a:r>
           </a:p>
           <a:p>
             <a:pPr lvl="4"/>
             <a:r>
-              <a:rPr lang="pl-PL" smtClean="0"/>
+              <a:rPr lang="pl-PL"/>
               <a:t>Piąty poziom</a:t>
             </a:r>
             <a:endParaRPr lang="en-US" dirty="0"/>
@@ -4139,59 +4646,59 @@
           <a:p>
             <a:pPr lvl="0"/>
             <a:r>
+              <a:rPr lang="pl-PL"/>
+              <a:t>Edytuj style wzorca tekstu</a:t>
+            </a:r>
+          </a:p>
+          <a:p>
+            <a:pPr lvl="1"/>
+            <a:r>
+              <a:rPr lang="pl-PL"/>
+              <a:t>Drugi poziom</a:t>
+            </a:r>
+          </a:p>
+          <a:p>
+            <a:pPr lvl="2"/>
+            <a:r>
+              <a:rPr lang="pl-PL"/>
+              <a:t>Trzeci poziom</a:t>
+            </a:r>
+          </a:p>
+          <a:p>
+            <a:pPr lvl="3"/>
+            <a:r>
+              <a:rPr lang="pl-PL"/>
+              <a:t>Czwarty poziom</a:t>
+            </a:r>
+          </a:p>
+          <a:p>
+            <a:pPr lvl="4"/>
+            <a:r>
+              <a:rPr lang="pl-PL"/>
+              <a:t>Piąty poziom</a:t>
+            </a:r>
+            <a:endParaRPr lang="en-US" dirty="0"/>
+          </a:p>
+        </p:txBody>
+      </p:sp>
+      <p:sp>
+        <p:nvSpPr>
+          <p:cNvPr id="5" name="Date Placeholder 4"/>
+          <p:cNvSpPr>
+            <a:spLocks noGrp="1"/>
+          </p:cNvSpPr>
+          <p:nvPr>
+            <p:ph type="dt" sz="half" idx="10"/>
+          </p:nvPr>
+        </p:nvSpPr>
+        <p:spPr/>
+        <p:txBody>
+          <a:bodyPr/>
+          <a:lstStyle/>
+          <a:p>
+            <a:fld id="{7D0DEDEC-CE0C-43C1-978A-FC7D8C1B02C7}" type="datetime1">
               <a:rPr lang="pl-PL" smtClean="0"/>
-              <a:t>Edytuj style wzorca tekstu</a:t>
-            </a:r>
-          </a:p>
-          <a:p>
-            <a:pPr lvl="1"/>
-            <a:r>
-              <a:rPr lang="pl-PL" smtClean="0"/>
-              <a:t>Drugi poziom</a:t>
-            </a:r>
-          </a:p>
-          <a:p>
-            <a:pPr lvl="2"/>
-            <a:r>
-              <a:rPr lang="pl-PL" smtClean="0"/>
-              <a:t>Trzeci poziom</a:t>
-            </a:r>
-          </a:p>
-          <a:p>
-            <a:pPr lvl="3"/>
-            <a:r>
-              <a:rPr lang="pl-PL" smtClean="0"/>
-              <a:t>Czwarty poziom</a:t>
-            </a:r>
-          </a:p>
-          <a:p>
-            <a:pPr lvl="4"/>
-            <a:r>
-              <a:rPr lang="pl-PL" smtClean="0"/>
-              <a:t>Piąty poziom</a:t>
-            </a:r>
-            <a:endParaRPr lang="en-US" dirty="0"/>
-          </a:p>
-        </p:txBody>
-      </p:sp>
-      <p:sp>
-        <p:nvSpPr>
-          <p:cNvPr id="5" name="Date Placeholder 4"/>
-          <p:cNvSpPr>
-            <a:spLocks noGrp="1"/>
-          </p:cNvSpPr>
-          <p:nvPr>
-            <p:ph type="dt" sz="half" idx="10"/>
-          </p:nvPr>
-        </p:nvSpPr>
-        <p:spPr/>
-        <p:txBody>
-          <a:bodyPr/>
-          <a:lstStyle/>
-          <a:p>
-            <a:fld id="{C68E965E-584F-4F48-BCAF-388B3A6B5A10}" type="datetimeFigureOut">
-              <a:rPr lang="pl-PL" smtClean="0"/>
-              <a:t>21.01.2018</a:t>
+              <a:t>2018-01-29</a:t>
             </a:fld>
             <a:endParaRPr lang="pl-PL"/>
           </a:p>
@@ -4333,7 +4840,7 @@
           <a:p>
             <a:pPr lvl="0"/>
             <a:r>
-              <a:rPr lang="pl-PL" smtClean="0"/>
+              <a:rPr lang="pl-PL"/>
               <a:t>Edytuj style wzorca tekstu</a:t>
             </a:r>
           </a:p>
@@ -4361,35 +4868,35 @@
           <a:p>
             <a:pPr lvl="0"/>
             <a:r>
-              <a:rPr lang="pl-PL" smtClean="0"/>
+              <a:rPr lang="pl-PL"/>
               <a:t>Edytuj style wzorca tekstu</a:t>
             </a:r>
           </a:p>
           <a:p>
             <a:pPr lvl="1"/>
             <a:r>
-              <a:rPr lang="pl-PL" smtClean="0"/>
+              <a:rPr lang="pl-PL"/>
               <a:t>Drugi poziom</a:t>
             </a:r>
           </a:p>
           <a:p>
             <a:pPr lvl="2"/>
             <a:r>
-              <a:rPr lang="pl-PL" smtClean="0"/>
+              <a:rPr lang="pl-PL"/>
               <a:t>Trzeci poziom</a:t>
             </a:r>
           </a:p>
           <a:p>
             <a:pPr lvl="3"/>
             <a:r>
-              <a:rPr lang="pl-PL" smtClean="0"/>
+              <a:rPr lang="pl-PL"/>
               <a:t>Czwarty poziom</a:t>
             </a:r>
           </a:p>
           <a:p>
             <a:pPr lvl="4"/>
             <a:r>
-              <a:rPr lang="pl-PL" smtClean="0"/>
+              <a:rPr lang="pl-PL"/>
               <a:t>Piąty poziom</a:t>
             </a:r>
             <a:endParaRPr lang="en-US" dirty="0"/>
@@ -4458,7 +4965,7 @@
           <a:p>
             <a:pPr lvl="0"/>
             <a:r>
-              <a:rPr lang="pl-PL" smtClean="0"/>
+              <a:rPr lang="pl-PL"/>
               <a:t>Edytuj style wzorca tekstu</a:t>
             </a:r>
           </a:p>
@@ -4486,59 +4993,59 @@
           <a:p>
             <a:pPr lvl="0"/>
             <a:r>
+              <a:rPr lang="pl-PL"/>
+              <a:t>Edytuj style wzorca tekstu</a:t>
+            </a:r>
+          </a:p>
+          <a:p>
+            <a:pPr lvl="1"/>
+            <a:r>
+              <a:rPr lang="pl-PL"/>
+              <a:t>Drugi poziom</a:t>
+            </a:r>
+          </a:p>
+          <a:p>
+            <a:pPr lvl="2"/>
+            <a:r>
+              <a:rPr lang="pl-PL"/>
+              <a:t>Trzeci poziom</a:t>
+            </a:r>
+          </a:p>
+          <a:p>
+            <a:pPr lvl="3"/>
+            <a:r>
+              <a:rPr lang="pl-PL"/>
+              <a:t>Czwarty poziom</a:t>
+            </a:r>
+          </a:p>
+          <a:p>
+            <a:pPr lvl="4"/>
+            <a:r>
+              <a:rPr lang="pl-PL"/>
+              <a:t>Piąty poziom</a:t>
+            </a:r>
+            <a:endParaRPr lang="en-US"/>
+          </a:p>
+        </p:txBody>
+      </p:sp>
+      <p:sp>
+        <p:nvSpPr>
+          <p:cNvPr id="7" name="Date Placeholder 6"/>
+          <p:cNvSpPr>
+            <a:spLocks noGrp="1"/>
+          </p:cNvSpPr>
+          <p:nvPr>
+            <p:ph type="dt" sz="half" idx="10"/>
+          </p:nvPr>
+        </p:nvSpPr>
+        <p:spPr/>
+        <p:txBody>
+          <a:bodyPr/>
+          <a:lstStyle/>
+          <a:p>
+            <a:fld id="{ACD10E63-B1D0-4099-8763-E69C94A8C6EB}" type="datetime1">
               <a:rPr lang="pl-PL" smtClean="0"/>
-              <a:t>Edytuj style wzorca tekstu</a:t>
-            </a:r>
-          </a:p>
-          <a:p>
-            <a:pPr lvl="1"/>
-            <a:r>
-              <a:rPr lang="pl-PL" smtClean="0"/>
-              <a:t>Drugi poziom</a:t>
-            </a:r>
-          </a:p>
-          <a:p>
-            <a:pPr lvl="2"/>
-            <a:r>
-              <a:rPr lang="pl-PL" smtClean="0"/>
-              <a:t>Trzeci poziom</a:t>
-            </a:r>
-          </a:p>
-          <a:p>
-            <a:pPr lvl="3"/>
-            <a:r>
-              <a:rPr lang="pl-PL" smtClean="0"/>
-              <a:t>Czwarty poziom</a:t>
-            </a:r>
-          </a:p>
-          <a:p>
-            <a:pPr lvl="4"/>
-            <a:r>
-              <a:rPr lang="pl-PL" smtClean="0"/>
-              <a:t>Piąty poziom</a:t>
-            </a:r>
-            <a:endParaRPr lang="en-US"/>
-          </a:p>
-        </p:txBody>
-      </p:sp>
-      <p:sp>
-        <p:nvSpPr>
-          <p:cNvPr id="7" name="Date Placeholder 6"/>
-          <p:cNvSpPr>
-            <a:spLocks noGrp="1"/>
-          </p:cNvSpPr>
-          <p:nvPr>
-            <p:ph type="dt" sz="half" idx="10"/>
-          </p:nvPr>
-        </p:nvSpPr>
-        <p:spPr/>
-        <p:txBody>
-          <a:bodyPr/>
-          <a:lstStyle/>
-          <a:p>
-            <a:fld id="{C68E965E-584F-4F48-BCAF-388B3A6B5A10}" type="datetimeFigureOut">
-              <a:rPr lang="pl-PL" smtClean="0"/>
-              <a:t>21.01.2018</a:t>
+              <a:t>2018-01-29</a:t>
             </a:fld>
             <a:endParaRPr lang="pl-PL"/>
           </a:p>
@@ -4602,7 +5109,7 @@
           <a:lstStyle/>
           <a:p>
             <a:r>
-              <a:rPr lang="pl-PL" smtClean="0"/>
+              <a:rPr lang="pl-PL"/>
               <a:t>Kliknij, aby edytować styl</a:t>
             </a:r>
             <a:endParaRPr lang="en-US" dirty="0"/>
@@ -4654,9 +5161,9 @@
           <a:bodyPr/>
           <a:lstStyle/>
           <a:p>
-            <a:fld id="{C68E965E-584F-4F48-BCAF-388B3A6B5A10}" type="datetimeFigureOut">
+            <a:fld id="{20D241D1-7940-404E-9600-58CFAAA032FD}" type="datetime1">
               <a:rPr lang="pl-PL" smtClean="0"/>
-              <a:t>21.01.2018</a:t>
+              <a:t>2018-01-29</a:t>
             </a:fld>
             <a:endParaRPr lang="pl-PL"/>
           </a:p>
@@ -4720,7 +5227,7 @@
           <a:lstStyle/>
           <a:p>
             <a:r>
-              <a:rPr lang="pl-PL" smtClean="0"/>
+              <a:rPr lang="pl-PL"/>
               <a:t>Kliknij, aby edytować styl</a:t>
             </a:r>
             <a:endParaRPr lang="en-US"/>
@@ -4772,9 +5279,9 @@
           <a:bodyPr/>
           <a:lstStyle/>
           <a:p>
-            <a:fld id="{C68E965E-584F-4F48-BCAF-388B3A6B5A10}" type="datetimeFigureOut">
+            <a:fld id="{F42A7BF3-3EE1-4DB7-8090-9E371E7FAB9F}" type="datetime1">
               <a:rPr lang="pl-PL" smtClean="0"/>
-              <a:t>21.01.2018</a:t>
+              <a:t>2018-01-29</a:t>
             </a:fld>
             <a:endParaRPr lang="pl-PL"/>
           </a:p>
@@ -4879,7 +5386,7 @@
           </a:lstStyle>
           <a:p>
             <a:r>
-              <a:rPr lang="pl-PL" smtClean="0"/>
+              <a:rPr lang="pl-PL"/>
               <a:t>Kliknij, aby edytować styl</a:t>
             </a:r>
             <a:endParaRPr lang="en-US" dirty="0"/>
@@ -4936,35 +5443,35 @@
           <a:p>
             <a:pPr lvl="0"/>
             <a:r>
-              <a:rPr lang="pl-PL" smtClean="0"/>
+              <a:rPr lang="pl-PL"/>
               <a:t>Edytuj style wzorca tekstu</a:t>
             </a:r>
           </a:p>
           <a:p>
             <a:pPr lvl="1"/>
             <a:r>
-              <a:rPr lang="pl-PL" smtClean="0"/>
+              <a:rPr lang="pl-PL"/>
               <a:t>Drugi poziom</a:t>
             </a:r>
           </a:p>
           <a:p>
             <a:pPr lvl="2"/>
             <a:r>
-              <a:rPr lang="pl-PL" smtClean="0"/>
+              <a:rPr lang="pl-PL"/>
               <a:t>Trzeci poziom</a:t>
             </a:r>
           </a:p>
           <a:p>
             <a:pPr lvl="3"/>
             <a:r>
-              <a:rPr lang="pl-PL" smtClean="0"/>
+              <a:rPr lang="pl-PL"/>
               <a:t>Czwarty poziom</a:t>
             </a:r>
           </a:p>
           <a:p>
             <a:pPr lvl="4"/>
             <a:r>
-              <a:rPr lang="pl-PL" smtClean="0"/>
+              <a:rPr lang="pl-PL"/>
               <a:t>Piąty poziom</a:t>
             </a:r>
             <a:endParaRPr lang="en-US" dirty="0"/>
@@ -5035,30 +5542,30 @@
           <a:p>
             <a:pPr lvl="0"/>
             <a:r>
+              <a:rPr lang="pl-PL"/>
+              <a:t>Edytuj style wzorca tekstu</a:t>
+            </a:r>
+          </a:p>
+        </p:txBody>
+      </p:sp>
+      <p:sp>
+        <p:nvSpPr>
+          <p:cNvPr id="5" name="Date Placeholder 4"/>
+          <p:cNvSpPr>
+            <a:spLocks noGrp="1"/>
+          </p:cNvSpPr>
+          <p:nvPr>
+            <p:ph type="dt" sz="half" idx="10"/>
+          </p:nvPr>
+        </p:nvSpPr>
+        <p:spPr/>
+        <p:txBody>
+          <a:bodyPr/>
+          <a:lstStyle/>
+          <a:p>
+            <a:fld id="{3D0A2DE8-1B0A-4E96-B0F8-4461040BCAC0}" type="datetime1">
               <a:rPr lang="pl-PL" smtClean="0"/>
-              <a:t>Edytuj style wzorca tekstu</a:t>
-            </a:r>
-          </a:p>
-        </p:txBody>
-      </p:sp>
-      <p:sp>
-        <p:nvSpPr>
-          <p:cNvPr id="5" name="Date Placeholder 4"/>
-          <p:cNvSpPr>
-            <a:spLocks noGrp="1"/>
-          </p:cNvSpPr>
-          <p:nvPr>
-            <p:ph type="dt" sz="half" idx="10"/>
-          </p:nvPr>
-        </p:nvSpPr>
-        <p:spPr/>
-        <p:txBody>
-          <a:bodyPr/>
-          <a:lstStyle/>
-          <a:p>
-            <a:fld id="{C68E965E-584F-4F48-BCAF-388B3A6B5A10}" type="datetimeFigureOut">
-              <a:rPr lang="pl-PL" smtClean="0"/>
-              <a:t>21.01.2018</a:t>
+              <a:t>2018-01-29</a:t>
             </a:fld>
             <a:endParaRPr lang="pl-PL"/>
           </a:p>
@@ -5163,7 +5670,7 @@
           </a:lstStyle>
           <a:p>
             <a:r>
-              <a:rPr lang="pl-PL" smtClean="0"/>
+              <a:rPr lang="pl-PL"/>
               <a:t>Kliknij, aby edytować styl</a:t>
             </a:r>
             <a:endParaRPr lang="en-US" dirty="0"/>
@@ -5228,7 +5735,7 @@
           </a:lstStyle>
           <a:p>
             <a:r>
-              <a:rPr lang="pl-PL" smtClean="0"/>
+              <a:rPr lang="pl-PL"/>
               <a:t>Kliknij ikonę, aby dodać obraz</a:t>
             </a:r>
             <a:endParaRPr lang="en-US" dirty="0"/>
@@ -5299,30 +5806,30 @@
           <a:p>
             <a:pPr lvl="0"/>
             <a:r>
+              <a:rPr lang="pl-PL"/>
+              <a:t>Edytuj style wzorca tekstu</a:t>
+            </a:r>
+          </a:p>
+        </p:txBody>
+      </p:sp>
+      <p:sp>
+        <p:nvSpPr>
+          <p:cNvPr id="5" name="Date Placeholder 4"/>
+          <p:cNvSpPr>
+            <a:spLocks noGrp="1"/>
+          </p:cNvSpPr>
+          <p:nvPr>
+            <p:ph type="dt" sz="half" idx="10"/>
+          </p:nvPr>
+        </p:nvSpPr>
+        <p:spPr/>
+        <p:txBody>
+          <a:bodyPr/>
+          <a:lstStyle/>
+          <a:p>
+            <a:fld id="{8558D770-8828-4374-B5DF-CFCC9831D418}" type="datetime1">
               <a:rPr lang="pl-PL" smtClean="0"/>
-              <a:t>Edytuj style wzorca tekstu</a:t>
-            </a:r>
-          </a:p>
-        </p:txBody>
-      </p:sp>
-      <p:sp>
-        <p:nvSpPr>
-          <p:cNvPr id="5" name="Date Placeholder 4"/>
-          <p:cNvSpPr>
-            <a:spLocks noGrp="1"/>
-          </p:cNvSpPr>
-          <p:nvPr>
-            <p:ph type="dt" sz="half" idx="10"/>
-          </p:nvPr>
-        </p:nvSpPr>
-        <p:spPr/>
-        <p:txBody>
-          <a:bodyPr/>
-          <a:lstStyle/>
-          <a:p>
-            <a:fld id="{C68E965E-584F-4F48-BCAF-388B3A6B5A10}" type="datetimeFigureOut">
-              <a:rPr lang="pl-PL" smtClean="0"/>
-              <a:t>21.01.2018</a:t>
+              <a:t>2018-01-29</a:t>
             </a:fld>
             <a:endParaRPr lang="pl-PL"/>
           </a:p>
@@ -5431,7 +5938,7 @@
           <a:lstStyle/>
           <a:p>
             <a:r>
-              <a:rPr lang="pl-PL" smtClean="0"/>
+              <a:rPr lang="pl-PL"/>
               <a:t>Kliknij, aby edytować styl</a:t>
             </a:r>
             <a:endParaRPr lang="en-US" dirty="0"/>
@@ -5465,35 +5972,35 @@
           <a:p>
             <a:pPr lvl="0"/>
             <a:r>
-              <a:rPr lang="pl-PL" smtClean="0"/>
+              <a:rPr lang="pl-PL"/>
               <a:t>Edytuj style wzorca tekstu</a:t>
             </a:r>
           </a:p>
           <a:p>
             <a:pPr lvl="1"/>
             <a:r>
-              <a:rPr lang="pl-PL" smtClean="0"/>
+              <a:rPr lang="pl-PL"/>
               <a:t>Drugi poziom</a:t>
             </a:r>
           </a:p>
           <a:p>
             <a:pPr lvl="2"/>
             <a:r>
-              <a:rPr lang="pl-PL" smtClean="0"/>
+              <a:rPr lang="pl-PL"/>
               <a:t>Trzeci poziom</a:t>
             </a:r>
           </a:p>
           <a:p>
             <a:pPr lvl="3"/>
             <a:r>
-              <a:rPr lang="pl-PL" smtClean="0"/>
+              <a:rPr lang="pl-PL"/>
               <a:t>Czwarty poziom</a:t>
             </a:r>
           </a:p>
           <a:p>
             <a:pPr lvl="4"/>
             <a:r>
-              <a:rPr lang="pl-PL" smtClean="0"/>
+              <a:rPr lang="pl-PL"/>
               <a:t>Piąty poziom</a:t>
             </a:r>
             <a:endParaRPr lang="en-US" dirty="0"/>
@@ -5534,9 +6041,9 @@
             </a:lvl1pPr>
           </a:lstStyle>
           <a:p>
-            <a:fld id="{C68E965E-584F-4F48-BCAF-388B3A6B5A10}" type="datetimeFigureOut">
+            <a:fld id="{E78DE5E1-8A22-4941-B877-F7B18B6D2CF1}" type="datetime1">
               <a:rPr lang="pl-PL" smtClean="0"/>
-              <a:t>21.01.2018</a:t>
+              <a:t>2018-01-29</a:t>
             </a:fld>
             <a:endParaRPr lang="pl-PL"/>
           </a:p>
@@ -5642,6 +6149,7 @@
     <p:sldLayoutId id="2147483734" r:id="rId10"/>
     <p:sldLayoutId id="2147483735" r:id="rId11"/>
   </p:sldLayoutIdLst>
+  <p:hf hdr="0" ftr="0" dt="0"/>
   <p:txStyles>
     <p:titleStyle>
       <a:lvl1pPr algn="l" defTabSz="914400" rtl="0" eaLnBrk="1" latinLnBrk="0" hangingPunct="1">
@@ -5937,14 +6445,296 @@
       </p:grpSpPr>
       <p:sp>
         <p:nvSpPr>
-          <p:cNvPr id="7" name="Rectangle 6"/>
+          <p:cNvPr id="2" name="Title Placeholder 1"/>
+          <p:cNvSpPr>
+            <a:spLocks noGrp="1"/>
+          </p:cNvSpPr>
+          <p:nvPr>
+            <p:ph type="title"/>
+          </p:nvPr>
+        </p:nvSpPr>
+        <p:spPr>
+          <a:xfrm>
+            <a:off x="581192" y="705124"/>
+            <a:ext cx="11029616" cy="1189554"/>
+          </a:xfrm>
+          <a:prstGeom prst="rect">
+            <a:avLst/>
+          </a:prstGeom>
+        </p:spPr>
+        <p:txBody>
+          <a:bodyPr vert="horz" lIns="91440" tIns="45720" rIns="91440" bIns="45720" rtlCol="0" anchor="b">
+            <a:normAutofit/>
+          </a:bodyPr>
+          <a:lstStyle/>
+          <a:p>
+            <a:r>
+              <a:rPr lang="pl-PL"/>
+              <a:t>Kliknij, aby edytować styl</a:t>
+            </a:r>
+            <a:endParaRPr lang="en-US" dirty="0"/>
+          </a:p>
+        </p:txBody>
+      </p:sp>
+      <p:sp>
+        <p:nvSpPr>
+          <p:cNvPr id="3" name="Text Placeholder 2"/>
+          <p:cNvSpPr>
+            <a:spLocks noGrp="1"/>
+          </p:cNvSpPr>
+          <p:nvPr>
+            <p:ph type="body" idx="1"/>
+          </p:nvPr>
+        </p:nvSpPr>
+        <p:spPr>
+          <a:xfrm>
+            <a:off x="581192" y="2336003"/>
+            <a:ext cx="11029616" cy="3522794"/>
+          </a:xfrm>
+          <a:prstGeom prst="rect">
+            <a:avLst/>
+          </a:prstGeom>
+        </p:spPr>
+        <p:txBody>
+          <a:bodyPr vert="horz" lIns="91440" tIns="45720" rIns="91440" bIns="45720" rtlCol="0" anchor="ctr">
+            <a:normAutofit/>
+          </a:bodyPr>
+          <a:lstStyle/>
+          <a:p>
+            <a:pPr lvl="0"/>
+            <a:r>
+              <a:rPr lang="pl-PL"/>
+              <a:t>Edytuj style wzorca tekstu</a:t>
+            </a:r>
+          </a:p>
+          <a:p>
+            <a:pPr lvl="1"/>
+            <a:r>
+              <a:rPr lang="pl-PL"/>
+              <a:t>Drugi poziom</a:t>
+            </a:r>
+          </a:p>
+          <a:p>
+            <a:pPr lvl="2"/>
+            <a:r>
+              <a:rPr lang="pl-PL"/>
+              <a:t>Trzeci poziom</a:t>
+            </a:r>
+          </a:p>
+          <a:p>
+            <a:pPr lvl="3"/>
+            <a:r>
+              <a:rPr lang="pl-PL"/>
+              <a:t>Czwarty poziom</a:t>
+            </a:r>
+          </a:p>
+          <a:p>
+            <a:pPr lvl="4"/>
+            <a:r>
+              <a:rPr lang="pl-PL"/>
+              <a:t>Piąty poziom</a:t>
+            </a:r>
+            <a:endParaRPr lang="en-US" dirty="0"/>
+          </a:p>
+        </p:txBody>
+      </p:sp>
+      <p:sp>
+        <p:nvSpPr>
+          <p:cNvPr id="4" name="Date Placeholder 3"/>
+          <p:cNvSpPr>
+            <a:spLocks noGrp="1"/>
+          </p:cNvSpPr>
+          <p:nvPr>
+            <p:ph type="dt" sz="half" idx="2"/>
+          </p:nvPr>
+        </p:nvSpPr>
+        <p:spPr>
+          <a:xfrm>
+            <a:off x="7605951" y="5956137"/>
+            <a:ext cx="2844799" cy="365125"/>
+          </a:xfrm>
+          <a:prstGeom prst="rect">
+            <a:avLst/>
+          </a:prstGeom>
+        </p:spPr>
+        <p:txBody>
+          <a:bodyPr vert="horz" lIns="91440" tIns="45720" rIns="91440" bIns="45720" rtlCol="0" anchor="ctr"/>
+          <a:lstStyle>
+            <a:lvl1pPr algn="r">
+              <a:defRPr sz="900">
+                <a:solidFill>
+                  <a:schemeClr val="accent2"/>
+                </a:solidFill>
+              </a:defRPr>
+            </a:lvl1pPr>
+          </a:lstStyle>
+          <a:p>
+            <a:fld id="{88BB579B-0F3C-430C-96BB-3D06998342DF}" type="datetime1">
+              <a:rPr lang="pl-PL" smtClean="0"/>
+              <a:t>2018-01-29</a:t>
+            </a:fld>
+            <a:endParaRPr lang="pl-PL"/>
+          </a:p>
+        </p:txBody>
+      </p:sp>
+      <p:sp>
+        <p:nvSpPr>
+          <p:cNvPr id="5" name="Footer Placeholder 4"/>
+          <p:cNvSpPr>
+            <a:spLocks noGrp="1"/>
+          </p:cNvSpPr>
+          <p:nvPr>
+            <p:ph type="ftr" sz="quarter" idx="3"/>
+          </p:nvPr>
+        </p:nvSpPr>
+        <p:spPr>
+          <a:xfrm>
+            <a:off x="581192" y="5951811"/>
+            <a:ext cx="6917210" cy="365125"/>
+          </a:xfrm>
+          <a:prstGeom prst="rect">
+            <a:avLst/>
+          </a:prstGeom>
+        </p:spPr>
+        <p:txBody>
+          <a:bodyPr vert="horz" lIns="91440" tIns="45720" rIns="91440" bIns="45720" rtlCol="0" anchor="ctr"/>
+          <a:lstStyle>
+            <a:lvl1pPr algn="l">
+              <a:defRPr sz="900" cap="all">
+                <a:solidFill>
+                  <a:schemeClr val="accent2"/>
+                </a:solidFill>
+              </a:defRPr>
+            </a:lvl1pPr>
+          </a:lstStyle>
+          <a:p>
+            <a:endParaRPr lang="pl-PL"/>
+          </a:p>
+        </p:txBody>
+      </p:sp>
+      <p:sp>
+        <p:nvSpPr>
+          <p:cNvPr id="6" name="Slide Number Placeholder 5"/>
+          <p:cNvSpPr>
+            <a:spLocks noGrp="1"/>
+          </p:cNvSpPr>
+          <p:nvPr>
+            <p:ph type="sldNum" sz="quarter" idx="4"/>
+          </p:nvPr>
+        </p:nvSpPr>
+        <p:spPr>
+          <a:xfrm>
+            <a:off x="10558300" y="5956137"/>
+            <a:ext cx="1052510" cy="365125"/>
+          </a:xfrm>
+          <a:prstGeom prst="rect">
+            <a:avLst/>
+          </a:prstGeom>
+        </p:spPr>
+        <p:txBody>
+          <a:bodyPr vert="horz" lIns="91440" tIns="45720" rIns="91440" bIns="45720" rtlCol="0" anchor="ctr"/>
+          <a:lstStyle>
+            <a:lvl1pPr algn="r">
+              <a:defRPr sz="900">
+                <a:solidFill>
+                  <a:schemeClr val="accent2"/>
+                </a:solidFill>
+              </a:defRPr>
+            </a:lvl1pPr>
+          </a:lstStyle>
+          <a:p>
+            <a:fld id="{874E87A6-7FFA-47D1-8277-D8AB08C63F72}" type="slidenum">
+              <a:rPr lang="pl-PL" smtClean="0"/>
+              <a:t>‹#›</a:t>
+            </a:fld>
+            <a:endParaRPr lang="pl-PL"/>
+          </a:p>
+        </p:txBody>
+      </p:sp>
+      <p:sp>
+        <p:nvSpPr>
+          <p:cNvPr id="9" name="Rectangle 8"/>
           <p:cNvSpPr/>
           <p:nvPr/>
         </p:nvSpPr>
         <p:spPr>
           <a:xfrm>
-            <a:off x="1" y="6400800"/>
-            <a:ext cx="12192000" cy="457200"/>
+            <a:off x="446534" y="457200"/>
+            <a:ext cx="3703320" cy="94997"/>
+          </a:xfrm>
+          <a:prstGeom prst="rect">
+            <a:avLst/>
+          </a:prstGeom>
+          <a:solidFill>
+            <a:schemeClr val="accent1"/>
+          </a:solidFill>
+          <a:ln>
+            <a:noFill/>
+          </a:ln>
+          <a:effectLst/>
+        </p:spPr>
+        <p:style>
+          <a:lnRef idx="1">
+            <a:schemeClr val="accent1"/>
+          </a:lnRef>
+          <a:fillRef idx="3">
+            <a:schemeClr val="accent1"/>
+          </a:fillRef>
+          <a:effectRef idx="2">
+            <a:schemeClr val="accent1"/>
+          </a:effectRef>
+          <a:fontRef idx="minor">
+            <a:schemeClr val="lt1"/>
+          </a:fontRef>
+        </p:style>
+      </p:sp>
+      <p:sp>
+        <p:nvSpPr>
+          <p:cNvPr id="10" name="Rectangle 9"/>
+          <p:cNvSpPr/>
+          <p:nvPr/>
+        </p:nvSpPr>
+        <p:spPr>
+          <a:xfrm>
+            <a:off x="8042147" y="453643"/>
+            <a:ext cx="3703320" cy="98554"/>
+          </a:xfrm>
+          <a:prstGeom prst="rect">
+            <a:avLst/>
+          </a:prstGeom>
+          <a:solidFill>
+            <a:schemeClr val="accent4"/>
+          </a:solidFill>
+          <a:ln>
+            <a:noFill/>
+          </a:ln>
+          <a:effectLst/>
+        </p:spPr>
+        <p:style>
+          <a:lnRef idx="1">
+            <a:schemeClr val="accent1"/>
+          </a:lnRef>
+          <a:fillRef idx="3">
+            <a:schemeClr val="accent1"/>
+          </a:fillRef>
+          <a:effectRef idx="2">
+            <a:schemeClr val="accent1"/>
+          </a:effectRef>
+          <a:fontRef idx="minor">
+            <a:schemeClr val="lt1"/>
+          </a:fontRef>
+        </p:style>
+      </p:sp>
+      <p:sp>
+        <p:nvSpPr>
+          <p:cNvPr id="11" name="Rectangle 10"/>
+          <p:cNvSpPr/>
+          <p:nvPr/>
+        </p:nvSpPr>
+        <p:spPr>
+          <a:xfrm>
+            <a:off x="4241830" y="457200"/>
+            <a:ext cx="3703320" cy="91440"/>
           </a:xfrm>
           <a:prstGeom prst="rect">
             <a:avLst/>
@@ -5955,17 +6745,16 @@
           <a:ln>
             <a:noFill/>
           </a:ln>
+          <a:effectLst/>
         </p:spPr>
         <p:style>
-          <a:lnRef idx="2">
-            <a:schemeClr val="accent1">
-              <a:shade val="50000"/>
-            </a:schemeClr>
+          <a:lnRef idx="1">
+            <a:schemeClr val="accent1"/>
           </a:lnRef>
-          <a:fillRef idx="1">
+          <a:fillRef idx="3">
             <a:schemeClr val="accent1"/>
           </a:fillRef>
-          <a:effectRef idx="0">
+          <a:effectRef idx="2">
             <a:schemeClr val="accent1"/>
           </a:effectRef>
           <a:fontRef idx="minor">
@@ -5973,573 +6762,294 @@
           </a:fontRef>
         </p:style>
       </p:sp>
-      <p:sp>
-        <p:nvSpPr>
-          <p:cNvPr id="9" name="Rectangle 8"/>
-          <p:cNvSpPr/>
-          <p:nvPr/>
-        </p:nvSpPr>
-        <p:spPr>
-          <a:xfrm>
-            <a:off x="15" y="6334316"/>
-            <a:ext cx="12191985" cy="66484"/>
-          </a:xfrm>
-          <a:prstGeom prst="rect">
-            <a:avLst/>
-          </a:prstGeom>
-          <a:solidFill>
-            <a:schemeClr val="accent1"/>
-          </a:solidFill>
-          <a:ln>
-            <a:noFill/>
-          </a:ln>
-        </p:spPr>
-        <p:style>
-          <a:lnRef idx="2">
-            <a:schemeClr val="accent1">
-              <a:shade val="50000"/>
-            </a:schemeClr>
-          </a:lnRef>
-          <a:fillRef idx="1">
-            <a:schemeClr val="accent1"/>
-          </a:fillRef>
-          <a:effectRef idx="0">
-            <a:schemeClr val="accent1"/>
-          </a:effectRef>
-          <a:fontRef idx="minor">
-            <a:schemeClr val="lt1"/>
-          </a:fontRef>
-        </p:style>
-      </p:sp>
-      <p:sp>
-        <p:nvSpPr>
-          <p:cNvPr id="2" name="Title Placeholder 1"/>
-          <p:cNvSpPr>
-            <a:spLocks noGrp="1"/>
-          </p:cNvSpPr>
-          <p:nvPr>
-            <p:ph type="title"/>
-          </p:nvPr>
-        </p:nvSpPr>
-        <p:spPr>
-          <a:xfrm>
-            <a:off x="1097280" y="286603"/>
-            <a:ext cx="10058400" cy="1450757"/>
-          </a:xfrm>
-          <a:prstGeom prst="rect">
-            <a:avLst/>
-          </a:prstGeom>
-        </p:spPr>
-        <p:txBody>
-          <a:bodyPr vert="horz" lIns="91440" tIns="45720" rIns="91440" bIns="45720" rtlCol="0" anchor="b">
-            <a:normAutofit/>
-          </a:bodyPr>
-          <a:lstStyle/>
-          <a:p>
-            <a:r>
-              <a:rPr lang="pl-PL" smtClean="0"/>
-              <a:t>Kliknij, aby edytować styl</a:t>
-            </a:r>
-            <a:endParaRPr lang="en-US" dirty="0"/>
-          </a:p>
-        </p:txBody>
-      </p:sp>
-      <p:sp>
-        <p:nvSpPr>
-          <p:cNvPr id="3" name="Text Placeholder 2"/>
-          <p:cNvSpPr>
-            <a:spLocks noGrp="1"/>
-          </p:cNvSpPr>
-          <p:nvPr>
-            <p:ph type="body" idx="1"/>
-          </p:nvPr>
-        </p:nvSpPr>
-        <p:spPr>
-          <a:xfrm>
-            <a:off x="1097280" y="1845734"/>
-            <a:ext cx="10058400" cy="4023360"/>
-          </a:xfrm>
-          <a:prstGeom prst="rect">
-            <a:avLst/>
-          </a:prstGeom>
-        </p:spPr>
-        <p:txBody>
-          <a:bodyPr vert="horz" lIns="0" tIns="45720" rIns="0" bIns="45720" rtlCol="0">
-            <a:normAutofit/>
-          </a:bodyPr>
-          <a:lstStyle/>
-          <a:p>
-            <a:pPr lvl="0"/>
-            <a:r>
-              <a:rPr lang="pl-PL" smtClean="0"/>
-              <a:t>Edytuj style wzorca tekstu</a:t>
-            </a:r>
-          </a:p>
-          <a:p>
-            <a:pPr lvl="1"/>
-            <a:r>
-              <a:rPr lang="pl-PL" smtClean="0"/>
-              <a:t>Drugi poziom</a:t>
-            </a:r>
-          </a:p>
-          <a:p>
-            <a:pPr lvl="2"/>
-            <a:r>
-              <a:rPr lang="pl-PL" smtClean="0"/>
-              <a:t>Trzeci poziom</a:t>
-            </a:r>
-          </a:p>
-          <a:p>
-            <a:pPr lvl="3"/>
-            <a:r>
-              <a:rPr lang="pl-PL" smtClean="0"/>
-              <a:t>Czwarty poziom</a:t>
-            </a:r>
-          </a:p>
-          <a:p>
-            <a:pPr lvl="4"/>
-            <a:r>
-              <a:rPr lang="pl-PL" smtClean="0"/>
-              <a:t>Piąty poziom</a:t>
-            </a:r>
-            <a:endParaRPr lang="en-US" dirty="0"/>
-          </a:p>
-        </p:txBody>
-      </p:sp>
-      <p:sp>
-        <p:nvSpPr>
-          <p:cNvPr id="4" name="Date Placeholder 3"/>
-          <p:cNvSpPr>
-            <a:spLocks noGrp="1"/>
-          </p:cNvSpPr>
-          <p:nvPr>
-            <p:ph type="dt" sz="half" idx="2"/>
-          </p:nvPr>
-        </p:nvSpPr>
-        <p:spPr>
-          <a:xfrm>
-            <a:off x="1097280" y="6459785"/>
-            <a:ext cx="2472271" cy="365125"/>
-          </a:xfrm>
-          <a:prstGeom prst="rect">
-            <a:avLst/>
-          </a:prstGeom>
-        </p:spPr>
-        <p:txBody>
-          <a:bodyPr vert="horz" lIns="91440" tIns="45720" rIns="91440" bIns="45720" rtlCol="0" anchor="ctr"/>
-          <a:lstStyle>
-            <a:lvl1pPr algn="l">
-              <a:defRPr sz="900">
-                <a:solidFill>
-                  <a:srgbClr val="FFFFFF"/>
-                </a:solidFill>
-              </a:defRPr>
-            </a:lvl1pPr>
-          </a:lstStyle>
-          <a:p>
-            <a:fld id="{C68E965E-584F-4F48-BCAF-388B3A6B5A10}" type="datetimeFigureOut">
-              <a:rPr lang="pl-PL" smtClean="0"/>
-              <a:t>21.01.2018</a:t>
-            </a:fld>
-            <a:endParaRPr lang="pl-PL"/>
-          </a:p>
-        </p:txBody>
-      </p:sp>
-      <p:sp>
-        <p:nvSpPr>
-          <p:cNvPr id="5" name="Footer Placeholder 4"/>
-          <p:cNvSpPr>
-            <a:spLocks noGrp="1"/>
-          </p:cNvSpPr>
-          <p:nvPr>
-            <p:ph type="ftr" sz="quarter" idx="3"/>
-          </p:nvPr>
-        </p:nvSpPr>
-        <p:spPr>
-          <a:xfrm>
-            <a:off x="3686185" y="6459785"/>
-            <a:ext cx="4822804" cy="365125"/>
-          </a:xfrm>
-          <a:prstGeom prst="rect">
-            <a:avLst/>
-          </a:prstGeom>
-        </p:spPr>
-        <p:txBody>
-          <a:bodyPr vert="horz" lIns="91440" tIns="45720" rIns="91440" bIns="45720" rtlCol="0" anchor="ctr"/>
-          <a:lstStyle>
-            <a:lvl1pPr algn="ctr">
-              <a:defRPr sz="900" cap="all" baseline="0">
-                <a:solidFill>
-                  <a:srgbClr val="FFFFFF"/>
-                </a:solidFill>
-              </a:defRPr>
-            </a:lvl1pPr>
-          </a:lstStyle>
-          <a:p>
-            <a:endParaRPr lang="pl-PL"/>
-          </a:p>
-        </p:txBody>
-      </p:sp>
-      <p:sp>
-        <p:nvSpPr>
-          <p:cNvPr id="6" name="Slide Number Placeholder 5"/>
-          <p:cNvSpPr>
-            <a:spLocks noGrp="1"/>
-          </p:cNvSpPr>
-          <p:nvPr>
-            <p:ph type="sldNum" sz="quarter" idx="4"/>
-          </p:nvPr>
-        </p:nvSpPr>
-        <p:spPr>
-          <a:xfrm>
-            <a:off x="9900458" y="6459785"/>
-            <a:ext cx="1312025" cy="365125"/>
-          </a:xfrm>
-          <a:prstGeom prst="rect">
-            <a:avLst/>
-          </a:prstGeom>
-        </p:spPr>
-        <p:txBody>
-          <a:bodyPr vert="horz" lIns="91440" tIns="45720" rIns="91440" bIns="45720" rtlCol="0" anchor="ctr"/>
-          <a:lstStyle>
-            <a:lvl1pPr algn="r">
-              <a:defRPr sz="1050">
-                <a:solidFill>
-                  <a:srgbClr val="FFFFFF"/>
-                </a:solidFill>
-              </a:defRPr>
-            </a:lvl1pPr>
-          </a:lstStyle>
-          <a:p>
-            <a:fld id="{874E87A6-7FFA-47D1-8277-D8AB08C63F72}" type="slidenum">
-              <a:rPr lang="pl-PL" smtClean="0"/>
-              <a:t>‹#›</a:t>
-            </a:fld>
-            <a:endParaRPr lang="pl-PL"/>
-          </a:p>
-        </p:txBody>
-      </p:sp>
-      <p:cxnSp>
-        <p:nvCxnSpPr>
-          <p:cNvPr id="10" name="Straight Connector 9"/>
-          <p:cNvCxnSpPr/>
-          <p:nvPr/>
-        </p:nvCxnSpPr>
-        <p:spPr>
-          <a:xfrm>
-            <a:off x="1193532" y="1737845"/>
-            <a:ext cx="9966960" cy="0"/>
-          </a:xfrm>
-          <a:prstGeom prst="line">
-            <a:avLst/>
-          </a:prstGeom>
-          <a:ln w="6350">
-            <a:solidFill>
-              <a:schemeClr val="tx1">
-                <a:lumMod val="50000"/>
-                <a:lumOff val="50000"/>
-              </a:schemeClr>
-            </a:solidFill>
-          </a:ln>
-        </p:spPr>
-        <p:style>
-          <a:lnRef idx="1">
-            <a:schemeClr val="accent1"/>
-          </a:lnRef>
-          <a:fillRef idx="0">
-            <a:schemeClr val="accent1"/>
-          </a:fillRef>
-          <a:effectRef idx="0">
-            <a:schemeClr val="accent1"/>
-          </a:effectRef>
-          <a:fontRef idx="minor">
-            <a:schemeClr val="tx1"/>
-          </a:fontRef>
-        </p:style>
-      </p:cxnSp>
     </p:spTree>
     <p:extLst>
       <p:ext uri="{BB962C8B-B14F-4D97-AF65-F5344CB8AC3E}">
-        <p14:creationId xmlns:p14="http://schemas.microsoft.com/office/powerpoint/2010/main" val="160036926"/>
+        <p14:creationId xmlns:p14="http://schemas.microsoft.com/office/powerpoint/2010/main" val="1449600768"/>
       </p:ext>
     </p:extLst>
   </p:cSld>
   <p:clrMap bg1="lt1" tx1="dk1" bg2="lt2" tx2="dk2" accent1="accent1" accent2="accent2" accent3="accent3" accent4="accent4" accent5="accent5" accent6="accent6" hlink="hlink" folHlink="folHlink"/>
   <p:sldLayoutIdLst>
-    <p:sldLayoutId id="2147483773" r:id="rId1"/>
-    <p:sldLayoutId id="2147483774" r:id="rId2"/>
-    <p:sldLayoutId id="2147483775" r:id="rId3"/>
-    <p:sldLayoutId id="2147483776" r:id="rId4"/>
-    <p:sldLayoutId id="2147483777" r:id="rId5"/>
-    <p:sldLayoutId id="2147483778" r:id="rId6"/>
-    <p:sldLayoutId id="2147483779" r:id="rId7"/>
-    <p:sldLayoutId id="2147483780" r:id="rId8"/>
-    <p:sldLayoutId id="2147483781" r:id="rId9"/>
-    <p:sldLayoutId id="2147483782" r:id="rId10"/>
-    <p:sldLayoutId id="2147483783" r:id="rId11"/>
+    <p:sldLayoutId id="2147483821" r:id="rId1"/>
+    <p:sldLayoutId id="2147483822" r:id="rId2"/>
+    <p:sldLayoutId id="2147483823" r:id="rId3"/>
+    <p:sldLayoutId id="2147483824" r:id="rId4"/>
+    <p:sldLayoutId id="2147483825" r:id="rId5"/>
+    <p:sldLayoutId id="2147483826" r:id="rId6"/>
+    <p:sldLayoutId id="2147483827" r:id="rId7"/>
+    <p:sldLayoutId id="2147483828" r:id="rId8"/>
+    <p:sldLayoutId id="2147483829" r:id="rId9"/>
+    <p:sldLayoutId id="2147483830" r:id="rId10"/>
+    <p:sldLayoutId id="2147483831" r:id="rId11"/>
   </p:sldLayoutIdLst>
+  <p:hf hdr="0" ftr="0" dt="0"/>
   <p:txStyles>
     <p:titleStyle>
-      <a:lvl1pPr algn="l" defTabSz="914400" rtl="0" eaLnBrk="1" latinLnBrk="0" hangingPunct="1">
-        <a:lnSpc>
-          <a:spcPct val="85000"/>
-        </a:lnSpc>
+      <a:lvl1pPr algn="l" defTabSz="457200" rtl="0" eaLnBrk="1" latinLnBrk="0" hangingPunct="1">
         <a:spcBef>
           <a:spcPct val="0"/>
         </a:spcBef>
         <a:buNone/>
-        <a:defRPr sz="4800" kern="1200" spc="-50" baseline="0">
+        <a:defRPr sz="2800" b="0" kern="1200" cap="all">
           <a:solidFill>
-            <a:schemeClr val="tx1">
-              <a:lumMod val="75000"/>
-              <a:lumOff val="25000"/>
-            </a:schemeClr>
+            <a:schemeClr val="bg1"/>
           </a:solidFill>
           <a:latin typeface="+mj-lt"/>
           <a:ea typeface="+mj-ea"/>
           <a:cs typeface="+mj-cs"/>
         </a:defRPr>
       </a:lvl1pPr>
+      <a:lvl2pPr eaLnBrk="1" hangingPunct="1">
+        <a:defRPr>
+          <a:solidFill>
+            <a:schemeClr val="tx2"/>
+          </a:solidFill>
+        </a:defRPr>
+      </a:lvl2pPr>
+      <a:lvl3pPr eaLnBrk="1" hangingPunct="1">
+        <a:defRPr>
+          <a:solidFill>
+            <a:schemeClr val="tx2"/>
+          </a:solidFill>
+        </a:defRPr>
+      </a:lvl3pPr>
+      <a:lvl4pPr eaLnBrk="1" hangingPunct="1">
+        <a:defRPr>
+          <a:solidFill>
+            <a:schemeClr val="tx2"/>
+          </a:solidFill>
+        </a:defRPr>
+      </a:lvl4pPr>
+      <a:lvl5pPr eaLnBrk="1" hangingPunct="1">
+        <a:defRPr>
+          <a:solidFill>
+            <a:schemeClr val="tx2"/>
+          </a:solidFill>
+        </a:defRPr>
+      </a:lvl5pPr>
+      <a:lvl6pPr eaLnBrk="1" hangingPunct="1">
+        <a:defRPr>
+          <a:solidFill>
+            <a:schemeClr val="tx2"/>
+          </a:solidFill>
+        </a:defRPr>
+      </a:lvl6pPr>
+      <a:lvl7pPr eaLnBrk="1" hangingPunct="1">
+        <a:defRPr>
+          <a:solidFill>
+            <a:schemeClr val="tx2"/>
+          </a:solidFill>
+        </a:defRPr>
+      </a:lvl7pPr>
+      <a:lvl8pPr eaLnBrk="1" hangingPunct="1">
+        <a:defRPr>
+          <a:solidFill>
+            <a:schemeClr val="tx2"/>
+          </a:solidFill>
+        </a:defRPr>
+      </a:lvl8pPr>
+      <a:lvl9pPr eaLnBrk="1" hangingPunct="1">
+        <a:defRPr>
+          <a:solidFill>
+            <a:schemeClr val="tx2"/>
+          </a:solidFill>
+        </a:defRPr>
+      </a:lvl9pPr>
     </p:titleStyle>
     <p:bodyStyle>
-      <a:lvl1pPr marL="91440" indent="-91440" algn="l" defTabSz="914400" rtl="0" eaLnBrk="1" latinLnBrk="0" hangingPunct="1">
-        <a:lnSpc>
-          <a:spcPct val="90000"/>
-        </a:lnSpc>
+      <a:lvl1pPr marL="306000" indent="-306000" algn="l" defTabSz="457200" rtl="0" eaLnBrk="1" latinLnBrk="0" hangingPunct="1">
         <a:spcBef>
-          <a:spcPts val="1200"/>
+          <a:spcPct val="20000"/>
         </a:spcBef>
         <a:spcAft>
-          <a:spcPts val="200"/>
+          <a:spcPts val="600"/>
         </a:spcAft>
         <a:buClr>
-          <a:schemeClr val="accent1"/>
+          <a:schemeClr val="accent2"/>
         </a:buClr>
-        <a:buSzPct val="100000"/>
-        <a:buFont typeface="Calibri" panose="020F0502020204030204" pitchFamily="34" charset="0"/>
-        <a:buChar char=" "/>
-        <a:defRPr sz="2000" kern="1200">
+        <a:buSzPct val="92000"/>
+        <a:buFont typeface="Wingdings 2" panose="05020102010507070707" pitchFamily="18" charset="2"/>
+        <a:buChar char=""/>
+        <a:defRPr sz="1800" kern="1200">
           <a:solidFill>
-            <a:schemeClr val="tx1">
-              <a:lumMod val="75000"/>
-              <a:lumOff val="25000"/>
-            </a:schemeClr>
+            <a:schemeClr val="tx2"/>
           </a:solidFill>
           <a:latin typeface="+mn-lt"/>
           <a:ea typeface="+mn-ea"/>
           <a:cs typeface="+mn-cs"/>
         </a:defRPr>
       </a:lvl1pPr>
-      <a:lvl2pPr marL="384048" indent="-182880" algn="l" defTabSz="914400" rtl="0" eaLnBrk="1" latinLnBrk="0" hangingPunct="1">
-        <a:lnSpc>
-          <a:spcPct val="90000"/>
-        </a:lnSpc>
+      <a:lvl2pPr marL="630000" indent="-306000" algn="l" defTabSz="457200" rtl="0" eaLnBrk="1" latinLnBrk="0" hangingPunct="1">
         <a:spcBef>
-          <a:spcPts val="200"/>
+          <a:spcPct val="20000"/>
         </a:spcBef>
         <a:spcAft>
-          <a:spcPts val="400"/>
+          <a:spcPts val="600"/>
         </a:spcAft>
         <a:buClr>
-          <a:schemeClr val="accent1"/>
+          <a:schemeClr val="accent2"/>
         </a:buClr>
-        <a:buFont typeface="Calibri" pitchFamily="34" charset="0"/>
-        <a:buChar char="◦"/>
-        <a:defRPr sz="1800" kern="1200">
+        <a:buSzPct val="92000"/>
+        <a:buFont typeface="Wingdings 2" panose="05020102010507070707" pitchFamily="18" charset="2"/>
+        <a:buChar char=""/>
+        <a:defRPr sz="1600" kern="1200">
           <a:solidFill>
-            <a:schemeClr val="tx1">
-              <a:lumMod val="75000"/>
-              <a:lumOff val="25000"/>
-            </a:schemeClr>
+            <a:schemeClr val="tx2"/>
           </a:solidFill>
           <a:latin typeface="+mn-lt"/>
           <a:ea typeface="+mn-ea"/>
           <a:cs typeface="+mn-cs"/>
         </a:defRPr>
       </a:lvl2pPr>
-      <a:lvl3pPr marL="566928" indent="-182880" algn="l" defTabSz="914400" rtl="0" eaLnBrk="1" latinLnBrk="0" hangingPunct="1">
-        <a:lnSpc>
-          <a:spcPct val="90000"/>
-        </a:lnSpc>
+      <a:lvl3pPr marL="900000" indent="-270000" algn="l" defTabSz="457200" rtl="0" eaLnBrk="1" latinLnBrk="0" hangingPunct="1">
         <a:spcBef>
-          <a:spcPts val="200"/>
+          <a:spcPct val="20000"/>
         </a:spcBef>
         <a:spcAft>
-          <a:spcPts val="400"/>
+          <a:spcPts val="600"/>
         </a:spcAft>
         <a:buClr>
-          <a:schemeClr val="accent1"/>
+          <a:schemeClr val="accent2"/>
         </a:buClr>
-        <a:buFont typeface="Calibri" pitchFamily="34" charset="0"/>
-        <a:buChar char="◦"/>
+        <a:buSzPct val="92000"/>
+        <a:buFont typeface="Wingdings 2" panose="05020102010507070707" pitchFamily="18" charset="2"/>
+        <a:buChar char=""/>
         <a:defRPr sz="1400" kern="1200">
           <a:solidFill>
-            <a:schemeClr val="tx1">
-              <a:lumMod val="75000"/>
-              <a:lumOff val="25000"/>
-            </a:schemeClr>
+            <a:schemeClr val="tx2"/>
           </a:solidFill>
           <a:latin typeface="+mn-lt"/>
           <a:ea typeface="+mn-ea"/>
           <a:cs typeface="+mn-cs"/>
         </a:defRPr>
       </a:lvl3pPr>
-      <a:lvl4pPr marL="749808" indent="-182880" algn="l" defTabSz="914400" rtl="0" eaLnBrk="1" latinLnBrk="0" hangingPunct="1">
-        <a:lnSpc>
-          <a:spcPct val="90000"/>
-        </a:lnSpc>
+      <a:lvl4pPr marL="1242000" indent="-234000" algn="l" defTabSz="457200" rtl="0" eaLnBrk="1" latinLnBrk="0" hangingPunct="1">
         <a:spcBef>
-          <a:spcPts val="200"/>
+          <a:spcPct val="20000"/>
         </a:spcBef>
         <a:spcAft>
-          <a:spcPts val="400"/>
+          <a:spcPts val="600"/>
         </a:spcAft>
         <a:buClr>
-          <a:schemeClr val="accent1"/>
+          <a:schemeClr val="accent2"/>
         </a:buClr>
-        <a:buFont typeface="Calibri" pitchFamily="34" charset="0"/>
-        <a:buChar char="◦"/>
-        <a:defRPr sz="1400" kern="1200">
+        <a:buSzPct val="92000"/>
+        <a:buFont typeface="Wingdings 2" panose="05020102010507070707" pitchFamily="18" charset="2"/>
+        <a:buChar char=""/>
+        <a:defRPr sz="1200" kern="1200">
           <a:solidFill>
-            <a:schemeClr val="tx1">
-              <a:lumMod val="75000"/>
-              <a:lumOff val="25000"/>
-            </a:schemeClr>
+            <a:schemeClr val="tx2"/>
           </a:solidFill>
           <a:latin typeface="+mn-lt"/>
           <a:ea typeface="+mn-ea"/>
           <a:cs typeface="+mn-cs"/>
         </a:defRPr>
       </a:lvl4pPr>
-      <a:lvl5pPr marL="932688" indent="-182880" algn="l" defTabSz="914400" rtl="0" eaLnBrk="1" latinLnBrk="0" hangingPunct="1">
-        <a:lnSpc>
-          <a:spcPct val="90000"/>
-        </a:lnSpc>
+      <a:lvl5pPr marL="1602000" indent="-234000" algn="l" defTabSz="457200" rtl="0" eaLnBrk="1" latinLnBrk="0" hangingPunct="1">
         <a:spcBef>
-          <a:spcPts val="200"/>
+          <a:spcPct val="20000"/>
         </a:spcBef>
         <a:spcAft>
-          <a:spcPts val="400"/>
+          <a:spcPts val="600"/>
         </a:spcAft>
         <a:buClr>
-          <a:schemeClr val="accent1"/>
+          <a:schemeClr val="accent2"/>
         </a:buClr>
-        <a:buFont typeface="Calibri" pitchFamily="34" charset="0"/>
-        <a:buChar char="◦"/>
-        <a:defRPr sz="1400" kern="1200">
+        <a:buSzPct val="92000"/>
+        <a:buFont typeface="Wingdings 2" panose="05020102010507070707" pitchFamily="18" charset="2"/>
+        <a:buChar char=""/>
+        <a:defRPr sz="1200" kern="1200">
           <a:solidFill>
-            <a:schemeClr val="tx1">
-              <a:lumMod val="75000"/>
-              <a:lumOff val="25000"/>
-            </a:schemeClr>
+            <a:schemeClr val="tx2"/>
           </a:solidFill>
           <a:latin typeface="+mn-lt"/>
           <a:ea typeface="+mn-ea"/>
           <a:cs typeface="+mn-cs"/>
         </a:defRPr>
       </a:lvl5pPr>
-      <a:lvl6pPr marL="1100000" indent="-228600" algn="l" defTabSz="914400" rtl="0" eaLnBrk="1" latinLnBrk="0" hangingPunct="1">
-        <a:lnSpc>
-          <a:spcPct val="90000"/>
-        </a:lnSpc>
+      <a:lvl6pPr marL="1900000" indent="-228600" algn="l" defTabSz="457200" rtl="0" eaLnBrk="1" latinLnBrk="0" hangingPunct="1">
         <a:spcBef>
-          <a:spcPts val="200"/>
+          <a:spcPct val="20000"/>
         </a:spcBef>
         <a:spcAft>
-          <a:spcPts val="400"/>
+          <a:spcPts val="600"/>
         </a:spcAft>
         <a:buClr>
-          <a:schemeClr val="accent1"/>
+          <a:schemeClr val="accent2"/>
         </a:buClr>
-        <a:buFont typeface="Calibri" pitchFamily="34" charset="0"/>
-        <a:buChar char="◦"/>
-        <a:defRPr sz="1400" kern="1200">
+        <a:buSzPct val="92000"/>
+        <a:buFont typeface="Wingdings 2" panose="05020102010507070707" pitchFamily="18" charset="2"/>
+        <a:buChar char=""/>
+        <a:defRPr sz="1200" kern="1200">
           <a:solidFill>
-            <a:schemeClr val="tx1">
-              <a:lumMod val="75000"/>
-              <a:lumOff val="25000"/>
-            </a:schemeClr>
+            <a:schemeClr val="tx2"/>
           </a:solidFill>
           <a:latin typeface="+mn-lt"/>
           <a:ea typeface="+mn-ea"/>
           <a:cs typeface="+mn-cs"/>
         </a:defRPr>
       </a:lvl6pPr>
-      <a:lvl7pPr marL="1300000" indent="-228600" algn="l" defTabSz="914400" rtl="0" eaLnBrk="1" latinLnBrk="0" hangingPunct="1">
-        <a:lnSpc>
-          <a:spcPct val="90000"/>
-        </a:lnSpc>
+      <a:lvl7pPr marL="2200000" indent="-228600" algn="l" defTabSz="457200" rtl="0" eaLnBrk="1" latinLnBrk="0" hangingPunct="1">
         <a:spcBef>
-          <a:spcPts val="200"/>
+          <a:spcPct val="20000"/>
         </a:spcBef>
         <a:spcAft>
-          <a:spcPts val="400"/>
+          <a:spcPts val="600"/>
         </a:spcAft>
         <a:buClr>
-          <a:schemeClr val="accent1"/>
+          <a:schemeClr val="accent2"/>
         </a:buClr>
-        <a:buFont typeface="Calibri" pitchFamily="34" charset="0"/>
-        <a:buChar char="◦"/>
-        <a:defRPr sz="1400" kern="1200">
+        <a:buSzPct val="92000"/>
+        <a:buFont typeface="Wingdings 2" panose="05020102010507070707" pitchFamily="18" charset="2"/>
+        <a:buChar char=""/>
+        <a:defRPr sz="1200" kern="1200">
           <a:solidFill>
-            <a:schemeClr val="tx1">
-              <a:lumMod val="75000"/>
-              <a:lumOff val="25000"/>
-            </a:schemeClr>
+            <a:schemeClr val="tx2"/>
           </a:solidFill>
           <a:latin typeface="+mn-lt"/>
           <a:ea typeface="+mn-ea"/>
           <a:cs typeface="+mn-cs"/>
         </a:defRPr>
       </a:lvl7pPr>
-      <a:lvl8pPr marL="1500000" indent="-228600" algn="l" defTabSz="914400" rtl="0" eaLnBrk="1" latinLnBrk="0" hangingPunct="1">
-        <a:lnSpc>
-          <a:spcPct val="90000"/>
-        </a:lnSpc>
+      <a:lvl8pPr marL="2500000" indent="-228600" algn="l" defTabSz="457200" rtl="0" eaLnBrk="1" latinLnBrk="0" hangingPunct="1">
         <a:spcBef>
-          <a:spcPts val="200"/>
+          <a:spcPct val="20000"/>
         </a:spcBef>
         <a:spcAft>
-          <a:spcPts val="400"/>
+          <a:spcPts val="600"/>
         </a:spcAft>
         <a:buClr>
-          <a:schemeClr val="accent1"/>
+          <a:schemeClr val="accent2"/>
         </a:buClr>
-        <a:buFont typeface="Calibri" pitchFamily="34" charset="0"/>
-        <a:buChar char="◦"/>
-        <a:defRPr sz="1400" kern="1200">
+        <a:buSzPct val="92000"/>
+        <a:buFont typeface="Wingdings 2" panose="05020102010507070707" pitchFamily="18" charset="2"/>
+        <a:buChar char=""/>
+        <a:defRPr sz="1200" kern="1200">
           <a:solidFill>
-            <a:schemeClr val="tx1">
-              <a:lumMod val="75000"/>
-              <a:lumOff val="25000"/>
-            </a:schemeClr>
+            <a:schemeClr val="tx2"/>
           </a:solidFill>
           <a:latin typeface="+mn-lt"/>
           <a:ea typeface="+mn-ea"/>
           <a:cs typeface="+mn-cs"/>
         </a:defRPr>
       </a:lvl8pPr>
-      <a:lvl9pPr marL="1700000" indent="-228600" algn="l" defTabSz="914400" rtl="0" eaLnBrk="1" latinLnBrk="0" hangingPunct="1">
-        <a:lnSpc>
-          <a:spcPct val="90000"/>
-        </a:lnSpc>
+      <a:lvl9pPr marL="2800000" indent="-228600" algn="l" defTabSz="457200" rtl="0" eaLnBrk="1" latinLnBrk="0" hangingPunct="1">
         <a:spcBef>
-          <a:spcPts val="200"/>
+          <a:spcPct val="20000"/>
         </a:spcBef>
         <a:spcAft>
-          <a:spcPts val="400"/>
+          <a:spcPts val="600"/>
         </a:spcAft>
         <a:buClr>
-          <a:schemeClr val="accent1"/>
+          <a:schemeClr val="accent2"/>
         </a:buClr>
-        <a:buFont typeface="Calibri" pitchFamily="34" charset="0"/>
-        <a:buChar char="◦"/>
-        <a:defRPr sz="1400" kern="1200">
+        <a:buSzPct val="92000"/>
+        <a:buFont typeface="Wingdings 2" panose="05020102010507070707" pitchFamily="18" charset="2"/>
+        <a:buChar char=""/>
+        <a:defRPr sz="1200" kern="1200">
           <a:solidFill>
-            <a:schemeClr val="tx1">
-              <a:lumMod val="75000"/>
-              <a:lumOff val="25000"/>
-            </a:schemeClr>
+            <a:schemeClr val="tx2"/>
           </a:solidFill>
           <a:latin typeface="+mn-lt"/>
           <a:ea typeface="+mn-ea"/>
@@ -6551,7 +7061,7 @@
       <a:defPPr>
         <a:defRPr lang="en-US"/>
       </a:defPPr>
-      <a:lvl1pPr marL="0" algn="l" defTabSz="914400" rtl="0" eaLnBrk="1" latinLnBrk="0" hangingPunct="1">
+      <a:lvl1pPr marL="0" algn="l" defTabSz="457200" rtl="0" eaLnBrk="1" latinLnBrk="0" hangingPunct="1">
         <a:defRPr sz="1800" kern="1200">
           <a:solidFill>
             <a:schemeClr val="tx1"/>
@@ -6561,7 +7071,7 @@
           <a:cs typeface="+mn-cs"/>
         </a:defRPr>
       </a:lvl1pPr>
-      <a:lvl2pPr marL="457200" algn="l" defTabSz="914400" rtl="0" eaLnBrk="1" latinLnBrk="0" hangingPunct="1">
+      <a:lvl2pPr marL="457200" algn="l" defTabSz="457200" rtl="0" eaLnBrk="1" latinLnBrk="0" hangingPunct="1">
         <a:defRPr sz="1800" kern="1200">
           <a:solidFill>
             <a:schemeClr val="tx1"/>
@@ -6571,7 +7081,7 @@
           <a:cs typeface="+mn-cs"/>
         </a:defRPr>
       </a:lvl2pPr>
-      <a:lvl3pPr marL="914400" algn="l" defTabSz="914400" rtl="0" eaLnBrk="1" latinLnBrk="0" hangingPunct="1">
+      <a:lvl3pPr marL="914400" algn="l" defTabSz="457200" rtl="0" eaLnBrk="1" latinLnBrk="0" hangingPunct="1">
         <a:defRPr sz="1800" kern="1200">
           <a:solidFill>
             <a:schemeClr val="tx1"/>
@@ -6581,7 +7091,7 @@
           <a:cs typeface="+mn-cs"/>
         </a:defRPr>
       </a:lvl3pPr>
-      <a:lvl4pPr marL="1371600" algn="l" defTabSz="914400" rtl="0" eaLnBrk="1" latinLnBrk="0" hangingPunct="1">
+      <a:lvl4pPr marL="1371600" algn="l" defTabSz="457200" rtl="0" eaLnBrk="1" latinLnBrk="0" hangingPunct="1">
         <a:defRPr sz="1800" kern="1200">
           <a:solidFill>
             <a:schemeClr val="tx1"/>
@@ -6591,7 +7101,7 @@
           <a:cs typeface="+mn-cs"/>
         </a:defRPr>
       </a:lvl4pPr>
-      <a:lvl5pPr marL="1828800" algn="l" defTabSz="914400" rtl="0" eaLnBrk="1" latinLnBrk="0" hangingPunct="1">
+      <a:lvl5pPr marL="1828800" algn="l" defTabSz="457200" rtl="0" eaLnBrk="1" latinLnBrk="0" hangingPunct="1">
         <a:defRPr sz="1800" kern="1200">
           <a:solidFill>
             <a:schemeClr val="tx1"/>
@@ -6601,7 +7111,7 @@
           <a:cs typeface="+mn-cs"/>
         </a:defRPr>
       </a:lvl5pPr>
-      <a:lvl6pPr marL="2286000" algn="l" defTabSz="914400" rtl="0" eaLnBrk="1" latinLnBrk="0" hangingPunct="1">
+      <a:lvl6pPr marL="2286000" algn="l" defTabSz="457200" rtl="0" eaLnBrk="1" latinLnBrk="0" hangingPunct="1">
         <a:defRPr sz="1800" kern="1200">
           <a:solidFill>
             <a:schemeClr val="tx1"/>
@@ -6611,7 +7121,7 @@
           <a:cs typeface="+mn-cs"/>
         </a:defRPr>
       </a:lvl6pPr>
-      <a:lvl7pPr marL="2743200" algn="l" defTabSz="914400" rtl="0" eaLnBrk="1" latinLnBrk="0" hangingPunct="1">
+      <a:lvl7pPr marL="2743200" algn="l" defTabSz="457200" rtl="0" eaLnBrk="1" latinLnBrk="0" hangingPunct="1">
         <a:defRPr sz="1800" kern="1200">
           <a:solidFill>
             <a:schemeClr val="tx1"/>
@@ -6621,7 +7131,7 @@
           <a:cs typeface="+mn-cs"/>
         </a:defRPr>
       </a:lvl7pPr>
-      <a:lvl8pPr marL="3200400" algn="l" defTabSz="914400" rtl="0" eaLnBrk="1" latinLnBrk="0" hangingPunct="1">
+      <a:lvl8pPr marL="3200400" algn="l" defTabSz="457200" rtl="0" eaLnBrk="1" latinLnBrk="0" hangingPunct="1">
         <a:defRPr sz="1800" kern="1200">
           <a:solidFill>
             <a:schemeClr val="tx1"/>
@@ -6631,7 +7141,7 @@
           <a:cs typeface="+mn-cs"/>
         </a:defRPr>
       </a:lvl8pPr>
-      <a:lvl9pPr marL="3657600" algn="l" defTabSz="914400" rtl="0" eaLnBrk="1" latinLnBrk="0" hangingPunct="1">
+      <a:lvl9pPr marL="3657600" algn="l" defTabSz="457200" rtl="0" eaLnBrk="1" latinLnBrk="0" hangingPunct="1">
         <a:defRPr sz="1800" kern="1200">
           <a:solidFill>
             <a:schemeClr val="tx1"/>
@@ -6675,18 +7185,19 @@
         </p:nvSpPr>
         <p:spPr/>
         <p:txBody>
-          <a:bodyPr/>
-          <a:lstStyle/>
-          <a:p>
-            <a:r>
-              <a:rPr lang="pl-PL" dirty="0" err="1" smtClean="0"/>
+          <a:bodyPr>
+            <a:normAutofit/>
+          </a:bodyPr>
+          <a:lstStyle/>
+          <a:p>
+            <a:r>
+              <a:rPr lang="pl-PL" sz="5400" dirty="0" err="1"/>
               <a:t>Classification</a:t>
             </a:r>
             <a:r>
-              <a:rPr lang="pl-PL" dirty="0" smtClean="0"/>
+              <a:rPr lang="pl-PL" sz="5400" dirty="0"/>
               <a:t> Advanced</a:t>
             </a:r>
-            <a:endParaRPr lang="pl-PL" dirty="0"/>
           </a:p>
         </p:txBody>
       </p:sp>
@@ -6702,20 +7213,22 @@
         </p:nvSpPr>
         <p:spPr/>
         <p:txBody>
-          <a:bodyPr/>
-          <a:lstStyle/>
-          <a:p>
-            <a:r>
-              <a:rPr lang="pl-PL" sz="3600" dirty="0" err="1" smtClean="0"/>
+          <a:bodyPr>
+            <a:normAutofit lnSpcReduction="10000"/>
+          </a:bodyPr>
+          <a:lstStyle/>
+          <a:p>
+            <a:r>
+              <a:rPr lang="pl-PL" sz="3600" dirty="0" err="1"/>
               <a:t>Decision</a:t>
             </a:r>
             <a:r>
-              <a:rPr lang="pl-PL" sz="3600" dirty="0" smtClean="0"/>
+              <a:rPr lang="pl-PL" sz="3600" dirty="0"/>
               <a:t> </a:t>
             </a:r>
             <a:r>
-              <a:rPr lang="pl-PL" sz="3600" dirty="0" err="1" smtClean="0"/>
-              <a:t>Tree</a:t>
+              <a:rPr lang="pl-PL" sz="3600" dirty="0" err="1"/>
+              <a:t>Trees</a:t>
             </a:r>
             <a:endParaRPr lang="pl-PL" dirty="0"/>
           </a:p>
@@ -6729,7 +7242,7 @@
         </p:nvSpPr>
         <p:spPr>
           <a:xfrm>
-            <a:off x="8460509" y="5941567"/>
+            <a:off x="8460509" y="6488668"/>
             <a:ext cx="3870038" cy="369332"/>
           </a:xfrm>
           <a:prstGeom prst="rect">
@@ -6744,10 +7257,32 @@
           <a:lstStyle/>
           <a:p>
             <a:r>
-              <a:rPr lang="pl-PL" dirty="0" smtClean="0"/>
-              <a:t>Mikołaj Nawojowski, Wojciech Nowak</a:t>
-            </a:r>
-            <a:endParaRPr lang="pl-PL" dirty="0"/>
+              <a:rPr lang="pl-PL" dirty="0"/>
+              <a:t>Mikołaj Nawojowski,  Wojciech Nowak</a:t>
+            </a:r>
+          </a:p>
+        </p:txBody>
+      </p:sp>
+      <p:sp>
+        <p:nvSpPr>
+          <p:cNvPr id="5" name="Symbol zastępczy numeru slajdu 4"/>
+          <p:cNvSpPr>
+            <a:spLocks noGrp="1"/>
+          </p:cNvSpPr>
+          <p:nvPr>
+            <p:ph type="sldNum" sz="quarter" idx="12"/>
+          </p:nvPr>
+        </p:nvSpPr>
+        <p:spPr/>
+        <p:txBody>
+          <a:bodyPr/>
+          <a:lstStyle/>
+          <a:p>
+            <a:fld id="{874E87A6-7FFA-47D1-8277-D8AB08C63F72}" type="slidenum">
+              <a:rPr lang="pl-PL" smtClean="0"/>
+              <a:t>1</a:t>
+            </a:fld>
+            <a:endParaRPr lang="pl-PL"/>
           </a:p>
         </p:txBody>
       </p:sp>
@@ -6761,13 +7296,870 @@
   <p:clrMapOvr>
     <a:masterClrMapping/>
   </p:clrMapOvr>
-  <p:timing>
-    <p:tnLst>
-      <p:par>
-        <p:cTn id="1" dur="indefinite" restart="never" nodeType="tmRoot"/>
-      </p:par>
-    </p:tnLst>
-  </p:timing>
+</p:sld>
+</file>
+
+<file path=ppt/slides/slide2.xml><?xml version="1.0" encoding="utf-8"?>
+<p:sld xmlns:a="http://schemas.openxmlformats.org/drawingml/2006/main" xmlns:r="http://schemas.openxmlformats.org/officeDocument/2006/relationships" xmlns:p="http://schemas.openxmlformats.org/presentationml/2006/main">
+  <p:cSld>
+    <p:spTree>
+      <p:nvGrpSpPr>
+        <p:cNvPr id="1" name=""/>
+        <p:cNvGrpSpPr/>
+        <p:nvPr/>
+      </p:nvGrpSpPr>
+      <p:grpSpPr>
+        <a:xfrm>
+          <a:off x="0" y="0"/>
+          <a:ext cx="0" cy="0"/>
+          <a:chOff x="0" y="0"/>
+          <a:chExt cx="0" cy="0"/>
+        </a:xfrm>
+      </p:grpSpPr>
+      <p:sp>
+        <p:nvSpPr>
+          <p:cNvPr id="2" name="Tytuł 1"/>
+          <p:cNvSpPr>
+            <a:spLocks noGrp="1"/>
+          </p:cNvSpPr>
+          <p:nvPr>
+            <p:ph type="title"/>
+          </p:nvPr>
+        </p:nvSpPr>
+        <p:spPr/>
+        <p:txBody>
+          <a:bodyPr anchor="ctr">
+            <a:normAutofit/>
+          </a:bodyPr>
+          <a:lstStyle/>
+          <a:p>
+            <a:pPr algn="ctr"/>
+            <a:r>
+              <a:rPr lang="pl-PL" sz="3200" dirty="0"/>
+              <a:t>AGENDA</a:t>
+            </a:r>
+            <a:endParaRPr lang="pl-PL" sz="3600" dirty="0"/>
+          </a:p>
+        </p:txBody>
+      </p:sp>
+      <p:sp>
+        <p:nvSpPr>
+          <p:cNvPr id="3" name="Symbol zastępczy zawartości 2"/>
+          <p:cNvSpPr>
+            <a:spLocks noGrp="1"/>
+          </p:cNvSpPr>
+          <p:nvPr>
+            <p:ph idx="1"/>
+          </p:nvPr>
+        </p:nvSpPr>
+        <p:spPr/>
+        <p:txBody>
+          <a:bodyPr>
+            <a:normAutofit/>
+          </a:bodyPr>
+          <a:lstStyle/>
+          <a:p>
+            <a:r>
+              <a:rPr lang="pl-PL" sz="2800" dirty="0" err="1"/>
+              <a:t>Decision</a:t>
+            </a:r>
+            <a:r>
+              <a:rPr lang="pl-PL" sz="2800" dirty="0"/>
+              <a:t> </a:t>
+            </a:r>
+            <a:r>
+              <a:rPr lang="pl-PL" sz="2800" dirty="0" err="1"/>
+              <a:t>Trees</a:t>
+            </a:r>
+            <a:r>
+              <a:rPr lang="pl-PL" sz="2800" dirty="0"/>
+              <a:t> </a:t>
+            </a:r>
+            <a:r>
+              <a:rPr lang="pl-PL" sz="2800" dirty="0" err="1"/>
+              <a:t>introduction</a:t>
+            </a:r>
+            <a:r>
+              <a:rPr lang="pl-PL" sz="2800" dirty="0"/>
+              <a:t> with a draft of </a:t>
+            </a:r>
+            <a:r>
+              <a:rPr lang="pl-PL" sz="2800" dirty="0" err="1"/>
+              <a:t>used</a:t>
+            </a:r>
+            <a:r>
+              <a:rPr lang="pl-PL" sz="2800" dirty="0"/>
+              <a:t> </a:t>
+            </a:r>
+            <a:r>
+              <a:rPr lang="pl-PL" sz="2800" dirty="0" err="1"/>
+              <a:t>example</a:t>
+            </a:r>
+            <a:endParaRPr lang="pl-PL" sz="2800" dirty="0"/>
+          </a:p>
+          <a:p>
+            <a:r>
+              <a:rPr lang="pl-PL" sz="2800" dirty="0" err="1"/>
+              <a:t>Assigment</a:t>
+            </a:r>
+            <a:r>
+              <a:rPr lang="pl-PL" sz="2800" dirty="0"/>
+              <a:t>: </a:t>
+            </a:r>
+            <a:r>
+              <a:rPr lang="pl-PL" sz="2800" dirty="0" err="1"/>
+              <a:t>Identyfing</a:t>
+            </a:r>
+            <a:r>
+              <a:rPr lang="pl-PL" sz="2800" dirty="0"/>
+              <a:t> </a:t>
+            </a:r>
+            <a:r>
+              <a:rPr lang="pl-PL" sz="2800" dirty="0" err="1"/>
+              <a:t>safe</a:t>
+            </a:r>
+            <a:r>
+              <a:rPr lang="pl-PL" sz="2800" dirty="0"/>
+              <a:t> </a:t>
+            </a:r>
+            <a:r>
+              <a:rPr lang="pl-PL" sz="2800" dirty="0" err="1"/>
+              <a:t>loans</a:t>
+            </a:r>
+            <a:r>
+              <a:rPr lang="pl-PL" sz="2800" dirty="0"/>
+              <a:t> with </a:t>
+            </a:r>
+            <a:r>
+              <a:rPr lang="pl-PL" sz="2800" dirty="0" err="1"/>
+              <a:t>decision</a:t>
+            </a:r>
+            <a:r>
+              <a:rPr lang="pl-PL" sz="2800" dirty="0"/>
+              <a:t> </a:t>
+            </a:r>
+            <a:r>
+              <a:rPr lang="pl-PL" sz="2800" dirty="0" err="1"/>
+              <a:t>trees</a:t>
+            </a:r>
+            <a:endParaRPr lang="pl-PL" sz="2800" dirty="0"/>
+          </a:p>
+          <a:p>
+            <a:r>
+              <a:rPr lang="pl-PL" sz="2800" dirty="0" err="1"/>
+              <a:t>Binary</a:t>
+            </a:r>
+            <a:r>
+              <a:rPr lang="pl-PL" sz="2800" dirty="0"/>
+              <a:t> </a:t>
+            </a:r>
+            <a:r>
+              <a:rPr lang="pl-PL" sz="2800" dirty="0" err="1"/>
+              <a:t>Decision</a:t>
+            </a:r>
+            <a:r>
+              <a:rPr lang="pl-PL" sz="2800" dirty="0"/>
+              <a:t> </a:t>
+            </a:r>
+            <a:r>
+              <a:rPr lang="pl-PL" sz="2800" dirty="0" err="1"/>
+              <a:t>Trees</a:t>
+            </a:r>
+            <a:r>
+              <a:rPr lang="pl-PL" sz="2800" dirty="0"/>
+              <a:t> </a:t>
+            </a:r>
+            <a:r>
+              <a:rPr lang="pl-PL" sz="2800" dirty="0" err="1"/>
+              <a:t>introduction</a:t>
+            </a:r>
+            <a:endParaRPr lang="pl-PL" sz="2800" dirty="0"/>
+          </a:p>
+          <a:p>
+            <a:r>
+              <a:rPr lang="pl-PL" sz="2800" dirty="0" err="1"/>
+              <a:t>Assignment</a:t>
+            </a:r>
+            <a:r>
+              <a:rPr lang="pl-PL" sz="2800" dirty="0"/>
+              <a:t>: </a:t>
+            </a:r>
+            <a:r>
+              <a:rPr lang="pl-PL" sz="2800" dirty="0" err="1"/>
+              <a:t>Implementing</a:t>
+            </a:r>
+            <a:r>
+              <a:rPr lang="pl-PL" sz="2800" dirty="0"/>
+              <a:t> </a:t>
+            </a:r>
+            <a:r>
+              <a:rPr lang="pl-PL" sz="2800" dirty="0" err="1"/>
+              <a:t>binary</a:t>
+            </a:r>
+            <a:r>
+              <a:rPr lang="pl-PL" sz="2800" dirty="0"/>
+              <a:t> </a:t>
+            </a:r>
+            <a:r>
+              <a:rPr lang="pl-PL" sz="2800" dirty="0" err="1"/>
+              <a:t>decision</a:t>
+            </a:r>
+            <a:r>
+              <a:rPr lang="pl-PL" sz="2800" dirty="0"/>
+              <a:t> </a:t>
+            </a:r>
+            <a:r>
+              <a:rPr lang="pl-PL" sz="2800" dirty="0" err="1"/>
+              <a:t>trees</a:t>
+            </a:r>
+            <a:endParaRPr lang="pl-PL" sz="2800" dirty="0"/>
+          </a:p>
+        </p:txBody>
+      </p:sp>
+      <p:sp>
+        <p:nvSpPr>
+          <p:cNvPr id="4" name="Symbol zastępczy numeru slajdu 3"/>
+          <p:cNvSpPr>
+            <a:spLocks noGrp="1"/>
+          </p:cNvSpPr>
+          <p:nvPr>
+            <p:ph type="sldNum" sz="quarter" idx="12"/>
+          </p:nvPr>
+        </p:nvSpPr>
+        <p:spPr/>
+        <p:txBody>
+          <a:bodyPr/>
+          <a:lstStyle/>
+          <a:p>
+            <a:fld id="{874E87A6-7FFA-47D1-8277-D8AB08C63F72}" type="slidenum">
+              <a:rPr lang="pl-PL" smtClean="0"/>
+              <a:t>2</a:t>
+            </a:fld>
+            <a:endParaRPr lang="pl-PL"/>
+          </a:p>
+        </p:txBody>
+      </p:sp>
+    </p:spTree>
+    <p:extLst>
+      <p:ext uri="{BB962C8B-B14F-4D97-AF65-F5344CB8AC3E}">
+        <p14:creationId xmlns:p14="http://schemas.microsoft.com/office/powerpoint/2010/main" val="3578976511"/>
+      </p:ext>
+    </p:extLst>
+  </p:cSld>
+  <p:clrMapOvr>
+    <a:masterClrMapping/>
+  </p:clrMapOvr>
+</p:sld>
+</file>
+
+<file path=ppt/slides/slide3.xml><?xml version="1.0" encoding="utf-8"?>
+<p:sld xmlns:a="http://schemas.openxmlformats.org/drawingml/2006/main" xmlns:r="http://schemas.openxmlformats.org/officeDocument/2006/relationships" xmlns:p="http://schemas.openxmlformats.org/presentationml/2006/main">
+  <p:cSld>
+    <p:spTree>
+      <p:nvGrpSpPr>
+        <p:cNvPr id="1" name=""/>
+        <p:cNvGrpSpPr/>
+        <p:nvPr/>
+      </p:nvGrpSpPr>
+      <p:grpSpPr>
+        <a:xfrm>
+          <a:off x="0" y="0"/>
+          <a:ext cx="0" cy="0"/>
+          <a:chOff x="0" y="0"/>
+          <a:chExt cx="0" cy="0"/>
+        </a:xfrm>
+      </p:grpSpPr>
+      <p:sp>
+        <p:nvSpPr>
+          <p:cNvPr id="2" name="Tytuł 1"/>
+          <p:cNvSpPr>
+            <a:spLocks noGrp="1"/>
+          </p:cNvSpPr>
+          <p:nvPr>
+            <p:ph type="title"/>
+          </p:nvPr>
+        </p:nvSpPr>
+        <p:spPr/>
+        <p:txBody>
+          <a:bodyPr anchor="ctr">
+            <a:normAutofit/>
+          </a:bodyPr>
+          <a:lstStyle/>
+          <a:p>
+            <a:pPr algn="ctr"/>
+            <a:r>
+              <a:rPr lang="pl-PL" sz="3200" dirty="0" err="1"/>
+              <a:t>used</a:t>
+            </a:r>
+            <a:r>
+              <a:rPr lang="pl-PL" sz="3200" dirty="0"/>
+              <a:t> </a:t>
+            </a:r>
+            <a:r>
+              <a:rPr lang="pl-PL" sz="3200" dirty="0" err="1"/>
+              <a:t>example</a:t>
+            </a:r>
+            <a:endParaRPr lang="pl-PL" sz="3200" dirty="0"/>
+          </a:p>
+        </p:txBody>
+      </p:sp>
+      <p:pic>
+        <p:nvPicPr>
+          <p:cNvPr id="4" name="Symbol zastępczy zawartości 3"/>
+          <p:cNvPicPr>
+            <a:picLocks noGrp="1" noChangeAspect="1"/>
+          </p:cNvPicPr>
+          <p:nvPr>
+            <p:ph idx="1"/>
+          </p:nvPr>
+        </p:nvPicPr>
+        <p:blipFill>
+          <a:blip r:embed="rId3"/>
+          <a:stretch>
+            <a:fillRect/>
+          </a:stretch>
+        </p:blipFill>
+        <p:spPr>
+          <a:xfrm>
+            <a:off x="1676400" y="2253456"/>
+            <a:ext cx="8839200" cy="3533775"/>
+          </a:xfrm>
+          <a:prstGeom prst="rect">
+            <a:avLst/>
+          </a:prstGeom>
+        </p:spPr>
+      </p:pic>
+      <p:sp>
+        <p:nvSpPr>
+          <p:cNvPr id="5" name="Symbol zastępczy numeru slajdu 4"/>
+          <p:cNvSpPr>
+            <a:spLocks noGrp="1"/>
+          </p:cNvSpPr>
+          <p:nvPr>
+            <p:ph type="sldNum" sz="quarter" idx="12"/>
+          </p:nvPr>
+        </p:nvSpPr>
+        <p:spPr/>
+        <p:txBody>
+          <a:bodyPr/>
+          <a:lstStyle/>
+          <a:p>
+            <a:fld id="{874E87A6-7FFA-47D1-8277-D8AB08C63F72}" type="slidenum">
+              <a:rPr lang="pl-PL" smtClean="0"/>
+              <a:t>3</a:t>
+            </a:fld>
+            <a:endParaRPr lang="pl-PL"/>
+          </a:p>
+        </p:txBody>
+      </p:sp>
+    </p:spTree>
+    <p:extLst>
+      <p:ext uri="{BB962C8B-B14F-4D97-AF65-F5344CB8AC3E}">
+        <p14:creationId xmlns:p14="http://schemas.microsoft.com/office/powerpoint/2010/main" val="3668727941"/>
+      </p:ext>
+    </p:extLst>
+  </p:cSld>
+  <p:clrMapOvr>
+    <a:masterClrMapping/>
+  </p:clrMapOvr>
+</p:sld>
+</file>
+
+<file path=ppt/slides/slide4.xml><?xml version="1.0" encoding="utf-8"?>
+<p:sld xmlns:a="http://schemas.openxmlformats.org/drawingml/2006/main" xmlns:r="http://schemas.openxmlformats.org/officeDocument/2006/relationships" xmlns:p="http://schemas.openxmlformats.org/presentationml/2006/main">
+  <p:cSld>
+    <p:spTree>
+      <p:nvGrpSpPr>
+        <p:cNvPr id="1" name=""/>
+        <p:cNvGrpSpPr/>
+        <p:nvPr/>
+      </p:nvGrpSpPr>
+      <p:grpSpPr>
+        <a:xfrm>
+          <a:off x="0" y="0"/>
+          <a:ext cx="0" cy="0"/>
+          <a:chOff x="0" y="0"/>
+          <a:chExt cx="0" cy="0"/>
+        </a:xfrm>
+      </p:grpSpPr>
+      <p:sp>
+        <p:nvSpPr>
+          <p:cNvPr id="2" name="Tytuł 1"/>
+          <p:cNvSpPr>
+            <a:spLocks noGrp="1"/>
+          </p:cNvSpPr>
+          <p:nvPr>
+            <p:ph type="title"/>
+          </p:nvPr>
+        </p:nvSpPr>
+        <p:spPr/>
+        <p:txBody>
+          <a:bodyPr anchor="ctr">
+            <a:normAutofit/>
+          </a:bodyPr>
+          <a:lstStyle/>
+          <a:p>
+            <a:pPr algn="ctr"/>
+            <a:r>
+              <a:rPr lang="pl-PL" sz="3200" dirty="0" err="1"/>
+              <a:t>Decision</a:t>
+            </a:r>
+            <a:r>
+              <a:rPr lang="pl-PL" sz="3200" dirty="0"/>
+              <a:t> </a:t>
+            </a:r>
+            <a:r>
+              <a:rPr lang="pl-PL" sz="3200" dirty="0" err="1"/>
+              <a:t>tree</a:t>
+            </a:r>
+            <a:endParaRPr lang="pl-PL" sz="3200" dirty="0"/>
+          </a:p>
+        </p:txBody>
+      </p:sp>
+      <p:pic>
+        <p:nvPicPr>
+          <p:cNvPr id="4" name="Symbol zastępczy zawartości 3"/>
+          <p:cNvPicPr>
+            <a:picLocks noGrp="1" noChangeAspect="1"/>
+          </p:cNvPicPr>
+          <p:nvPr>
+            <p:ph idx="1"/>
+          </p:nvPr>
+        </p:nvPicPr>
+        <p:blipFill>
+          <a:blip r:embed="rId2"/>
+          <a:stretch>
+            <a:fillRect/>
+          </a:stretch>
+        </p:blipFill>
+        <p:spPr>
+          <a:xfrm>
+            <a:off x="2208864" y="2181225"/>
+            <a:ext cx="7774271" cy="3678238"/>
+          </a:xfrm>
+          <a:prstGeom prst="rect">
+            <a:avLst/>
+          </a:prstGeom>
+        </p:spPr>
+      </p:pic>
+      <p:sp>
+        <p:nvSpPr>
+          <p:cNvPr id="5" name="Symbol zastępczy numeru slajdu 4"/>
+          <p:cNvSpPr>
+            <a:spLocks noGrp="1"/>
+          </p:cNvSpPr>
+          <p:nvPr>
+            <p:ph type="sldNum" sz="quarter" idx="12"/>
+          </p:nvPr>
+        </p:nvSpPr>
+        <p:spPr/>
+        <p:txBody>
+          <a:bodyPr/>
+          <a:lstStyle/>
+          <a:p>
+            <a:fld id="{874E87A6-7FFA-47D1-8277-D8AB08C63F72}" type="slidenum">
+              <a:rPr lang="pl-PL" smtClean="0"/>
+              <a:t>4</a:t>
+            </a:fld>
+            <a:endParaRPr lang="pl-PL"/>
+          </a:p>
+        </p:txBody>
+      </p:sp>
+    </p:spTree>
+    <p:extLst>
+      <p:ext uri="{BB962C8B-B14F-4D97-AF65-F5344CB8AC3E}">
+        <p14:creationId xmlns:p14="http://schemas.microsoft.com/office/powerpoint/2010/main" val="3014878149"/>
+      </p:ext>
+    </p:extLst>
+  </p:cSld>
+  <p:clrMapOvr>
+    <a:masterClrMapping/>
+  </p:clrMapOvr>
+</p:sld>
+</file>
+
+<file path=ppt/slides/slide5.xml><?xml version="1.0" encoding="utf-8"?>
+<p:sld xmlns:a="http://schemas.openxmlformats.org/drawingml/2006/main" xmlns:r="http://schemas.openxmlformats.org/officeDocument/2006/relationships" xmlns:p="http://schemas.openxmlformats.org/presentationml/2006/main">
+  <p:cSld>
+    <p:spTree>
+      <p:nvGrpSpPr>
+        <p:cNvPr id="1" name=""/>
+        <p:cNvGrpSpPr/>
+        <p:nvPr/>
+      </p:nvGrpSpPr>
+      <p:grpSpPr>
+        <a:xfrm>
+          <a:off x="0" y="0"/>
+          <a:ext cx="0" cy="0"/>
+          <a:chOff x="0" y="0"/>
+          <a:chExt cx="0" cy="0"/>
+        </a:xfrm>
+      </p:grpSpPr>
+      <p:sp>
+        <p:nvSpPr>
+          <p:cNvPr id="2" name="Tytuł 1"/>
+          <p:cNvSpPr>
+            <a:spLocks noGrp="1"/>
+          </p:cNvSpPr>
+          <p:nvPr>
+            <p:ph type="title"/>
+          </p:nvPr>
+        </p:nvSpPr>
+        <p:spPr/>
+        <p:txBody>
+          <a:bodyPr anchor="ctr"/>
+          <a:lstStyle/>
+          <a:p>
+            <a:pPr algn="ctr"/>
+            <a:r>
+              <a:rPr lang="pl-PL" sz="3200" dirty="0" err="1"/>
+              <a:t>greedy</a:t>
+            </a:r>
+            <a:r>
+              <a:rPr lang="pl-PL" sz="3200" dirty="0"/>
+              <a:t> </a:t>
+            </a:r>
+            <a:r>
+              <a:rPr lang="pl-PL" sz="3200" dirty="0" err="1"/>
+              <a:t>decision</a:t>
+            </a:r>
+            <a:r>
+              <a:rPr lang="pl-PL" sz="3200" dirty="0"/>
+              <a:t> </a:t>
+            </a:r>
+            <a:r>
+              <a:rPr lang="pl-PL" sz="3200" dirty="0" err="1"/>
+              <a:t>tree</a:t>
+            </a:r>
+            <a:r>
+              <a:rPr lang="pl-PL" sz="3200" dirty="0"/>
+              <a:t> learning</a:t>
+            </a:r>
+            <a:endParaRPr lang="pl-PL" dirty="0"/>
+          </a:p>
+        </p:txBody>
+      </p:sp>
+      <p:pic>
+        <p:nvPicPr>
+          <p:cNvPr id="4" name="Symbol zastępczy zawartości 3"/>
+          <p:cNvPicPr>
+            <a:picLocks noGrp="1" noChangeAspect="1"/>
+          </p:cNvPicPr>
+          <p:nvPr>
+            <p:ph idx="1"/>
+          </p:nvPr>
+        </p:nvPicPr>
+        <p:blipFill>
+          <a:blip r:embed="rId2"/>
+          <a:stretch>
+            <a:fillRect/>
+          </a:stretch>
+        </p:blipFill>
+        <p:spPr>
+          <a:xfrm>
+            <a:off x="1715009" y="2181225"/>
+            <a:ext cx="8761981" cy="3678238"/>
+          </a:xfrm>
+          <a:prstGeom prst="rect">
+            <a:avLst/>
+          </a:prstGeom>
+        </p:spPr>
+      </p:pic>
+      <p:sp>
+        <p:nvSpPr>
+          <p:cNvPr id="5" name="Symbol zastępczy numeru slajdu 4"/>
+          <p:cNvSpPr>
+            <a:spLocks noGrp="1"/>
+          </p:cNvSpPr>
+          <p:nvPr>
+            <p:ph type="sldNum" sz="quarter" idx="12"/>
+          </p:nvPr>
+        </p:nvSpPr>
+        <p:spPr/>
+        <p:txBody>
+          <a:bodyPr/>
+          <a:lstStyle/>
+          <a:p>
+            <a:fld id="{874E87A6-7FFA-47D1-8277-D8AB08C63F72}" type="slidenum">
+              <a:rPr lang="pl-PL" smtClean="0"/>
+              <a:t>5</a:t>
+            </a:fld>
+            <a:endParaRPr lang="pl-PL"/>
+          </a:p>
+        </p:txBody>
+      </p:sp>
+    </p:spTree>
+    <p:extLst>
+      <p:ext uri="{BB962C8B-B14F-4D97-AF65-F5344CB8AC3E}">
+        <p14:creationId xmlns:p14="http://schemas.microsoft.com/office/powerpoint/2010/main" val="984254915"/>
+      </p:ext>
+    </p:extLst>
+  </p:cSld>
+  <p:clrMapOvr>
+    <a:masterClrMapping/>
+  </p:clrMapOvr>
+</p:sld>
+</file>
+
+<file path=ppt/slides/slide6.xml><?xml version="1.0" encoding="utf-8"?>
+<p:sld xmlns:a="http://schemas.openxmlformats.org/drawingml/2006/main" xmlns:r="http://schemas.openxmlformats.org/officeDocument/2006/relationships" xmlns:p="http://schemas.openxmlformats.org/presentationml/2006/main">
+  <p:cSld>
+    <p:spTree>
+      <p:nvGrpSpPr>
+        <p:cNvPr id="1" name=""/>
+        <p:cNvGrpSpPr/>
+        <p:nvPr/>
+      </p:nvGrpSpPr>
+      <p:grpSpPr>
+        <a:xfrm>
+          <a:off x="0" y="0"/>
+          <a:ext cx="0" cy="0"/>
+          <a:chOff x="0" y="0"/>
+          <a:chExt cx="0" cy="0"/>
+        </a:xfrm>
+      </p:grpSpPr>
+      <p:sp>
+        <p:nvSpPr>
+          <p:cNvPr id="2" name="Tytuł 1"/>
+          <p:cNvSpPr>
+            <a:spLocks noGrp="1"/>
+          </p:cNvSpPr>
+          <p:nvPr>
+            <p:ph type="title"/>
+          </p:nvPr>
+        </p:nvSpPr>
+        <p:spPr/>
+        <p:txBody>
+          <a:bodyPr anchor="ctr"/>
+          <a:lstStyle/>
+          <a:p>
+            <a:pPr algn="ctr"/>
+            <a:r>
+              <a:rPr lang="pl-PL" sz="3200" dirty="0" err="1"/>
+              <a:t>Sources</a:t>
+            </a:r>
+            <a:endParaRPr lang="pl-PL" dirty="0"/>
+          </a:p>
+        </p:txBody>
+      </p:sp>
+      <p:sp>
+        <p:nvSpPr>
+          <p:cNvPr id="3" name="Symbol zastępczy zawartości 2"/>
+          <p:cNvSpPr>
+            <a:spLocks noGrp="1"/>
+          </p:cNvSpPr>
+          <p:nvPr>
+            <p:ph idx="1"/>
+          </p:nvPr>
+        </p:nvSpPr>
+        <p:spPr/>
+        <p:txBody>
+          <a:bodyPr anchor="ctr"/>
+          <a:lstStyle/>
+          <a:p>
+            <a:r>
+              <a:rPr lang="pl-PL" dirty="0"/>
+              <a:t>Coursera Course: </a:t>
+            </a:r>
+            <a:r>
+              <a:rPr lang="en-US" dirty="0"/>
+              <a:t>Machine Learning: Classification</a:t>
+            </a:r>
+            <a:r>
+              <a:rPr lang="pl-PL" dirty="0"/>
+              <a:t>: </a:t>
+            </a:r>
+            <a:r>
+              <a:rPr lang="pl-PL" dirty="0" err="1"/>
+              <a:t>week</a:t>
+            </a:r>
+            <a:r>
+              <a:rPr lang="pl-PL" dirty="0"/>
+              <a:t> 3 </a:t>
+            </a:r>
+            <a:r>
+              <a:rPr lang="pl-PL" dirty="0" err="1"/>
+              <a:t>Decision</a:t>
+            </a:r>
+            <a:r>
+              <a:rPr lang="pl-PL" dirty="0"/>
+              <a:t> </a:t>
+            </a:r>
+            <a:r>
+              <a:rPr lang="pl-PL" dirty="0" err="1"/>
+              <a:t>Trees</a:t>
+            </a:r>
+            <a:r>
+              <a:rPr lang="pl-PL" dirty="0"/>
+              <a:t> module </a:t>
+            </a:r>
+            <a:r>
+              <a:rPr lang="en-US" dirty="0"/>
+              <a:t>by University of Washington</a:t>
+            </a:r>
+            <a:r>
+              <a:rPr lang="pl-PL" dirty="0"/>
+              <a:t> (</a:t>
+            </a:r>
+            <a:r>
+              <a:rPr lang="pl-PL" dirty="0" err="1"/>
+              <a:t>Emily</a:t>
+            </a:r>
+            <a:r>
+              <a:rPr lang="pl-PL" dirty="0"/>
+              <a:t> Fox. Carlos </a:t>
+            </a:r>
+            <a:r>
+              <a:rPr lang="pl-PL" dirty="0" err="1"/>
+              <a:t>Guestrin</a:t>
+            </a:r>
+            <a:r>
+              <a:rPr lang="pl-PL" dirty="0"/>
+              <a:t>)</a:t>
+            </a:r>
+            <a:endParaRPr lang="en-US" dirty="0"/>
+          </a:p>
+          <a:p>
+            <a:endParaRPr lang="pl-PL" dirty="0"/>
+          </a:p>
+        </p:txBody>
+      </p:sp>
+      <p:sp>
+        <p:nvSpPr>
+          <p:cNvPr id="4" name="Symbol zastępczy numeru slajdu 3"/>
+          <p:cNvSpPr>
+            <a:spLocks noGrp="1"/>
+          </p:cNvSpPr>
+          <p:nvPr>
+            <p:ph type="sldNum" sz="quarter" idx="12"/>
+          </p:nvPr>
+        </p:nvSpPr>
+        <p:spPr/>
+        <p:txBody>
+          <a:bodyPr/>
+          <a:lstStyle/>
+          <a:p>
+            <a:fld id="{874E87A6-7FFA-47D1-8277-D8AB08C63F72}" type="slidenum">
+              <a:rPr lang="pl-PL" smtClean="0"/>
+              <a:t>6</a:t>
+            </a:fld>
+            <a:endParaRPr lang="pl-PL"/>
+          </a:p>
+        </p:txBody>
+      </p:sp>
+    </p:spTree>
+    <p:extLst>
+      <p:ext uri="{BB962C8B-B14F-4D97-AF65-F5344CB8AC3E}">
+        <p14:creationId xmlns:p14="http://schemas.microsoft.com/office/powerpoint/2010/main" val="3580629723"/>
+      </p:ext>
+    </p:extLst>
+  </p:cSld>
+  <p:clrMapOvr>
+    <a:masterClrMapping/>
+  </p:clrMapOvr>
+</p:sld>
+</file>
+
+<file path=ppt/slides/slide7.xml><?xml version="1.0" encoding="utf-8"?>
+<p:sld xmlns:a="http://schemas.openxmlformats.org/drawingml/2006/main" xmlns:r="http://schemas.openxmlformats.org/officeDocument/2006/relationships" xmlns:p="http://schemas.openxmlformats.org/presentationml/2006/main">
+  <p:cSld>
+    <p:spTree>
+      <p:nvGrpSpPr>
+        <p:cNvPr id="1" name=""/>
+        <p:cNvGrpSpPr/>
+        <p:nvPr/>
+      </p:nvGrpSpPr>
+      <p:grpSpPr>
+        <a:xfrm>
+          <a:off x="0" y="0"/>
+          <a:ext cx="0" cy="0"/>
+          <a:chOff x="0" y="0"/>
+          <a:chExt cx="0" cy="0"/>
+        </a:xfrm>
+      </p:grpSpPr>
+      <p:sp>
+        <p:nvSpPr>
+          <p:cNvPr id="2" name="Tytuł 1"/>
+          <p:cNvSpPr>
+            <a:spLocks noGrp="1"/>
+          </p:cNvSpPr>
+          <p:nvPr>
+            <p:ph type="ctrTitle"/>
+          </p:nvPr>
+        </p:nvSpPr>
+        <p:spPr/>
+        <p:txBody>
+          <a:bodyPr/>
+          <a:lstStyle/>
+          <a:p>
+            <a:r>
+              <a:rPr lang="pl-PL" dirty="0" err="1"/>
+              <a:t>Thank</a:t>
+            </a:r>
+            <a:r>
+              <a:rPr lang="pl-PL" dirty="0"/>
+              <a:t> </a:t>
+            </a:r>
+            <a:r>
+              <a:rPr lang="pl-PL" dirty="0" err="1"/>
+              <a:t>you</a:t>
+            </a:r>
+            <a:r>
+              <a:rPr lang="pl-PL" dirty="0"/>
+              <a:t> for </a:t>
+            </a:r>
+            <a:r>
+              <a:rPr lang="pl-PL" dirty="0" err="1"/>
+              <a:t>your</a:t>
+            </a:r>
+            <a:r>
+              <a:rPr lang="pl-PL" dirty="0"/>
+              <a:t> </a:t>
+            </a:r>
+            <a:r>
+              <a:rPr lang="pl-PL" dirty="0" err="1"/>
+              <a:t>attention</a:t>
+            </a:r>
+            <a:r>
+              <a:rPr lang="pl-PL" dirty="0"/>
+              <a:t>!</a:t>
+            </a:r>
+          </a:p>
+        </p:txBody>
+      </p:sp>
+      <p:sp>
+        <p:nvSpPr>
+          <p:cNvPr id="4" name="Symbol zastępczy numeru slajdu 3"/>
+          <p:cNvSpPr>
+            <a:spLocks noGrp="1"/>
+          </p:cNvSpPr>
+          <p:nvPr>
+            <p:ph type="sldNum" sz="quarter" idx="12"/>
+          </p:nvPr>
+        </p:nvSpPr>
+        <p:spPr/>
+        <p:txBody>
+          <a:bodyPr/>
+          <a:lstStyle/>
+          <a:p>
+            <a:fld id="{874E87A6-7FFA-47D1-8277-D8AB08C63F72}" type="slidenum">
+              <a:rPr lang="pl-PL" smtClean="0"/>
+              <a:t>7</a:t>
+            </a:fld>
+            <a:endParaRPr lang="pl-PL"/>
+          </a:p>
+        </p:txBody>
+      </p:sp>
+    </p:spTree>
+    <p:extLst>
+      <p:ext uri="{BB962C8B-B14F-4D97-AF65-F5344CB8AC3E}">
+        <p14:creationId xmlns:p14="http://schemas.microsoft.com/office/powerpoint/2010/main" val="152609365"/>
+      </p:ext>
+    </p:extLst>
+  </p:cSld>
+  <p:clrMapOvr>
+    <a:masterClrMapping/>
+  </p:clrMapOvr>
 </p:sld>
 </file>
 
@@ -7025,9 +8417,9 @@
 </file>
 
 <file path=ppt/theme/theme2.xml><?xml version="1.0" encoding="utf-8"?>
-<a:theme xmlns:a="http://schemas.openxmlformats.org/drawingml/2006/main" name="Retrospekcja">
+<a:theme xmlns:a="http://schemas.openxmlformats.org/drawingml/2006/main" name="Dywidenda">
   <a:themeElements>
-    <a:clrScheme name="Retrospekcja">
+    <a:clrScheme name="Dywidenda">
       <a:dk1>
         <a:sysClr val="windowText" lastClr="000000"/>
       </a:dk1>
@@ -7035,44 +8427,313 @@
         <a:sysClr val="window" lastClr="FFFFFF"/>
       </a:lt1>
       <a:dk2>
-        <a:srgbClr val="455F51"/>
+        <a:srgbClr val="3D3D3D"/>
       </a:dk2>
       <a:lt2>
-        <a:srgbClr val="E2DFCC"/>
+        <a:srgbClr val="EBEBEB"/>
       </a:lt2>
       <a:accent1>
-        <a:srgbClr val="99CB38"/>
+        <a:srgbClr val="366658"/>
       </a:accent1>
       <a:accent2>
-        <a:srgbClr val="63A537"/>
+        <a:srgbClr val="8CB64A"/>
       </a:accent2>
       <a:accent3>
-        <a:srgbClr val="37A76F"/>
+        <a:srgbClr val="88D5A9"/>
       </a:accent3>
       <a:accent4>
-        <a:srgbClr val="44C1A3"/>
+        <a:srgbClr val="969FA7"/>
       </a:accent4>
       <a:accent5>
-        <a:srgbClr val="4EB3CF"/>
+        <a:srgbClr val="E8A844"/>
       </a:accent5>
       <a:accent6>
-        <a:srgbClr val="51C3F9"/>
+        <a:srgbClr val="A1561F"/>
       </a:accent6>
       <a:hlink>
-        <a:srgbClr val="6B9F25"/>
+        <a:srgbClr val="828282"/>
       </a:hlink>
       <a:folHlink>
-        <a:srgbClr val="B26B02"/>
+        <a:srgbClr val="A5A5A5"/>
       </a:folHlink>
     </a:clrScheme>
-    <a:fontScheme name="Retrospekcja">
+    <a:fontScheme name="Dywidenda">
+      <a:majorFont>
+        <a:latin typeface="Gill Sans MT" panose="020B0502020104020203"/>
+        <a:ea typeface=""/>
+        <a:cs typeface=""/>
+        <a:font script="Grek" typeface="Corbel"/>
+        <a:font script="Cyrl" typeface="Corbel"/>
+        <a:font script="Jpan" typeface="HGｺﾞｼｯｸE"/>
+        <a:font script="Hang" typeface="휴먼매직체"/>
+        <a:font script="Hans" typeface="华文中宋"/>
+        <a:font script="Hant" typeface="微軟正黑體"/>
+        <a:font script="Arab" typeface="Majalla UI"/>
+        <a:font script="Hebr" typeface="Arial"/>
+        <a:font script="Thai" typeface="Cordia New"/>
+        <a:font script="Ethi" typeface="Nyala"/>
+        <a:font script="Beng" typeface="Vrinda"/>
+        <a:font script="Gujr" typeface="Shruti"/>
+        <a:font script="Khmr" typeface="DaunPenh"/>
+        <a:font script="Knda" typeface="Tunga"/>
+        <a:font script="Guru" typeface="Raavi"/>
+        <a:font script="Cans" typeface="Euphemia"/>
+        <a:font script="Cher" typeface="Plantagenet Cherokee"/>
+        <a:font script="Yiii" typeface="Microsoft Yi Baiti"/>
+        <a:font script="Tibt" typeface="Microsoft Himalaya"/>
+        <a:font script="Thaa" typeface="MV Boli"/>
+        <a:font script="Deva" typeface="Mangal"/>
+        <a:font script="Telu" typeface="Gautami"/>
+        <a:font script="Taml" typeface="Latha"/>
+        <a:font script="Syrc" typeface="Estrangelo Edessa"/>
+        <a:font script="Orya" typeface="Kalinga"/>
+        <a:font script="Mlym" typeface="Kartika"/>
+        <a:font script="Laoo" typeface="DokChampa"/>
+        <a:font script="Sinh" typeface="Iskoola Pota"/>
+        <a:font script="Mong" typeface="Mongolian Baiti"/>
+        <a:font script="Viet" typeface="Tahoma"/>
+        <a:font script="Uigh" typeface="Microsoft Uighur"/>
+        <a:font script="Geor" typeface="Sylfaen"/>
+      </a:majorFont>
+      <a:minorFont>
+        <a:latin typeface="Gill Sans MT" panose="020B0502020104020203"/>
+        <a:ea typeface=""/>
+        <a:cs typeface=""/>
+        <a:font script="Grek" typeface="Corbel"/>
+        <a:font script="Cyrl" typeface="Corbel"/>
+        <a:font script="Jpan" typeface="HGｺﾞｼｯｸE"/>
+        <a:font script="Hang" typeface="휴먼매직체"/>
+        <a:font script="Hans" typeface="华文中宋"/>
+        <a:font script="Hant" typeface="微軟正黑體"/>
+        <a:font script="Arab" typeface="Majalla UI"/>
+        <a:font script="Hebr" typeface="Arial"/>
+        <a:font script="Thai" typeface="Cordia New"/>
+        <a:font script="Ethi" typeface="Nyala"/>
+        <a:font script="Beng" typeface="Vrinda"/>
+        <a:font script="Gujr" typeface="Shruti"/>
+        <a:font script="Khmr" typeface="DaunPenh"/>
+        <a:font script="Knda" typeface="Tunga"/>
+        <a:font script="Guru" typeface="Raavi"/>
+        <a:font script="Cans" typeface="Euphemia"/>
+        <a:font script="Cher" typeface="Plantagenet Cherokee"/>
+        <a:font script="Yiii" typeface="Microsoft Yi Baiti"/>
+        <a:font script="Tibt" typeface="Microsoft Himalaya"/>
+        <a:font script="Thaa" typeface="MV Boli"/>
+        <a:font script="Deva" typeface="Mangal"/>
+        <a:font script="Telu" typeface="Gautami"/>
+        <a:font script="Taml" typeface="Latha"/>
+        <a:font script="Syrc" typeface="Estrangelo Edessa"/>
+        <a:font script="Orya" typeface="Kalinga"/>
+        <a:font script="Mlym" typeface="Kartika"/>
+        <a:font script="Laoo" typeface="DokChampa"/>
+        <a:font script="Sinh" typeface="Iskoola Pota"/>
+        <a:font script="Mong" typeface="Mongolian Baiti"/>
+        <a:font script="Viet" typeface="Tahoma"/>
+        <a:font script="Uigh" typeface="Microsoft Uighur"/>
+        <a:font script="Geor" typeface="Sylfaen"/>
+      </a:minorFont>
+    </a:fontScheme>
+    <a:fmtScheme name="Dywidenda">
+      <a:fillStyleLst>
+        <a:solidFill>
+          <a:schemeClr val="phClr"/>
+        </a:solidFill>
+        <a:gradFill rotWithShape="1">
+          <a:gsLst>
+            <a:gs pos="0">
+              <a:schemeClr val="phClr">
+                <a:tint val="68000"/>
+                <a:alpha val="90000"/>
+                <a:lumMod val="100000"/>
+              </a:schemeClr>
+            </a:gs>
+            <a:gs pos="100000">
+              <a:schemeClr val="phClr">
+                <a:tint val="90000"/>
+                <a:lumMod val="95000"/>
+              </a:schemeClr>
+            </a:gs>
+          </a:gsLst>
+          <a:lin ang="5400000" scaled="1"/>
+        </a:gradFill>
+        <a:gradFill rotWithShape="1">
+          <a:gsLst>
+            <a:gs pos="0">
+              <a:schemeClr val="phClr">
+                <a:tint val="98000"/>
+                <a:lumMod val="110000"/>
+              </a:schemeClr>
+            </a:gs>
+            <a:gs pos="84000">
+              <a:schemeClr val="phClr">
+                <a:shade val="90000"/>
+                <a:lumMod val="88000"/>
+              </a:schemeClr>
+            </a:gs>
+          </a:gsLst>
+          <a:lin ang="5400000" scaled="0"/>
+        </a:gradFill>
+      </a:fillStyleLst>
+      <a:lnStyleLst>
+        <a:ln w="12700" cap="rnd" cmpd="sng" algn="ctr">
+          <a:solidFill>
+            <a:schemeClr val="phClr">
+              <a:lumMod val="90000"/>
+            </a:schemeClr>
+          </a:solidFill>
+          <a:prstDash val="solid"/>
+        </a:ln>
+        <a:ln w="22225" cap="rnd" cmpd="sng" algn="ctr">
+          <a:solidFill>
+            <a:schemeClr val="phClr"/>
+          </a:solidFill>
+          <a:prstDash val="solid"/>
+        </a:ln>
+        <a:ln w="25400" cap="rnd" cmpd="sng" algn="ctr">
+          <a:solidFill>
+            <a:schemeClr val="phClr"/>
+          </a:solidFill>
+          <a:prstDash val="solid"/>
+        </a:ln>
+      </a:lnStyleLst>
+      <a:effectStyleLst>
+        <a:effectStyle>
+          <a:effectLst/>
+        </a:effectStyle>
+        <a:effectStyle>
+          <a:effectLst>
+            <a:outerShdw blurRad="38100" dist="25400" dir="5400000" rotWithShape="0">
+              <a:srgbClr val="000000">
+                <a:alpha val="55000"/>
+              </a:srgbClr>
+            </a:outerShdw>
+          </a:effectLst>
+        </a:effectStyle>
+        <a:effectStyle>
+          <a:effectLst>
+            <a:outerShdw blurRad="88900" dist="38100" dir="5040000" rotWithShape="0">
+              <a:srgbClr val="000000">
+                <a:alpha val="60000"/>
+              </a:srgbClr>
+            </a:outerShdw>
+          </a:effectLst>
+          <a:scene3d>
+            <a:camera prst="orthographicFront">
+              <a:rot lat="0" lon="0" rev="0"/>
+            </a:camera>
+            <a:lightRig rig="threePt" dir="tl">
+              <a:rot lat="0" lon="0" rev="1200000"/>
+            </a:lightRig>
+          </a:scene3d>
+          <a:sp3d>
+            <a:bevelT w="38100" h="50800"/>
+          </a:sp3d>
+        </a:effectStyle>
+      </a:effectStyleLst>
+      <a:bgFillStyleLst>
+        <a:solidFill>
+          <a:schemeClr val="phClr"/>
+        </a:solidFill>
+        <a:gradFill rotWithShape="1">
+          <a:gsLst>
+            <a:gs pos="0">
+              <a:schemeClr val="phClr">
+                <a:tint val="90000"/>
+                <a:lumMod val="110000"/>
+              </a:schemeClr>
+            </a:gs>
+            <a:gs pos="88000">
+              <a:schemeClr val="phClr">
+                <a:shade val="94000"/>
+                <a:satMod val="110000"/>
+                <a:lumMod val="88000"/>
+              </a:schemeClr>
+            </a:gs>
+          </a:gsLst>
+          <a:lin ang="5400000" scaled="0"/>
+        </a:gradFill>
+        <a:gradFill rotWithShape="1">
+          <a:gsLst>
+            <a:gs pos="0">
+              <a:schemeClr val="phClr">
+                <a:tint val="90000"/>
+                <a:lumMod val="110000"/>
+              </a:schemeClr>
+            </a:gs>
+            <a:gs pos="100000">
+              <a:schemeClr val="phClr">
+                <a:shade val="98000"/>
+                <a:satMod val="110000"/>
+                <a:lumMod val="86000"/>
+              </a:schemeClr>
+            </a:gs>
+          </a:gsLst>
+          <a:path path="circle">
+            <a:fillToRect l="50000" t="50000" r="100000" b="100000"/>
+          </a:path>
+        </a:gradFill>
+      </a:bgFillStyleLst>
+    </a:fmtScheme>
+  </a:themeElements>
+  <a:objectDefaults/>
+  <a:extraClrSchemeLst/>
+  <a:extLst>
+    <a:ext uri="{05A4C25C-085E-4340-85A3-A5531E510DB2}">
+      <thm15:themeFamily xmlns:thm15="http://schemas.microsoft.com/office/thememl/2012/main" name="Dividend" id="{9697A71B-4AB7-4A1A-BD5B-BB2D22835B57}" vid="{4BEC0EAF-CF86-4D49-B83B-56CC62D3CFF1}"/>
+    </a:ext>
+  </a:extLst>
+</a:theme>
+</file>
+
+<file path=ppt/theme/theme3.xml><?xml version="1.0" encoding="utf-8"?>
+<a:theme xmlns:a="http://schemas.openxmlformats.org/drawingml/2006/main" name="Motyw pakietu Office">
+  <a:themeElements>
+    <a:clrScheme name="Pakiet Office">
+      <a:dk1>
+        <a:sysClr val="windowText" lastClr="000000"/>
+      </a:dk1>
+      <a:lt1>
+        <a:sysClr val="window" lastClr="FFFFFF"/>
+      </a:lt1>
+      <a:dk2>
+        <a:srgbClr val="44546A"/>
+      </a:dk2>
+      <a:lt2>
+        <a:srgbClr val="E7E6E6"/>
+      </a:lt2>
+      <a:accent1>
+        <a:srgbClr val="4472C4"/>
+      </a:accent1>
+      <a:accent2>
+        <a:srgbClr val="ED7D31"/>
+      </a:accent2>
+      <a:accent3>
+        <a:srgbClr val="A5A5A5"/>
+      </a:accent3>
+      <a:accent4>
+        <a:srgbClr val="FFC000"/>
+      </a:accent4>
+      <a:accent5>
+        <a:srgbClr val="5B9BD5"/>
+      </a:accent5>
+      <a:accent6>
+        <a:srgbClr val="70AD47"/>
+      </a:accent6>
+      <a:hlink>
+        <a:srgbClr val="0563C1"/>
+      </a:hlink>
+      <a:folHlink>
+        <a:srgbClr val="954F72"/>
+      </a:folHlink>
+    </a:clrScheme>
+    <a:fontScheme name="Pakiet Office">
       <a:majorFont>
         <a:latin typeface="Calibri Light" panose="020F0302020204030204"/>
         <a:ea typeface=""/>
         <a:cs typeface=""/>
-        <a:font script="Jpan" typeface="ＭＳ Ｐゴシック"/>
+        <a:font script="Jpan" typeface="游ゴシック Light"/>
         <a:font script="Hang" typeface="맑은 고딕"/>
-        <a:font script="Hans" typeface="宋体"/>
+        <a:font script="Hans" typeface="等线 Light"/>
         <a:font script="Hant" typeface="新細明體"/>
         <a:font script="Arab" typeface="Times New Roman"/>
         <a:font script="Hebr" typeface="Times New Roman"/>
@@ -7100,14 +8761,31 @@
         <a:font script="Viet" typeface="Times New Roman"/>
         <a:font script="Uigh" typeface="Microsoft Uighur"/>
         <a:font script="Geor" typeface="Sylfaen"/>
+        <a:font script="Armn" typeface="Arial"/>
+        <a:font script="Bugi" typeface="Leelawadee UI"/>
+        <a:font script="Bopo" typeface="Microsoft JhengHei"/>
+        <a:font script="Java" typeface="Javanese Text"/>
+        <a:font script="Lisu" typeface="Segoe UI"/>
+        <a:font script="Mymr" typeface="Myanmar Text"/>
+        <a:font script="Nkoo" typeface="Ebrima"/>
+        <a:font script="Olck" typeface="Nirmala UI"/>
+        <a:font script="Osma" typeface="Ebrima"/>
+        <a:font script="Phag" typeface="Phagspa"/>
+        <a:font script="Syrn" typeface="Estrangelo Edessa"/>
+        <a:font script="Syrj" typeface="Estrangelo Edessa"/>
+        <a:font script="Syre" typeface="Estrangelo Edessa"/>
+        <a:font script="Sora" typeface="Nirmala UI"/>
+        <a:font script="Tale" typeface="Microsoft Tai Le"/>
+        <a:font script="Talu" typeface="Microsoft New Tai Lue"/>
+        <a:font script="Tfng" typeface="Ebrima"/>
       </a:majorFont>
       <a:minorFont>
         <a:latin typeface="Calibri" panose="020F0502020204030204"/>
         <a:ea typeface=""/>
         <a:cs typeface=""/>
-        <a:font script="Jpan" typeface="ＭＳ Ｐゴシック"/>
+        <a:font script="Jpan" typeface="游ゴシック"/>
         <a:font script="Hang" typeface="맑은 고딕"/>
-        <a:font script="Hans" typeface="宋体"/>
+        <a:font script="Hans" typeface="等线"/>
         <a:font script="Hant" typeface="新細明體"/>
         <a:font script="Arab" typeface="Arial"/>
         <a:font script="Hebr" typeface="Arial"/>
@@ -7135,9 +8813,26 @@
         <a:font script="Viet" typeface="Arial"/>
         <a:font script="Uigh" typeface="Microsoft Uighur"/>
         <a:font script="Geor" typeface="Sylfaen"/>
+        <a:font script="Armn" typeface="Arial"/>
+        <a:font script="Bugi" typeface="Leelawadee UI"/>
+        <a:font script="Bopo" typeface="Microsoft JhengHei"/>
+        <a:font script="Java" typeface="Javanese Text"/>
+        <a:font script="Lisu" typeface="Segoe UI"/>
+        <a:font script="Mymr" typeface="Myanmar Text"/>
+        <a:font script="Nkoo" typeface="Ebrima"/>
+        <a:font script="Olck" typeface="Nirmala UI"/>
+        <a:font script="Osma" typeface="Ebrima"/>
+        <a:font script="Phag" typeface="Phagspa"/>
+        <a:font script="Syrn" typeface="Estrangelo Edessa"/>
+        <a:font script="Syrj" typeface="Estrangelo Edessa"/>
+        <a:font script="Syre" typeface="Estrangelo Edessa"/>
+        <a:font script="Sora" typeface="Nirmala UI"/>
+        <a:font script="Tale" typeface="Microsoft Tai Le"/>
+        <a:font script="Talu" typeface="Microsoft New Tai Lue"/>
+        <a:font script="Tfng" typeface="Ebrima"/>
       </a:minorFont>
     </a:fontScheme>
-    <a:fmtScheme name="Retrospekcja">
+    <a:fmtScheme name="Pakiet Office">
       <a:fillStyleLst>
         <a:solidFill>
           <a:schemeClr val="phClr"/>
@@ -7146,81 +8841,76 @@
           <a:gsLst>
             <a:gs pos="0">
               <a:schemeClr val="phClr">
-                <a:tint val="65000"/>
-                <a:shade val="92000"/>
-                <a:satMod val="130000"/>
+                <a:lumMod val="110000"/>
+                <a:satMod val="105000"/>
+                <a:tint val="67000"/>
               </a:schemeClr>
             </a:gs>
-            <a:gs pos="45000">
+            <a:gs pos="50000">
               <a:schemeClr val="phClr">
-                <a:tint val="60000"/>
-                <a:shade val="99000"/>
-                <a:satMod val="120000"/>
+                <a:lumMod val="105000"/>
+                <a:satMod val="103000"/>
+                <a:tint val="73000"/>
               </a:schemeClr>
             </a:gs>
             <a:gs pos="100000">
               <a:schemeClr val="phClr">
-                <a:tint val="55000"/>
-                <a:satMod val="140000"/>
+                <a:lumMod val="105000"/>
+                <a:satMod val="109000"/>
+                <a:tint val="81000"/>
               </a:schemeClr>
             </a:gs>
           </a:gsLst>
-          <a:path path="circle">
-            <a:fillToRect l="100000" t="100000" r="100000" b="100000"/>
-          </a:path>
+          <a:lin ang="5400000" scaled="0"/>
         </a:gradFill>
         <a:gradFill rotWithShape="1">
           <a:gsLst>
             <a:gs pos="0">
               <a:schemeClr val="phClr">
-                <a:shade val="85000"/>
-                <a:satMod val="130000"/>
+                <a:satMod val="103000"/>
+                <a:lumMod val="102000"/>
+                <a:tint val="94000"/>
               </a:schemeClr>
             </a:gs>
-            <a:gs pos="34000">
+            <a:gs pos="50000">
               <a:schemeClr val="phClr">
-                <a:shade val="87000"/>
-                <a:satMod val="125000"/>
-              </a:schemeClr>
-            </a:gs>
-            <a:gs pos="70000">
-              <a:schemeClr val="phClr">
-                <a:tint val="100000"/>
-                <a:shade val="90000"/>
-                <a:satMod val="130000"/>
+                <a:satMod val="110000"/>
+                <a:lumMod val="100000"/>
+                <a:shade val="100000"/>
               </a:schemeClr>
             </a:gs>
             <a:gs pos="100000">
               <a:schemeClr val="phClr">
-                <a:tint val="100000"/>
-                <a:shade val="100000"/>
-                <a:satMod val="110000"/>
+                <a:lumMod val="99000"/>
+                <a:satMod val="120000"/>
+                <a:shade val="78000"/>
               </a:schemeClr>
             </a:gs>
           </a:gsLst>
-          <a:path path="circle">
-            <a:fillToRect l="100000" t="100000" r="100000" b="100000"/>
-          </a:path>
+          <a:lin ang="5400000" scaled="0"/>
         </a:gradFill>
       </a:fillStyleLst>
       <a:lnStyleLst>
+        <a:ln w="6350" cap="flat" cmpd="sng" algn="ctr">
+          <a:solidFill>
+            <a:schemeClr val="phClr"/>
+          </a:solidFill>
+          <a:prstDash val="solid"/>
+          <a:miter lim="800000"/>
+        </a:ln>
         <a:ln w="12700" cap="flat" cmpd="sng" algn="ctr">
           <a:solidFill>
             <a:schemeClr val="phClr"/>
           </a:solidFill>
           <a:prstDash val="solid"/>
+          <a:miter lim="800000"/>
         </a:ln>
-        <a:ln w="15875" cap="flat" cmpd="sng" algn="ctr">
+        <a:ln w="19050" cap="flat" cmpd="sng" algn="ctr">
           <a:solidFill>
             <a:schemeClr val="phClr"/>
           </a:solidFill>
           <a:prstDash val="solid"/>
-        </a:ln>
-        <a:ln w="25400" cap="flat" cmpd="sng" algn="ctr">
-          <a:solidFill>
-            <a:schemeClr val="phClr"/>
-          </a:solidFill>
-          <a:prstDash val="solid"/>
+          <a:miter lim="800000"/>
         </a:ln>
       </a:lnStyleLst>
       <a:effectStyleLst>
@@ -7228,33 +8918,16 @@
           <a:effectLst/>
         </a:effectStyle>
         <a:effectStyle>
+          <a:effectLst/>
+        </a:effectStyle>
+        <a:effectStyle>
           <a:effectLst>
-            <a:outerShdw blurRad="38100" dist="25400" dir="2700000" algn="br" rotWithShape="0">
+            <a:outerShdw blurRad="57150" dist="19050" dir="5400000" algn="ctr" rotWithShape="0">
               <a:srgbClr val="000000">
-                <a:alpha val="60000"/>
+                <a:alpha val="63000"/>
               </a:srgbClr>
             </a:outerShdw>
           </a:effectLst>
-        </a:effectStyle>
-        <a:effectStyle>
-          <a:effectLst>
-            <a:outerShdw blurRad="44450" dist="25400" dir="2700000" algn="br" rotWithShape="0">
-              <a:srgbClr val="000000">
-                <a:alpha val="60000"/>
-              </a:srgbClr>
-            </a:outerShdw>
-          </a:effectLst>
-          <a:scene3d>
-            <a:camera prst="orthographicFront">
-              <a:rot lat="0" lon="0" rev="0"/>
-            </a:camera>
-            <a:lightRig rig="threePt" dir="t">
-              <a:rot lat="0" lon="0" rev="19800000"/>
-            </a:lightRig>
-          </a:scene3d>
-          <a:sp3d prstMaterial="flat">
-            <a:bevelT w="25400" h="31750"/>
-          </a:sp3d>
         </a:effectStyle>
       </a:effectStyleLst>
       <a:bgFillStyleLst>
@@ -7263,36 +8936,36 @@
         </a:solidFill>
         <a:solidFill>
           <a:schemeClr val="phClr">
-            <a:tint val="90000"/>
-            <a:shade val="97000"/>
-            <a:satMod val="130000"/>
+            <a:tint val="95000"/>
+            <a:satMod val="170000"/>
           </a:schemeClr>
         </a:solidFill>
         <a:gradFill rotWithShape="1">
           <a:gsLst>
             <a:gs pos="0">
               <a:schemeClr val="phClr">
-                <a:tint val="96000"/>
-                <a:shade val="99000"/>
-                <a:satMod val="140000"/>
+                <a:tint val="93000"/>
+                <a:satMod val="150000"/>
+                <a:shade val="98000"/>
+                <a:lumMod val="102000"/>
               </a:schemeClr>
             </a:gs>
-            <a:gs pos="65000">
+            <a:gs pos="50000">
               <a:schemeClr val="phClr">
-                <a:tint val="100000"/>
-                <a:shade val="80000"/>
+                <a:tint val="98000"/>
                 <a:satMod val="130000"/>
+                <a:shade val="90000"/>
+                <a:lumMod val="103000"/>
               </a:schemeClr>
             </a:gs>
             <a:gs pos="100000">
               <a:schemeClr val="phClr">
-                <a:tint val="100000"/>
-                <a:shade val="48000"/>
+                <a:shade val="63000"/>
                 <a:satMod val="120000"/>
               </a:schemeClr>
             </a:gs>
           </a:gsLst>
-          <a:lin ang="16200000" scaled="0"/>
+          <a:lin ang="5400000" scaled="0"/>
         </a:gradFill>
       </a:bgFillStyleLst>
     </a:fmtScheme>
@@ -7301,7 +8974,7 @@
   <a:extraClrSchemeLst/>
   <a:extLst>
     <a:ext uri="{05A4C25C-085E-4340-85A3-A5531E510DB2}">
-      <thm15:themeFamily xmlns:thm15="http://schemas.microsoft.com/office/thememl/2012/main" name="Retrospect" id="{5F128B03-DCCA-4EEB-AB3B-CF2899314A46}" vid="{D26EA377-59BD-4C9C-9D94-EE8416EE4C79}"/>
+      <thm15:themeFamily xmlns:thm15="http://schemas.microsoft.com/office/thememl/2012/main" name="Office Theme" id="{62F939B6-93AF-4DB8-9C6B-D6C7DFDC589F}" vid="{4A3C46E8-61CC-4603-A589-7422A47A8E4A}"/>
     </a:ext>
   </a:extLst>
 </a:theme>
